--- a/{KGC2016]오픈소스 네트워크 엔진 SuperSocket 사용하기.pptx
+++ b/{KGC2016]오픈소스 네트워크 엔진 SuperSocket 사용하기.pptx
@@ -5,7 +5,7 @@
     <p:sldMasterId id="2147483654" r:id="rId1"/>
   </p:sldMasterIdLst>
   <p:notesMasterIdLst>
-    <p:notesMasterId r:id="rId62"/>
+    <p:notesMasterId r:id="rId58"/>
   </p:notesMasterIdLst>
   <p:sldIdLst>
     <p:sldId id="256" r:id="rId2"/>
@@ -62,12 +62,8 @@
     <p:sldId id="303" r:id="rId53"/>
     <p:sldId id="304" r:id="rId54"/>
     <p:sldId id="305" r:id="rId55"/>
-    <p:sldId id="327" r:id="rId56"/>
-    <p:sldId id="328" r:id="rId57"/>
-    <p:sldId id="329" r:id="rId58"/>
-    <p:sldId id="330" r:id="rId59"/>
-    <p:sldId id="331" r:id="rId60"/>
-    <p:sldId id="340" r:id="rId61"/>
+    <p:sldId id="340" r:id="rId56"/>
+    <p:sldId id="345" r:id="rId57"/>
   </p:sldIdLst>
   <p:sldSz cx="9144000" cy="6858000" type="screen4x3"/>
   <p:notesSz cx="6858000" cy="9144000"/>
@@ -5427,7 +5423,7 @@
   <p:cSld>
     <p:spTree>
       <p:nvGrpSpPr>
-        <p:cNvPr id="1" name="Shape 382"/>
+        <p:cNvPr id="1" name="Shape 423"/>
         <p:cNvGrpSpPr/>
         <p:nvPr/>
       </p:nvGrpSpPr>
@@ -5441,7 +5437,7 @@
       </p:grpSpPr>
       <p:sp>
         <p:nvSpPr>
-          <p:cNvPr id="383" name="Shape 383"/>
+          <p:cNvPr id="424" name="Shape 424"/>
           <p:cNvSpPr>
             <a:spLocks noGrp="1" noRot="1" noChangeAspect="1"/>
           </p:cNvSpPr>
@@ -5482,7 +5478,7 @@
       </p:sp>
       <p:sp>
         <p:nvSpPr>
-          <p:cNvPr id="384" name="Shape 384"/>
+          <p:cNvPr id="425" name="Shape 425"/>
           <p:cNvSpPr txBox="1">
             <a:spLocks noGrp="1"/>
           </p:cNvSpPr>
@@ -5512,7 +5508,7 @@
     </p:spTree>
     <p:extLst>
       <p:ext uri="{BB962C8B-B14F-4D97-AF65-F5344CB8AC3E}">
-        <p14:creationId xmlns:p14="http://schemas.microsoft.com/office/powerpoint/2010/main" val="3606586259"/>
+        <p14:creationId xmlns:p14="http://schemas.microsoft.com/office/powerpoint/2010/main" val="631115844"/>
       </p:ext>
     </p:extLst>
   </p:cSld>
@@ -5612,407 +5608,7 @@
     </p:spTree>
     <p:extLst>
       <p:ext uri="{BB962C8B-B14F-4D97-AF65-F5344CB8AC3E}">
-        <p14:creationId xmlns:p14="http://schemas.microsoft.com/office/powerpoint/2010/main" val="290588313"/>
-      </p:ext>
-    </p:extLst>
-  </p:cSld>
-  <p:clrMapOvr>
-    <a:masterClrMapping/>
-  </p:clrMapOvr>
-</p:notes>
-</file>
-
-<file path=ppt/notesSlides/notesSlide56.xml><?xml version="1.0" encoding="utf-8"?>
-<p:notes xmlns:a="http://schemas.openxmlformats.org/drawingml/2006/main" xmlns:r="http://schemas.openxmlformats.org/officeDocument/2006/relationships" xmlns:p="http://schemas.openxmlformats.org/presentationml/2006/main" showMasterSp="0" showMasterPhAnim="0">
-  <p:cSld>
-    <p:spTree>
-      <p:nvGrpSpPr>
-        <p:cNvPr id="1" name="Shape 423"/>
-        <p:cNvGrpSpPr/>
-        <p:nvPr/>
-      </p:nvGrpSpPr>
-      <p:grpSpPr>
-        <a:xfrm>
-          <a:off x="0" y="0"/>
-          <a:ext cx="0" cy="0"/>
-          <a:chOff x="0" y="0"/>
-          <a:chExt cx="0" cy="0"/>
-        </a:xfrm>
-      </p:grpSpPr>
-      <p:sp>
-        <p:nvSpPr>
-          <p:cNvPr id="424" name="Shape 424"/>
-          <p:cNvSpPr>
-            <a:spLocks noGrp="1" noRot="1" noChangeAspect="1"/>
-          </p:cNvSpPr>
-          <p:nvPr>
-            <p:ph type="sldImg" idx="2"/>
-          </p:nvPr>
-        </p:nvSpPr>
-        <p:spPr>
-          <a:xfrm>
-            <a:off x="1143000" y="685800"/>
-            <a:ext cx="4572000" cy="3429000"/>
-          </a:xfrm>
-          <a:custGeom>
-            <a:avLst/>
-            <a:gdLst/>
-            <a:ahLst/>
-            <a:cxnLst/>
-            <a:rect l="0" t="0" r="0" b="0"/>
-            <a:pathLst>
-              <a:path w="120000" h="120000" extrusionOk="0">
-                <a:moveTo>
-                  <a:pt x="0" y="0"/>
-                </a:moveTo>
-                <a:lnTo>
-                  <a:pt x="120000" y="0"/>
-                </a:lnTo>
-                <a:lnTo>
-                  <a:pt x="120000" y="120000"/>
-                </a:lnTo>
-                <a:lnTo>
-                  <a:pt x="0" y="120000"/>
-                </a:lnTo>
-                <a:close/>
-              </a:path>
-            </a:pathLst>
-          </a:custGeom>
-        </p:spPr>
-      </p:sp>
-      <p:sp>
-        <p:nvSpPr>
-          <p:cNvPr id="425" name="Shape 425"/>
-          <p:cNvSpPr txBox="1">
-            <a:spLocks noGrp="1"/>
-          </p:cNvSpPr>
-          <p:nvPr>
-            <p:ph type="body" idx="1"/>
-          </p:nvPr>
-        </p:nvSpPr>
-        <p:spPr>
-          <a:xfrm>
-            <a:off x="685800" y="4343400"/>
-            <a:ext cx="5486399" cy="4114800"/>
-          </a:xfrm>
-          <a:prstGeom prst="rect">
-            <a:avLst/>
-          </a:prstGeom>
-        </p:spPr>
-        <p:txBody>
-          <a:bodyPr lIns="91425" tIns="91425" rIns="91425" bIns="91425" anchor="t" anchorCtr="0">
-            <a:noAutofit/>
-          </a:bodyPr>
-          <a:lstStyle/>
-          <a:p>
-            <a:endParaRPr/>
-          </a:p>
-        </p:txBody>
-      </p:sp>
-    </p:spTree>
-    <p:extLst>
-      <p:ext uri="{BB962C8B-B14F-4D97-AF65-F5344CB8AC3E}">
-        <p14:creationId xmlns:p14="http://schemas.microsoft.com/office/powerpoint/2010/main" val="1757475672"/>
-      </p:ext>
-    </p:extLst>
-  </p:cSld>
-  <p:clrMapOvr>
-    <a:masterClrMapping/>
-  </p:clrMapOvr>
-</p:notes>
-</file>
-
-<file path=ppt/notesSlides/notesSlide57.xml><?xml version="1.0" encoding="utf-8"?>
-<p:notes xmlns:a="http://schemas.openxmlformats.org/drawingml/2006/main" xmlns:r="http://schemas.openxmlformats.org/officeDocument/2006/relationships" xmlns:p="http://schemas.openxmlformats.org/presentationml/2006/main" showMasterSp="0" showMasterPhAnim="0">
-  <p:cSld>
-    <p:spTree>
-      <p:nvGrpSpPr>
-        <p:cNvPr id="1" name="Shape 423"/>
-        <p:cNvGrpSpPr/>
-        <p:nvPr/>
-      </p:nvGrpSpPr>
-      <p:grpSpPr>
-        <a:xfrm>
-          <a:off x="0" y="0"/>
-          <a:ext cx="0" cy="0"/>
-          <a:chOff x="0" y="0"/>
-          <a:chExt cx="0" cy="0"/>
-        </a:xfrm>
-      </p:grpSpPr>
-      <p:sp>
-        <p:nvSpPr>
-          <p:cNvPr id="424" name="Shape 424"/>
-          <p:cNvSpPr>
-            <a:spLocks noGrp="1" noRot="1" noChangeAspect="1"/>
-          </p:cNvSpPr>
-          <p:nvPr>
-            <p:ph type="sldImg" idx="2"/>
-          </p:nvPr>
-        </p:nvSpPr>
-        <p:spPr>
-          <a:xfrm>
-            <a:off x="1143000" y="685800"/>
-            <a:ext cx="4572000" cy="3429000"/>
-          </a:xfrm>
-          <a:custGeom>
-            <a:avLst/>
-            <a:gdLst/>
-            <a:ahLst/>
-            <a:cxnLst/>
-            <a:rect l="0" t="0" r="0" b="0"/>
-            <a:pathLst>
-              <a:path w="120000" h="120000" extrusionOk="0">
-                <a:moveTo>
-                  <a:pt x="0" y="0"/>
-                </a:moveTo>
-                <a:lnTo>
-                  <a:pt x="120000" y="0"/>
-                </a:lnTo>
-                <a:lnTo>
-                  <a:pt x="120000" y="120000"/>
-                </a:lnTo>
-                <a:lnTo>
-                  <a:pt x="0" y="120000"/>
-                </a:lnTo>
-                <a:close/>
-              </a:path>
-            </a:pathLst>
-          </a:custGeom>
-        </p:spPr>
-      </p:sp>
-      <p:sp>
-        <p:nvSpPr>
-          <p:cNvPr id="425" name="Shape 425"/>
-          <p:cNvSpPr txBox="1">
-            <a:spLocks noGrp="1"/>
-          </p:cNvSpPr>
-          <p:nvPr>
-            <p:ph type="body" idx="1"/>
-          </p:nvPr>
-        </p:nvSpPr>
-        <p:spPr>
-          <a:xfrm>
-            <a:off x="685800" y="4343400"/>
-            <a:ext cx="5486399" cy="4114800"/>
-          </a:xfrm>
-          <a:prstGeom prst="rect">
-            <a:avLst/>
-          </a:prstGeom>
-        </p:spPr>
-        <p:txBody>
-          <a:bodyPr lIns="91425" tIns="91425" rIns="91425" bIns="91425" anchor="t" anchorCtr="0">
-            <a:noAutofit/>
-          </a:bodyPr>
-          <a:lstStyle/>
-          <a:p>
-            <a:endParaRPr/>
-          </a:p>
-        </p:txBody>
-      </p:sp>
-    </p:spTree>
-    <p:extLst>
-      <p:ext uri="{BB962C8B-B14F-4D97-AF65-F5344CB8AC3E}">
-        <p14:creationId xmlns:p14="http://schemas.microsoft.com/office/powerpoint/2010/main" val="4049680156"/>
-      </p:ext>
-    </p:extLst>
-  </p:cSld>
-  <p:clrMapOvr>
-    <a:masterClrMapping/>
-  </p:clrMapOvr>
-</p:notes>
-</file>
-
-<file path=ppt/notesSlides/notesSlide58.xml><?xml version="1.0" encoding="utf-8"?>
-<p:notes xmlns:a="http://schemas.openxmlformats.org/drawingml/2006/main" xmlns:r="http://schemas.openxmlformats.org/officeDocument/2006/relationships" xmlns:p="http://schemas.openxmlformats.org/presentationml/2006/main" showMasterSp="0" showMasterPhAnim="0">
-  <p:cSld>
-    <p:spTree>
-      <p:nvGrpSpPr>
-        <p:cNvPr id="1" name="Shape 423"/>
-        <p:cNvGrpSpPr/>
-        <p:nvPr/>
-      </p:nvGrpSpPr>
-      <p:grpSpPr>
-        <a:xfrm>
-          <a:off x="0" y="0"/>
-          <a:ext cx="0" cy="0"/>
-          <a:chOff x="0" y="0"/>
-          <a:chExt cx="0" cy="0"/>
-        </a:xfrm>
-      </p:grpSpPr>
-      <p:sp>
-        <p:nvSpPr>
-          <p:cNvPr id="424" name="Shape 424"/>
-          <p:cNvSpPr>
-            <a:spLocks noGrp="1" noRot="1" noChangeAspect="1"/>
-          </p:cNvSpPr>
-          <p:nvPr>
-            <p:ph type="sldImg" idx="2"/>
-          </p:nvPr>
-        </p:nvSpPr>
-        <p:spPr>
-          <a:xfrm>
-            <a:off x="1143000" y="685800"/>
-            <a:ext cx="4572000" cy="3429000"/>
-          </a:xfrm>
-          <a:custGeom>
-            <a:avLst/>
-            <a:gdLst/>
-            <a:ahLst/>
-            <a:cxnLst/>
-            <a:rect l="0" t="0" r="0" b="0"/>
-            <a:pathLst>
-              <a:path w="120000" h="120000" extrusionOk="0">
-                <a:moveTo>
-                  <a:pt x="0" y="0"/>
-                </a:moveTo>
-                <a:lnTo>
-                  <a:pt x="120000" y="0"/>
-                </a:lnTo>
-                <a:lnTo>
-                  <a:pt x="120000" y="120000"/>
-                </a:lnTo>
-                <a:lnTo>
-                  <a:pt x="0" y="120000"/>
-                </a:lnTo>
-                <a:close/>
-              </a:path>
-            </a:pathLst>
-          </a:custGeom>
-        </p:spPr>
-      </p:sp>
-      <p:sp>
-        <p:nvSpPr>
-          <p:cNvPr id="425" name="Shape 425"/>
-          <p:cNvSpPr txBox="1">
-            <a:spLocks noGrp="1"/>
-          </p:cNvSpPr>
-          <p:nvPr>
-            <p:ph type="body" idx="1"/>
-          </p:nvPr>
-        </p:nvSpPr>
-        <p:spPr>
-          <a:xfrm>
-            <a:off x="685800" y="4343400"/>
-            <a:ext cx="5486399" cy="4114800"/>
-          </a:xfrm>
-          <a:prstGeom prst="rect">
-            <a:avLst/>
-          </a:prstGeom>
-        </p:spPr>
-        <p:txBody>
-          <a:bodyPr lIns="91425" tIns="91425" rIns="91425" bIns="91425" anchor="t" anchorCtr="0">
-            <a:noAutofit/>
-          </a:bodyPr>
-          <a:lstStyle/>
-          <a:p>
-            <a:endParaRPr/>
-          </a:p>
-        </p:txBody>
-      </p:sp>
-    </p:spTree>
-    <p:extLst>
-      <p:ext uri="{BB962C8B-B14F-4D97-AF65-F5344CB8AC3E}">
-        <p14:creationId xmlns:p14="http://schemas.microsoft.com/office/powerpoint/2010/main" val="1844481490"/>
-      </p:ext>
-    </p:extLst>
-  </p:cSld>
-  <p:clrMapOvr>
-    <a:masterClrMapping/>
-  </p:clrMapOvr>
-</p:notes>
-</file>
-
-<file path=ppt/notesSlides/notesSlide59.xml><?xml version="1.0" encoding="utf-8"?>
-<p:notes xmlns:a="http://schemas.openxmlformats.org/drawingml/2006/main" xmlns:r="http://schemas.openxmlformats.org/officeDocument/2006/relationships" xmlns:p="http://schemas.openxmlformats.org/presentationml/2006/main" showMasterSp="0" showMasterPhAnim="0">
-  <p:cSld>
-    <p:spTree>
-      <p:nvGrpSpPr>
-        <p:cNvPr id="1" name="Shape 423"/>
-        <p:cNvGrpSpPr/>
-        <p:nvPr/>
-      </p:nvGrpSpPr>
-      <p:grpSpPr>
-        <a:xfrm>
-          <a:off x="0" y="0"/>
-          <a:ext cx="0" cy="0"/>
-          <a:chOff x="0" y="0"/>
-          <a:chExt cx="0" cy="0"/>
-        </a:xfrm>
-      </p:grpSpPr>
-      <p:sp>
-        <p:nvSpPr>
-          <p:cNvPr id="424" name="Shape 424"/>
-          <p:cNvSpPr>
-            <a:spLocks noGrp="1" noRot="1" noChangeAspect="1"/>
-          </p:cNvSpPr>
-          <p:nvPr>
-            <p:ph type="sldImg" idx="2"/>
-          </p:nvPr>
-        </p:nvSpPr>
-        <p:spPr>
-          <a:xfrm>
-            <a:off x="1143000" y="685800"/>
-            <a:ext cx="4572000" cy="3429000"/>
-          </a:xfrm>
-          <a:custGeom>
-            <a:avLst/>
-            <a:gdLst/>
-            <a:ahLst/>
-            <a:cxnLst/>
-            <a:rect l="0" t="0" r="0" b="0"/>
-            <a:pathLst>
-              <a:path w="120000" h="120000" extrusionOk="0">
-                <a:moveTo>
-                  <a:pt x="0" y="0"/>
-                </a:moveTo>
-                <a:lnTo>
-                  <a:pt x="120000" y="0"/>
-                </a:lnTo>
-                <a:lnTo>
-                  <a:pt x="120000" y="120000"/>
-                </a:lnTo>
-                <a:lnTo>
-                  <a:pt x="0" y="120000"/>
-                </a:lnTo>
-                <a:close/>
-              </a:path>
-            </a:pathLst>
-          </a:custGeom>
-        </p:spPr>
-      </p:sp>
-      <p:sp>
-        <p:nvSpPr>
-          <p:cNvPr id="425" name="Shape 425"/>
-          <p:cNvSpPr txBox="1">
-            <a:spLocks noGrp="1"/>
-          </p:cNvSpPr>
-          <p:nvPr>
-            <p:ph type="body" idx="1"/>
-          </p:nvPr>
-        </p:nvSpPr>
-        <p:spPr>
-          <a:xfrm>
-            <a:off x="685800" y="4343400"/>
-            <a:ext cx="5486399" cy="4114800"/>
-          </a:xfrm>
-          <a:prstGeom prst="rect">
-            <a:avLst/>
-          </a:prstGeom>
-        </p:spPr>
-        <p:txBody>
-          <a:bodyPr lIns="91425" tIns="91425" rIns="91425" bIns="91425" anchor="t" anchorCtr="0">
-            <a:noAutofit/>
-          </a:bodyPr>
-          <a:lstStyle/>
-          <a:p>
-            <a:endParaRPr/>
-          </a:p>
-        </p:txBody>
-      </p:sp>
-    </p:spTree>
-    <p:extLst>
-      <p:ext uri="{BB962C8B-B14F-4D97-AF65-F5344CB8AC3E}">
-        <p14:creationId xmlns:p14="http://schemas.microsoft.com/office/powerpoint/2010/main" val="631115844"/>
+        <p14:creationId xmlns:p14="http://schemas.microsoft.com/office/powerpoint/2010/main" val="819309086"/>
       </p:ext>
     </p:extLst>
   </p:cSld>
@@ -8726,12 +8322,16 @@
           <a:p>
             <a:pPr lvl="0" algn="ctr"/>
             <a:r>
-              <a:rPr lang="en-US" altLang="ko-KR" sz="6000" b="1" dirty="0" err="1"/>
-              <a:t>SuperSocket</a:t>
-            </a:r>
-            <a:r>
-              <a:rPr lang="ko-KR" altLang="en-US" sz="6000" b="1" dirty="0"/>
-              <a:t>을 사용하여 고성능 게임 서버 만들기</a:t>
+              <a:rPr lang="ko-KR" altLang="en-US" sz="6000" b="1"/>
+              <a:t>오픈소스 네트워크 엔진 </a:t>
+            </a:r>
+            <a:r>
+              <a:rPr lang="en-US" altLang="ko-KR" sz="6000" b="1"/>
+              <a:t>SuperSocket </a:t>
+            </a:r>
+            <a:r>
+              <a:rPr lang="ko-KR" altLang="en-US" sz="6000" b="1"/>
+              <a:t>사용하기</a:t>
             </a:r>
             <a:endParaRPr lang="ko" sz="6000" b="1" dirty="0"/>
           </a:p>
@@ -10060,6 +9660,10 @@
               <a:rPr lang="ko" sz="1800" dirty="0"/>
               <a:t>      bool bResult = m_Server.Setup(new RootConfig(), </a:t>
             </a:r>
+            <a:r>
+              <a:rPr lang="en-US" altLang="ko" sz="1800" dirty="0"/>
+              <a:t/>
+            </a:r>
             <a:br>
               <a:rPr lang="en-US" altLang="ko" sz="1800" dirty="0"/>
             </a:br>
@@ -10075,6 +9679,10 @@
               <a:rPr lang="ko" sz="1800" dirty="0"/>
               <a:t>m_Config, </a:t>
             </a:r>
+            <a:r>
+              <a:rPr lang="en-US" altLang="ko" sz="1800" dirty="0"/>
+              <a:t/>
+            </a:r>
             <a:br>
               <a:rPr lang="en-US" altLang="ko" sz="1800" dirty="0"/>
             </a:br>
@@ -10085,6 +9693,10 @@
             <a:r>
               <a:rPr lang="ko" sz="1800" dirty="0"/>
               <a:t>logFactory: new Log4NetLogFactory()</a:t>
+            </a:r>
+            <a:r>
+              <a:rPr lang="en-US" altLang="ko" sz="1800" dirty="0"/>
+              <a:t/>
             </a:r>
             <a:br>
               <a:rPr lang="en-US" altLang="ko" sz="1800" dirty="0"/>
@@ -10148,9 +9760,14 @@
               <a:buNone/>
             </a:pPr>
             <a:r>
-              <a:rPr lang="ko" sz="1800" dirty="0"/>
-              <a:t>      m_Server.RegistHandler();</a:t>
-            </a:r>
+              <a:rPr lang="ko" sz="1800"/>
+              <a:t>      </a:t>
+            </a:r>
+            <a:r>
+              <a:rPr lang="en-US" altLang="ko" sz="1800" smtClean="0"/>
+              <a:t>......</a:t>
+            </a:r>
+            <a:endParaRPr lang="ko" sz="1800" dirty="0"/>
           </a:p>
           <a:p>
             <a:pPr marL="0" lvl="0" indent="0" rtl="0">
@@ -10910,7 +10527,7 @@
         <p:spPr>
           <a:xfrm>
             <a:off x="827584" y="980728"/>
-            <a:ext cx="7416824" cy="3877985"/>
+            <a:ext cx="7416824" cy="5386090"/>
           </a:xfrm>
           <a:prstGeom prst="rect">
             <a:avLst/>
@@ -10924,20 +10541,50 @@
           <a:lstStyle/>
           <a:p>
             <a:r>
-              <a:rPr lang="en-US" altLang="ko-KR" sz="4800" dirty="0"/>
+              <a:rPr lang="en-US" altLang="ko-KR" sz="4800" b="1" dirty="0"/>
               <a:t>Windows </a:t>
             </a:r>
             <a:r>
+              <a:rPr lang="ko-KR" altLang="en-US" sz="4800" b="1" dirty="0"/>
+              <a:t>플랫폼</a:t>
+            </a:r>
+            <a:r>
               <a:rPr lang="ko-KR" altLang="en-US" sz="4800" dirty="0"/>
-              <a:t>플랫폼에서 고성능 네트워크 프로그램을 만들 때 가장 자주 사용하는 기술은 </a:t>
+              <a:t>에서 고성능 네트워크 프로그램을 만들 때 가장 자주 사용하는 기술은 </a:t>
             </a:r>
             <a:endParaRPr lang="en-US" altLang="ko-KR" sz="4800" dirty="0"/>
           </a:p>
           <a:p>
             <a:r>
               <a:rPr lang="en-US" altLang="ko-KR" sz="5400" b="1" dirty="0"/>
-              <a:t>C++ &amp; IOCP</a:t>
-            </a:r>
+              <a:t>C++ </a:t>
+            </a:r>
+            <a:r>
+              <a:rPr lang="en-US" altLang="ko-KR" sz="5400" b="1"/>
+              <a:t>&amp; </a:t>
+            </a:r>
+            <a:r>
+              <a:rPr lang="en-US" altLang="ko-KR" sz="5400" b="1" smtClean="0"/>
+              <a:t>IOCP</a:t>
+            </a:r>
+          </a:p>
+          <a:p>
+            <a:endParaRPr lang="en-US" altLang="ko-KR" sz="5400" b="1"/>
+          </a:p>
+          <a:p>
+            <a:r>
+              <a:rPr lang="en-US" altLang="ko-KR" sz="4400" b="1" smtClean="0"/>
+              <a:t>... PC </a:t>
+            </a:r>
+            <a:r>
+              <a:rPr lang="ko-KR" altLang="en-US" sz="4400" b="1" smtClean="0"/>
+              <a:t>온라인 게임 시대 때</a:t>
+            </a:r>
+            <a:r>
+              <a:rPr lang="en-US" altLang="ko-KR" sz="4400" b="1" smtClean="0"/>
+              <a:t>...</a:t>
+            </a:r>
+            <a:endParaRPr lang="en-US" altLang="ko-KR" sz="4400" b="1" dirty="0"/>
           </a:p>
         </p:txBody>
       </p:sp>
@@ -11344,12 +10991,20 @@
               <a:rPr lang="ko" sz="1800" dirty="0"/>
               <a:t>. </a:t>
             </a:r>
+            <a:r>
+              <a:rPr lang="en-US" altLang="ko" sz="1800" dirty="0"/>
+              <a:t/>
+            </a:r>
             <a:br>
               <a:rPr lang="en-US" altLang="ko" sz="1800" dirty="0"/>
             </a:br>
             <a:r>
               <a:rPr lang="ko" sz="1800" dirty="0"/>
               <a:t>이 클래스를 통해 클라이언트의 연결,끊어짐, 데이터 주고 받기를 한다.</a:t>
+            </a:r>
+            <a:r>
+              <a:rPr lang="en-US" altLang="ko" sz="1800" dirty="0"/>
+              <a:t/>
             </a:r>
             <a:br>
               <a:rPr lang="en-US" altLang="ko" sz="1800" dirty="0"/>
@@ -11375,6 +11030,10 @@
             <a:r>
               <a:rPr lang="ko" sz="1800" dirty="0"/>
               <a:t>네트워크 서버 클래스. 모든 AppSession 객체를 관리한다. </a:t>
+            </a:r>
+            <a:r>
+              <a:rPr lang="en-US" altLang="ko" sz="1800" dirty="0"/>
+              <a:t/>
             </a:r>
             <a:br>
               <a:rPr lang="en-US" altLang="ko" sz="1800" dirty="0"/>
@@ -11547,19 +11206,27 @@
                 </a:solidFill>
               </a:rPr>
             </a:br>
-            <a:br>
+            <a:r>
               <a:rPr lang="ko">
                 <a:solidFill>
                   <a:srgbClr val="333333"/>
                 </a:solidFill>
               </a:rPr>
-            </a:br>
-            <a:r>
+              <a:t/>
+            </a:r>
+            <a:br>
               <a:rPr lang="ko">
                 <a:solidFill>
                   <a:srgbClr val="333333"/>
                 </a:solidFill>
               </a:rPr>
+            </a:br>
+            <a:r>
+              <a:rPr lang="ko">
+                <a:solidFill>
+                  <a:srgbClr val="333333"/>
+                </a:solidFill>
+              </a:rPr>
               <a:t>    protected override void HandleUnknownRequest(StringRequestInfo requestInfo)</a:t>
             </a:r>
             <a:br>
@@ -11614,19 +11281,27 @@
                 </a:solidFill>
               </a:rPr>
             </a:br>
-            <a:br>
+            <a:r>
               <a:rPr lang="ko">
                 <a:solidFill>
                   <a:srgbClr val="333333"/>
                 </a:solidFill>
               </a:rPr>
-            </a:br>
-            <a:r>
+              <a:t/>
+            </a:r>
+            <a:br>
               <a:rPr lang="ko">
                 <a:solidFill>
                   <a:srgbClr val="333333"/>
                 </a:solidFill>
               </a:rPr>
+            </a:br>
+            <a:r>
+              <a:rPr lang="ko">
+                <a:solidFill>
+                  <a:srgbClr val="333333"/>
+                </a:solidFill>
+              </a:rPr>
               <a:t>    protected override void HandleException(Exception e)</a:t>
             </a:r>
             <a:br>
@@ -11681,6 +11356,14 @@
                 </a:solidFill>
               </a:rPr>
             </a:br>
+            <a:r>
+              <a:rPr lang="ko">
+                <a:solidFill>
+                  <a:srgbClr val="333333"/>
+                </a:solidFill>
+              </a:rPr>
+              <a:t/>
+            </a:r>
             <a:br>
               <a:rPr lang="ko">
                 <a:solidFill>
@@ -11936,19 +11619,27 @@
                 </a:solidFill>
               </a:rPr>
             </a:br>
-            <a:br>
+            <a:r>
               <a:rPr lang="ko" sz="1800" dirty="0">
                 <a:solidFill>
                   <a:srgbClr val="333333"/>
                 </a:solidFill>
               </a:rPr>
-            </a:br>
-            <a:r>
+              <a:t/>
+            </a:r>
+            <a:br>
               <a:rPr lang="ko" sz="1800" dirty="0">
                 <a:solidFill>
                   <a:srgbClr val="333333"/>
                 </a:solidFill>
               </a:rPr>
+            </a:br>
+            <a:r>
+              <a:rPr lang="ko" sz="1800" dirty="0">
+                <a:solidFill>
+                  <a:srgbClr val="333333"/>
+                </a:solidFill>
+              </a:rPr>
               <a:t>    protected override void OnStartup()</a:t>
             </a:r>
             <a:br>
@@ -12003,6 +11694,14 @@
                 </a:solidFill>
               </a:rPr>
             </a:br>
+            <a:r>
+              <a:rPr lang="ko" sz="1800" dirty="0">
+                <a:solidFill>
+                  <a:srgbClr val="333333"/>
+                </a:solidFill>
+              </a:rPr>
+              <a:t/>
+            </a:r>
             <a:br>
               <a:rPr lang="ko" sz="1800" dirty="0">
                 <a:solidFill>
@@ -12367,6 +12066,16 @@
                 <a:ea typeface="맑은 고딕" panose="020B0503020000020004" pitchFamily="50" charset="-127"/>
               </a:rPr>
               <a:t>          serverType="SuperSocket.QuickStart.TelnetServer_StartByConfig.TelnetServer,</a:t>
+            </a:r>
+            <a:r>
+              <a:rPr lang="en-US" altLang="ko" dirty="0">
+                <a:solidFill>
+                  <a:srgbClr val="333333"/>
+                </a:solidFill>
+                <a:latin typeface="맑은 고딕" panose="020B0503020000020004" pitchFamily="50" charset="-127"/>
+                <a:ea typeface="맑은 고딕" panose="020B0503020000020004" pitchFamily="50" charset="-127"/>
+              </a:rPr>
+              <a:t/>
             </a:r>
             <a:br>
               <a:rPr lang="en-US" altLang="ko" dirty="0">
@@ -12588,19 +12297,27 @@
                 </a:solidFill>
               </a:rPr>
             </a:br>
-            <a:br>
+            <a:r>
               <a:rPr lang="ko" sz="1800">
                 <a:solidFill>
                   <a:srgbClr val="333333"/>
                 </a:solidFill>
               </a:rPr>
-            </a:br>
-            <a:r>
+              <a:t/>
+            </a:r>
+            <a:br>
               <a:rPr lang="ko" sz="1800">
                 <a:solidFill>
                   <a:srgbClr val="333333"/>
                 </a:solidFill>
               </a:rPr>
+            </a:br>
+            <a:r>
+              <a:rPr lang="ko" sz="1800">
+                <a:solidFill>
+                  <a:srgbClr val="333333"/>
+                </a:solidFill>
+              </a:rPr>
               <a:t>    if (!bootstrap.Initialize())</a:t>
             </a:r>
             <a:br>
@@ -12655,6 +12372,14 @@
                 </a:solidFill>
               </a:rPr>
             </a:br>
+            <a:r>
+              <a:rPr lang="ko" sz="1800">
+                <a:solidFill>
+                  <a:srgbClr val="333333"/>
+                </a:solidFill>
+              </a:rPr>
+              <a:t/>
+            </a:r>
             <a:br>
               <a:rPr lang="ko" sz="1800">
                 <a:solidFill>
@@ -12772,6 +12497,14 @@
                 </a:solidFill>
               </a:rPr>
             </a:br>
+            <a:r>
+              <a:rPr lang="ko" sz="1800">
+                <a:solidFill>
+                  <a:srgbClr val="333333"/>
+                </a:solidFill>
+              </a:rPr>
+              <a:t/>
+            </a:r>
             <a:br>
               <a:rPr lang="ko" sz="1800">
                 <a:solidFill>
@@ -15151,19 +14884,27 @@
                 </a:solidFill>
               </a:rPr>
             </a:br>
-            <a:br>
+            <a:r>
               <a:rPr lang="ko">
                 <a:solidFill>
                   <a:srgbClr val="333333"/>
                 </a:solidFill>
               </a:rPr>
-            </a:br>
-            <a:r>
+              <a:t/>
+            </a:r>
+            <a:br>
               <a:rPr lang="ko">
                 <a:solidFill>
                   <a:srgbClr val="333333"/>
                 </a:solidFill>
               </a:rPr>
+            </a:br>
+            <a:r>
+              <a:rPr lang="ko">
+                <a:solidFill>
+                  <a:srgbClr val="333333"/>
+                </a:solidFill>
+              </a:rPr>
               <a:t>    public string Body { get; }</a:t>
             </a:r>
             <a:br>
@@ -15173,19 +14914,27 @@
                 </a:solidFill>
               </a:rPr>
             </a:br>
-            <a:br>
+            <a:r>
               <a:rPr lang="ko">
                 <a:solidFill>
                   <a:srgbClr val="333333"/>
                 </a:solidFill>
               </a:rPr>
-            </a:br>
-            <a:r>
+              <a:t/>
+            </a:r>
+            <a:br>
               <a:rPr lang="ko">
                 <a:solidFill>
                   <a:srgbClr val="333333"/>
                 </a:solidFill>
               </a:rPr>
+            </a:br>
+            <a:r>
+              <a:rPr lang="ko">
+                <a:solidFill>
+                  <a:srgbClr val="333333"/>
+                </a:solidFill>
+              </a:rPr>
               <a:t>    public string[] Parameters { get; }</a:t>
             </a:r>
             <a:br>
@@ -15195,6 +14944,14 @@
                 </a:solidFill>
               </a:rPr>
             </a:br>
+            <a:r>
+              <a:rPr lang="ko">
+                <a:solidFill>
+                  <a:srgbClr val="333333"/>
+                </a:solidFill>
+              </a:rPr>
+              <a:t/>
+            </a:r>
             <a:br>
               <a:rPr lang="ko">
                 <a:solidFill>
@@ -15725,19 +15482,27 @@
               </a:rPr>
               <a:t>        : base(new CommandLineReceiveFilterFactory(Encoding.Default, </a:t>
             </a:r>
-            <a:br>
+            <a:r>
               <a:rPr lang="en-US" altLang="ko">
                 <a:solidFill>
                   <a:srgbClr val="333333"/>
                 </a:solidFill>
               </a:rPr>
-            </a:br>
-            <a:r>
+              <a:t/>
+            </a:r>
+            <a:br>
               <a:rPr lang="en-US" altLang="ko">
                 <a:solidFill>
                   <a:srgbClr val="333333"/>
                 </a:solidFill>
               </a:rPr>
+            </a:br>
+            <a:r>
+              <a:rPr lang="en-US" altLang="ko">
+                <a:solidFill>
+                  <a:srgbClr val="333333"/>
+                </a:solidFill>
+              </a:rPr>
               <a:t>                                                                                    </a:t>
             </a:r>
             <a:r>
@@ -15786,6 +15551,14 @@
                 </a:solidFill>
               </a:rPr>
             </a:br>
+            <a:r>
+              <a:rPr lang="ko">
+                <a:solidFill>
+                  <a:srgbClr val="333333"/>
+                </a:solidFill>
+              </a:rPr>
+              <a:t/>
+            </a:r>
             <a:br>
               <a:rPr lang="ko">
                 <a:solidFill>
@@ -15925,6 +15698,14 @@
                 </a:solidFill>
               </a:rPr>
               <a:t>Encoding.Default, </a:t>
+            </a:r>
+            <a:r>
+              <a:rPr lang="en-US" altLang="ko" b="1">
+                <a:solidFill>
+                  <a:srgbClr val="333333"/>
+                </a:solidFill>
+              </a:rPr>
+              <a:t/>
             </a:r>
             <a:br>
               <a:rPr lang="en-US" altLang="ko" b="1">
@@ -16207,7 +15988,7 @@
               </a:rPr>
               <a:t>var session = appServer.GetSessionByID(sessionID);</a:t>
             </a:r>
-            <a:br>
+            <a:r>
               <a:rPr lang="en-US" altLang="ko" sz="2000">
                 <a:solidFill>
                   <a:srgbClr val="333333"/>
@@ -16215,18 +15996,18 @@
                 <a:latin typeface="맑은 고딕" panose="020B0503020000020004" pitchFamily="50" charset="-127"/>
                 <a:ea typeface="맑은 고딕" panose="020B0503020000020004" pitchFamily="50" charset="-127"/>
               </a:rPr>
-            </a:br>
-            <a:r>
-              <a:rPr lang="ko" sz="2000">
+              <a:t/>
+            </a:r>
+            <a:br>
+              <a:rPr lang="en-US" altLang="ko" sz="2000">
                 <a:solidFill>
                   <a:srgbClr val="333333"/>
                 </a:solidFill>
                 <a:latin typeface="맑은 고딕" panose="020B0503020000020004" pitchFamily="50" charset="-127"/>
                 <a:ea typeface="맑은 고딕" panose="020B0503020000020004" pitchFamily="50" charset="-127"/>
               </a:rPr>
-              <a:t>if(session != null)</a:t>
-            </a:r>
-            <a:br>
+            </a:br>
+            <a:r>
               <a:rPr lang="ko" sz="2000">
                 <a:solidFill>
                   <a:srgbClr val="333333"/>
@@ -16234,28 +16015,28 @@
                 <a:latin typeface="맑은 고딕" panose="020B0503020000020004" pitchFamily="50" charset="-127"/>
                 <a:ea typeface="맑은 고딕" panose="020B0503020000020004" pitchFamily="50" charset="-127"/>
               </a:rPr>
-            </a:br>
-            <a:r>
-              <a:rPr lang="en-US" altLang="ko" sz="2000">
+              <a:t>if(session != null)</a:t>
+            </a:r>
+            <a:br>
+              <a:rPr lang="ko" sz="2000">
                 <a:solidFill>
                   <a:srgbClr val="333333"/>
                 </a:solidFill>
                 <a:latin typeface="맑은 고딕" panose="020B0503020000020004" pitchFamily="50" charset="-127"/>
                 <a:ea typeface="맑은 고딕" panose="020B0503020000020004" pitchFamily="50" charset="-127"/>
               </a:rPr>
-              <a:t>    </a:t>
-            </a:r>
-            <a:r>
-              <a:rPr lang="ko" sz="2000">
+            </a:br>
+            <a:r>
+              <a:rPr lang="en-US" altLang="ko" sz="2000">
                 <a:solidFill>
                   <a:srgbClr val="333333"/>
                 </a:solidFill>
                 <a:latin typeface="맑은 고딕" panose="020B0503020000020004" pitchFamily="50" charset="-127"/>
                 <a:ea typeface="맑은 고딕" panose="020B0503020000020004" pitchFamily="50" charset="-127"/>
               </a:rPr>
-              <a:t>session.Send(data, 0, data.Length);</a:t>
-            </a:r>
-            <a:br>
+              <a:t>    </a:t>
+            </a:r>
+            <a:r>
               <a:rPr lang="ko" sz="2000">
                 <a:solidFill>
                   <a:srgbClr val="333333"/>
@@ -16263,7 +16044,27 @@
                 <a:latin typeface="맑은 고딕" panose="020B0503020000020004" pitchFamily="50" charset="-127"/>
                 <a:ea typeface="맑은 고딕" panose="020B0503020000020004" pitchFamily="50" charset="-127"/>
               </a:rPr>
-            </a:br>
+              <a:t>session.Send(data, 0, data.Length);</a:t>
+            </a:r>
+            <a:br>
+              <a:rPr lang="ko" sz="2000">
+                <a:solidFill>
+                  <a:srgbClr val="333333"/>
+                </a:solidFill>
+                <a:latin typeface="맑은 고딕" panose="020B0503020000020004" pitchFamily="50" charset="-127"/>
+                <a:ea typeface="맑은 고딕" panose="020B0503020000020004" pitchFamily="50" charset="-127"/>
+              </a:rPr>
+            </a:br>
+            <a:r>
+              <a:rPr lang="ko" sz="2000">
+                <a:solidFill>
+                  <a:srgbClr val="333333"/>
+                </a:solidFill>
+                <a:latin typeface="맑은 고딕" panose="020B0503020000020004" pitchFamily="50" charset="-127"/>
+                <a:ea typeface="맑은 고딕" panose="020B0503020000020004" pitchFamily="50" charset="-127"/>
+              </a:rPr>
+              <a:t/>
+            </a:r>
             <a:br>
               <a:rPr lang="ko" sz="2000">
                 <a:solidFill>
@@ -16503,6 +16304,13 @@
               </a:rPr>
               <a:t>연결된 모든 세션에 메시지 보내기</a:t>
             </a:r>
+            <a:r>
+              <a:rPr lang="en-US" altLang="ko" sz="2000">
+                <a:latin typeface="맑은 고딕" panose="020B0503020000020004" pitchFamily="50" charset="-127"/>
+                <a:ea typeface="맑은 고딕" panose="020B0503020000020004" pitchFamily="50" charset="-127"/>
+              </a:rPr>
+              <a:t/>
+            </a:r>
             <a:br>
               <a:rPr lang="en-US" altLang="ko" sz="2000">
                 <a:latin typeface="맑은 고딕" panose="020B0503020000020004" pitchFamily="50" charset="-127"/>
@@ -16649,17 +16457,24 @@
               </a:rPr>
               <a:t>자작용 Key로 세션들 찾기</a:t>
             </a:r>
-            <a:br>
+            <a:r>
               <a:rPr lang="en-US" altLang="ko" sz="1800" b="1">
                 <a:latin typeface="맑은 고딕" panose="020B0503020000020004" pitchFamily="50" charset="-127"/>
                 <a:ea typeface="맑은 고딕" panose="020B0503020000020004" pitchFamily="50" charset="-127"/>
               </a:rPr>
-            </a:br>
-            <a:r>
+              <a:t/>
+            </a:r>
+            <a:br>
               <a:rPr lang="en-US" altLang="ko" sz="1800" b="1">
                 <a:latin typeface="맑은 고딕" panose="020B0503020000020004" pitchFamily="50" charset="-127"/>
                 <a:ea typeface="맑은 고딕" panose="020B0503020000020004" pitchFamily="50" charset="-127"/>
               </a:rPr>
+            </a:br>
+            <a:r>
+              <a:rPr lang="en-US" altLang="ko" sz="1800" b="1">
+                <a:latin typeface="맑은 고딕" panose="020B0503020000020004" pitchFamily="50" charset="-127"/>
+                <a:ea typeface="맑은 고딕" panose="020B0503020000020004" pitchFamily="50" charset="-127"/>
+              </a:rPr>
               <a:t>- </a:t>
             </a:r>
             <a:r>
@@ -16679,7 +16494,7 @@
               </a:rPr>
               <a:t>CompanyId 처럼 새로운 Key를 사용하여 검색이 가능하다.</a:t>
             </a:r>
-            <a:br>
+            <a:r>
               <a:rPr lang="en-US" altLang="ko" sz="1800">
                 <a:solidFill>
                   <a:srgbClr val="333333"/>
@@ -16687,7 +16502,27 @@
                 <a:latin typeface="맑은 고딕" panose="020B0503020000020004" pitchFamily="50" charset="-127"/>
                 <a:ea typeface="맑은 고딕" panose="020B0503020000020004" pitchFamily="50" charset="-127"/>
               </a:rPr>
-            </a:br>
+              <a:t/>
+            </a:r>
+            <a:br>
+              <a:rPr lang="en-US" altLang="ko" sz="1800">
+                <a:solidFill>
+                  <a:srgbClr val="333333"/>
+                </a:solidFill>
+                <a:latin typeface="맑은 고딕" panose="020B0503020000020004" pitchFamily="50" charset="-127"/>
+                <a:ea typeface="맑은 고딕" panose="020B0503020000020004" pitchFamily="50" charset="-127"/>
+              </a:rPr>
+            </a:br>
+            <a:r>
+              <a:rPr lang="en-US" altLang="ko" sz="1800">
+                <a:solidFill>
+                  <a:srgbClr val="333333"/>
+                </a:solidFill>
+                <a:latin typeface="맑은 고딕" panose="020B0503020000020004" pitchFamily="50" charset="-127"/>
+                <a:ea typeface="맑은 고딕" panose="020B0503020000020004" pitchFamily="50" charset="-127"/>
+              </a:rPr>
+              <a:t/>
+            </a:r>
             <a:br>
               <a:rPr lang="en-US" altLang="ko" sz="1800">
                 <a:solidFill>
@@ -16983,19 +16818,27 @@
                 </a:solidFill>
               </a:rPr>
             </a:br>
-            <a:br>
+            <a:r>
               <a:rPr lang="ko" sz="1000">
                 <a:solidFill>
                   <a:srgbClr val="333333"/>
                 </a:solidFill>
               </a:rPr>
-            </a:br>
-            <a:r>
+              <a:t/>
+            </a:r>
+            <a:br>
               <a:rPr lang="ko" sz="1000">
                 <a:solidFill>
                   <a:srgbClr val="333333"/>
                 </a:solidFill>
               </a:rPr>
+            </a:br>
+            <a:r>
+              <a:rPr lang="ko" sz="1000">
+                <a:solidFill>
+                  <a:srgbClr val="333333"/>
+                </a:solidFill>
+              </a:rPr>
               <a:t>    public bool Initialize(string name, IAppServer appServer)</a:t>
             </a:r>
             <a:br>
@@ -17035,19 +16878,27 @@
                 </a:solidFill>
               </a:rPr>
             </a:br>
-            <a:br>
+            <a:r>
               <a:rPr lang="ko" sz="1000">
                 <a:solidFill>
                   <a:srgbClr val="333333"/>
                 </a:solidFill>
               </a:rPr>
-            </a:br>
-            <a:r>
+              <a:t/>
+            </a:r>
+            <a:br>
               <a:rPr lang="ko" sz="1000">
                 <a:solidFill>
                   <a:srgbClr val="333333"/>
                 </a:solidFill>
               </a:rPr>
+            </a:br>
+            <a:r>
+              <a:rPr lang="ko" sz="1000">
+                <a:solidFill>
+                  <a:srgbClr val="333333"/>
+                </a:solidFill>
+              </a:rPr>
               <a:t>        var ipRange = appServer.Config.Options.GetValue("ipRange");</a:t>
             </a:r>
             <a:br>
@@ -17057,19 +16908,27 @@
                 </a:solidFill>
               </a:rPr>
             </a:br>
-            <a:br>
+            <a:r>
               <a:rPr lang="ko" sz="1000">
                 <a:solidFill>
                   <a:srgbClr val="333333"/>
                 </a:solidFill>
               </a:rPr>
-            </a:br>
-            <a:r>
+              <a:t/>
+            </a:r>
+            <a:br>
               <a:rPr lang="ko" sz="1000">
                 <a:solidFill>
                   <a:srgbClr val="333333"/>
                 </a:solidFill>
               </a:rPr>
+            </a:br>
+            <a:r>
+              <a:rPr lang="ko" sz="1000">
+                <a:solidFill>
+                  <a:srgbClr val="333333"/>
+                </a:solidFill>
+              </a:rPr>
               <a:t>        string[] ipRangeArray;</a:t>
             </a:r>
             <a:br>
@@ -17079,19 +16938,27 @@
                 </a:solidFill>
               </a:rPr>
             </a:br>
-            <a:br>
+            <a:r>
               <a:rPr lang="ko" sz="1000">
                 <a:solidFill>
                   <a:srgbClr val="333333"/>
                 </a:solidFill>
               </a:rPr>
-            </a:br>
-            <a:r>
+              <a:t/>
+            </a:r>
+            <a:br>
               <a:rPr lang="ko" sz="1000">
                 <a:solidFill>
                   <a:srgbClr val="333333"/>
                 </a:solidFill>
               </a:rPr>
+            </a:br>
+            <a:r>
+              <a:rPr lang="ko" sz="1000">
+                <a:solidFill>
+                  <a:srgbClr val="333333"/>
+                </a:solidFill>
+              </a:rPr>
               <a:t>        if (string.IsNullOrEmpty(ipRange)</a:t>
             </a:r>
             <a:br>
@@ -17161,19 +17028,27 @@
                 </a:solidFill>
               </a:rPr>
             </a:br>
-            <a:br>
+            <a:r>
               <a:rPr lang="ko" sz="1000">
                 <a:solidFill>
                   <a:srgbClr val="333333"/>
                 </a:solidFill>
               </a:rPr>
-            </a:br>
-            <a:r>
+              <a:t/>
+            </a:r>
+            <a:br>
               <a:rPr lang="ko" sz="1000">
                 <a:solidFill>
                   <a:srgbClr val="333333"/>
                 </a:solidFill>
               </a:rPr>
+            </a:br>
+            <a:r>
+              <a:rPr lang="ko" sz="1000">
+                <a:solidFill>
+                  <a:srgbClr val="333333"/>
+                </a:solidFill>
+              </a:rPr>
               <a:t>        m_IpRanges = new Tuple&lt;long, long&gt;[ipRangeArray.Length];</a:t>
             </a:r>
             <a:br>
@@ -17183,19 +17058,27 @@
                 </a:solidFill>
               </a:rPr>
             </a:br>
-            <a:br>
+            <a:r>
               <a:rPr lang="ko" sz="1000">
                 <a:solidFill>
                   <a:srgbClr val="333333"/>
                 </a:solidFill>
               </a:rPr>
-            </a:br>
-            <a:r>
+              <a:t/>
+            </a:r>
+            <a:br>
               <a:rPr lang="ko" sz="1000">
                 <a:solidFill>
                   <a:srgbClr val="333333"/>
                 </a:solidFill>
               </a:rPr>
+            </a:br>
+            <a:r>
+              <a:rPr lang="ko" sz="1000">
+                <a:solidFill>
+                  <a:srgbClr val="333333"/>
+                </a:solidFill>
+              </a:rPr>
               <a:t>        for (int i = 0; i &lt; ipRangeArray.Length; i++)</a:t>
             </a:r>
             <a:br>
@@ -17265,6 +17148,14 @@
                 </a:solidFill>
               </a:rPr>
             </a:br>
+            <a:r>
+              <a:rPr lang="ko" sz="1000">
+                <a:solidFill>
+                  <a:srgbClr val="333333"/>
+                </a:solidFill>
+              </a:rPr>
+              <a:t/>
+            </a:r>
             <a:br>
               <a:rPr lang="ko" sz="1000">
                 <a:solidFill>
@@ -17409,19 +17300,27 @@
                 </a:solidFill>
               </a:rPr>
             </a:br>
-            <a:br>
+            <a:r>
               <a:rPr lang="ko" sz="1200">
                 <a:solidFill>
                   <a:srgbClr val="333333"/>
                 </a:solidFill>
               </a:rPr>
-            </a:br>
-            <a:r>
+              <a:t/>
+            </a:r>
+            <a:br>
               <a:rPr lang="ko" sz="1200">
                 <a:solidFill>
                   <a:srgbClr val="333333"/>
                 </a:solidFill>
               </a:rPr>
+            </a:br>
+            <a:r>
+              <a:rPr lang="ko" sz="1200">
+                <a:solidFill>
+                  <a:srgbClr val="333333"/>
+                </a:solidFill>
+              </a:rPr>
               <a:t>        if(ipArray.Length != 2)</a:t>
             </a:r>
             <a:br>
@@ -17446,19 +17345,27 @@
                 </a:solidFill>
               </a:rPr>
             </a:br>
-            <a:br>
+            <a:r>
               <a:rPr lang="ko" sz="1200">
                 <a:solidFill>
                   <a:srgbClr val="333333"/>
                 </a:solidFill>
               </a:rPr>
-            </a:br>
-            <a:r>
+              <a:t/>
+            </a:r>
+            <a:br>
               <a:rPr lang="ko" sz="1200">
                 <a:solidFill>
                   <a:srgbClr val="333333"/>
                 </a:solidFill>
               </a:rPr>
+            </a:br>
+            <a:r>
+              <a:rPr lang="ko" sz="1200">
+                <a:solidFill>
+                  <a:srgbClr val="333333"/>
+                </a:solidFill>
+              </a:rPr>
               <a:t>        return new Tuple&lt;long, long&gt;(ConvertIpToLong(ipArray[0]), ConvertIpToLong(ipArray[1]));</a:t>
             </a:r>
             <a:br>
@@ -17483,19 +17390,27 @@
                 </a:solidFill>
               </a:rPr>
             </a:br>
-            <a:br>
+            <a:r>
               <a:rPr lang="ko" sz="1200">
                 <a:solidFill>
                   <a:srgbClr val="333333"/>
                 </a:solidFill>
               </a:rPr>
-            </a:br>
-            <a:r>
+              <a:t/>
+            </a:r>
+            <a:br>
               <a:rPr lang="ko" sz="1200">
                 <a:solidFill>
                   <a:srgbClr val="333333"/>
                 </a:solidFill>
               </a:rPr>
+            </a:br>
+            <a:r>
+              <a:rPr lang="ko" sz="1200">
+                <a:solidFill>
+                  <a:srgbClr val="333333"/>
+                </a:solidFill>
+              </a:rPr>
               <a:t>    private long ConvertIpToLong(string ip)</a:t>
             </a:r>
             <a:br>
@@ -17535,19 +17450,27 @@
                 </a:solidFill>
               </a:rPr>
             </a:br>
-            <a:br>
+            <a:r>
               <a:rPr lang="ko" sz="1200">
                 <a:solidFill>
                   <a:srgbClr val="333333"/>
                 </a:solidFill>
               </a:rPr>
-            </a:br>
-            <a:r>
+              <a:t/>
+            </a:r>
+            <a:br>
               <a:rPr lang="ko" sz="1200">
                 <a:solidFill>
                   <a:srgbClr val="333333"/>
                 </a:solidFill>
               </a:rPr>
+            </a:br>
+            <a:r>
+              <a:rPr lang="ko" sz="1200">
+                <a:solidFill>
+                  <a:srgbClr val="333333"/>
+                </a:solidFill>
+              </a:rPr>
               <a:t>        if(points.Length != 4)</a:t>
             </a:r>
             <a:br>
@@ -17572,19 +17495,27 @@
                 </a:solidFill>
               </a:rPr>
             </a:br>
-            <a:br>
+            <a:r>
               <a:rPr lang="ko" sz="1200">
                 <a:solidFill>
                   <a:srgbClr val="333333"/>
                 </a:solidFill>
               </a:rPr>
-            </a:br>
-            <a:r>
+              <a:t/>
+            </a:r>
+            <a:br>
               <a:rPr lang="ko" sz="1200">
                 <a:solidFill>
                   <a:srgbClr val="333333"/>
                 </a:solidFill>
               </a:rPr>
+            </a:br>
+            <a:r>
+              <a:rPr lang="ko" sz="1200">
+                <a:solidFill>
+                  <a:srgbClr val="333333"/>
+                </a:solidFill>
+              </a:rPr>
               <a:t>        long value = 0;</a:t>
             </a:r>
             <a:br>
@@ -17609,19 +17540,27 @@
                 </a:solidFill>
               </a:rPr>
             </a:br>
-            <a:br>
+            <a:r>
               <a:rPr lang="ko" sz="1200">
                 <a:solidFill>
                   <a:srgbClr val="333333"/>
                 </a:solidFill>
               </a:rPr>
-            </a:br>
-            <a:r>
+              <a:t/>
+            </a:r>
+            <a:br>
               <a:rPr lang="ko" sz="1200">
                 <a:solidFill>
                   <a:srgbClr val="333333"/>
                 </a:solidFill>
               </a:rPr>
+            </a:br>
+            <a:r>
+              <a:rPr lang="ko" sz="1200">
+                <a:solidFill>
+                  <a:srgbClr val="333333"/>
+                </a:solidFill>
+              </a:rPr>
               <a:t>        for (int i = points.Length - 1; i &gt;= 0; i--)</a:t>
             </a:r>
             <a:br>
@@ -17691,19 +17630,27 @@
                 </a:solidFill>
               </a:rPr>
             </a:br>
-            <a:br>
+            <a:r>
               <a:rPr lang="ko" sz="1200">
                 <a:solidFill>
                   <a:srgbClr val="333333"/>
                 </a:solidFill>
               </a:rPr>
-            </a:br>
-            <a:r>
+              <a:t/>
+            </a:r>
+            <a:br>
               <a:rPr lang="ko" sz="1200">
                 <a:solidFill>
                   <a:srgbClr val="333333"/>
                 </a:solidFill>
               </a:rPr>
+            </a:br>
+            <a:r>
+              <a:rPr lang="ko" sz="1200">
+                <a:solidFill>
+                  <a:srgbClr val="333333"/>
+                </a:solidFill>
+              </a:rPr>
               <a:t>        return value;</a:t>
             </a:r>
             <a:br>
@@ -17728,6 +17675,14 @@
                 </a:solidFill>
               </a:rPr>
             </a:br>
+            <a:r>
+              <a:rPr lang="ko" sz="1200">
+                <a:solidFill>
+                  <a:srgbClr val="333333"/>
+                </a:solidFill>
+              </a:rPr>
+              <a:t/>
+            </a:r>
             <a:br>
               <a:rPr lang="ko" sz="1200">
                 <a:solidFill>
@@ -17872,19 +17827,27 @@
                 </a:solidFill>
               </a:rPr>
             </a:br>
-            <a:br>
+            <a:r>
               <a:rPr lang="ko">
                 <a:solidFill>
                   <a:srgbClr val="333333"/>
                 </a:solidFill>
               </a:rPr>
-            </a:br>
-            <a:r>
+              <a:t/>
+            </a:r>
+            <a:br>
               <a:rPr lang="ko">
                 <a:solidFill>
                   <a:srgbClr val="333333"/>
                 </a:solidFill>
               </a:rPr>
+            </a:br>
+            <a:r>
+              <a:rPr lang="ko">
+                <a:solidFill>
+                  <a:srgbClr val="333333"/>
+                </a:solidFill>
+              </a:rPr>
               <a:t>        for (var i = 0; i &lt; m_IpRanges.Length; i++)</a:t>
             </a:r>
             <a:br>
@@ -17924,19 +17887,27 @@
                 </a:solidFill>
               </a:rPr>
             </a:br>
-            <a:br>
+            <a:r>
               <a:rPr lang="ko">
                 <a:solidFill>
                   <a:srgbClr val="333333"/>
                 </a:solidFill>
               </a:rPr>
-            </a:br>
-            <a:r>
+              <a:t/>
+            </a:r>
+            <a:br>
               <a:rPr lang="ko">
                 <a:solidFill>
                   <a:srgbClr val="333333"/>
                 </a:solidFill>
               </a:rPr>
+            </a:br>
+            <a:r>
+              <a:rPr lang="ko">
+                <a:solidFill>
+                  <a:srgbClr val="333333"/>
+                </a:solidFill>
+              </a:rPr>
               <a:t>            if (ipValue &gt; range.Item2)</a:t>
             </a:r>
             <a:br>
@@ -17961,19 +17932,27 @@
                 </a:solidFill>
               </a:rPr>
             </a:br>
-            <a:br>
+            <a:r>
               <a:rPr lang="ko">
                 <a:solidFill>
                   <a:srgbClr val="333333"/>
                 </a:solidFill>
               </a:rPr>
-            </a:br>
-            <a:r>
+              <a:t/>
+            </a:r>
+            <a:br>
               <a:rPr lang="ko">
                 <a:solidFill>
                   <a:srgbClr val="333333"/>
                 </a:solidFill>
               </a:rPr>
+            </a:br>
+            <a:r>
+              <a:rPr lang="ko">
+                <a:solidFill>
+                  <a:srgbClr val="333333"/>
+                </a:solidFill>
+              </a:rPr>
               <a:t>            if (ipValue &lt; range.Item1)</a:t>
             </a:r>
             <a:br>
@@ -18013,6 +17992,14 @@
                 </a:solidFill>
               </a:rPr>
             </a:br>
+            <a:r>
+              <a:rPr lang="ko">
+                <a:solidFill>
+                  <a:srgbClr val="333333"/>
+                </a:solidFill>
+              </a:rPr>
+              <a:t/>
+            </a:r>
             <a:br>
               <a:rPr lang="ko">
                 <a:solidFill>
@@ -18125,16 +18112,16 @@
               <a:t>의 </a:t>
             </a:r>
             <a:r>
-              <a:rPr lang="ko-KR" altLang="en-US" sz="4800" dirty="0" err="1"/>
+              <a:rPr lang="ko-KR" altLang="en-US" sz="4800" err="1"/>
               <a:t>비동기</a:t>
             </a:r>
             <a:r>
-              <a:rPr lang="ko-KR" altLang="en-US" sz="4800" dirty="0"/>
+              <a:rPr lang="ko-KR" altLang="en-US" sz="4800"/>
               <a:t> </a:t>
             </a:r>
             <a:r>
-              <a:rPr lang="en-US" altLang="ko-KR" sz="4800" dirty="0" err="1"/>
-              <a:t>Socekt</a:t>
+              <a:rPr lang="en-US" altLang="ko-KR" sz="4800" smtClean="0"/>
+              <a:t>Socket</a:t>
             </a:r>
             <a:r>
               <a:rPr lang="ko-KR" altLang="en-US" sz="4800" dirty="0"/>
@@ -18956,6 +18943,14 @@
               </a:rPr>
               <a:t>        &lt;add ip="IPv6Any" port="2012" /&gt;</a:t>
             </a:r>
+            <a:r>
+              <a:rPr lang="ko" sz="1000">
+                <a:solidFill>
+                  <a:srgbClr val="333333"/>
+                </a:solidFill>
+              </a:rPr>
+              <a:t/>
+            </a:r>
             <a:br>
               <a:rPr lang="ko" sz="1000">
                 <a:solidFill>
@@ -19222,6 +19217,14 @@
                 </a:solidFill>
               </a:rPr>
               <a:t>                &lt;add ip="Any" port="443" security="tls" /&gt;</a:t>
+            </a:r>
+            <a:r>
+              <a:rPr lang="ko" sz="1000">
+                <a:solidFill>
+                  <a:srgbClr val="333333"/>
+                </a:solidFill>
+              </a:rPr>
+              <a:t/>
             </a:r>
             <a:br>
               <a:rPr lang="ko" sz="1000">
@@ -19637,6 +19640,18 @@
               </a:rPr>
               <a:t>TerminatorReceiveFilter - Terminator Protocol</a:t>
             </a:r>
+            <a:r>
+              <a:rPr lang="en-US" altLang="ko" sz="1600">
+                <a:solidFill>
+                  <a:schemeClr val="dk1"/>
+                </a:solidFill>
+                <a:latin typeface="Malgun Gothic"/>
+                <a:ea typeface="Malgun Gothic"/>
+                <a:cs typeface="Malgun Gothic"/>
+                <a:sym typeface="Malgun Gothic"/>
+              </a:rPr>
+              <a:t/>
+            </a:r>
             <a:br>
               <a:rPr lang="en-US" altLang="ko" sz="1600">
                 <a:solidFill>
@@ -20105,6 +20120,10 @@
               </a:rPr>
               <a:t>// 헤더는 4 바이트 정수값으로 key, 그 다음 body byte[]의 크기를 가리키는 4 바이트 정수값</a:t>
             </a:r>
+            <a:r>
+              <a:rPr lang="ko" dirty="0"/>
+              <a:t/>
+            </a:r>
             <a:br>
               <a:rPr lang="ko" dirty="0"/>
             </a:br>
@@ -20155,6 +20174,10 @@
                 </a:solidFill>
               </a:rPr>
               <a:t>BinaryRequestInfo</a:t>
+            </a:r>
+            <a:r>
+              <a:rPr lang="ko" dirty="0"/>
+              <a:t/>
             </a:r>
             <a:br>
               <a:rPr lang="ko" dirty="0"/>
@@ -20867,6 +20890,10 @@
               <a:rPr lang="ko" sz="1200" b="1" dirty="0"/>
               <a:t>&gt; header, </a:t>
             </a:r>
+            <a:r>
+              <a:rPr lang="en-US" altLang="ko" sz="1200" b="1" dirty="0"/>
+              <a:t/>
+            </a:r>
             <a:br>
               <a:rPr lang="en-US" altLang="ko" sz="1200" b="1" dirty="0"/>
             </a:br>
@@ -21182,6 +21209,10 @@
               </a:rPr>
               <a:t>PacketData</a:t>
             </a:r>
+            <a:r>
+              <a:rPr lang="ko" sz="1200"/>
+              <a:t/>
+            </a:r>
             <a:br>
               <a:rPr lang="ko" sz="1200"/>
             </a:br>
@@ -21316,6 +21347,10 @@
               </a:rPr>
               <a:t>int</a:t>
             </a:r>
+            <a:r>
+              <a:rPr lang="ko" sz="1200"/>
+              <a:t/>
+            </a:r>
             <a:br>
               <a:rPr lang="ko" sz="1200"/>
             </a:br>
@@ -21389,6 +21424,10 @@
                 </a:solidFill>
               </a:rPr>
               <a:t>CommonHandler</a:t>
+            </a:r>
+            <a:r>
+              <a:rPr lang="ko" sz="1200"/>
+              <a:t/>
             </a:r>
             <a:br>
               <a:rPr lang="ko" sz="1200"/>
@@ -21721,6 +21760,10 @@
               </a:rPr>
               <a:t>PK_LOGON</a:t>
             </a:r>
+            <a:r>
+              <a:rPr lang="ko" sz="1200"/>
+              <a:t/>
+            </a:r>
             <a:br>
               <a:rPr lang="ko" sz="1200"/>
             </a:br>
@@ -21842,6 +21885,10 @@
                 </a:solidFill>
               </a:rPr>
               <a:t>PK_CHAT</a:t>
+            </a:r>
+            <a:r>
+              <a:rPr lang="ko" sz="1200"/>
+              <a:t/>
             </a:r>
             <a:br>
               <a:rPr lang="ko" sz="1200"/>
@@ -23025,6 +23072,13 @@
               </a:rPr>
               <a:t> 로그 시스템 사용을 위해 SuperSocket에 있는 log4net.dll 이 필요하다.</a:t>
             </a:r>
+            <a:r>
+              <a:rPr lang="en-US" altLang="ko" sz="1800">
+                <a:latin typeface="맑은 고딕" panose="020B0503020000020004" pitchFamily="50" charset="-127"/>
+                <a:ea typeface="맑은 고딕" panose="020B0503020000020004" pitchFamily="50" charset="-127"/>
+              </a:rPr>
+              <a:t/>
+            </a:r>
             <a:br>
               <a:rPr lang="en-US" altLang="ko" sz="1800">
                 <a:latin typeface="맑은 고딕" panose="020B0503020000020004" pitchFamily="50" charset="-127"/>
@@ -23257,6 +23311,14 @@
               </a:rPr>
               <a:t>Logger.Error("Unknow request");</a:t>
             </a:r>
+            <a:r>
+              <a:rPr lang="ko">
+                <a:solidFill>
+                  <a:srgbClr val="333333"/>
+                </a:solidFill>
+              </a:rPr>
+              <a:t/>
+            </a:r>
             <a:br>
               <a:rPr lang="ko">
                 <a:solidFill>
@@ -23854,6 +23916,13 @@
               </a:rPr>
               <a:t>Linux에서는 mono를 사용하면 SuperSocket으로 만든 프로그램을 실행 가능(다만 mono가 지원하는 닷넷 라이브러리를 사용해야 한다)</a:t>
             </a:r>
+            <a:r>
+              <a:rPr lang="en-US" altLang="ko" sz="1800">
+                <a:latin typeface="맑은 고딕" panose="020B0503020000020004" pitchFamily="50" charset="-127"/>
+                <a:ea typeface="맑은 고딕" panose="020B0503020000020004" pitchFamily="50" charset="-127"/>
+              </a:rPr>
+              <a:t/>
+            </a:r>
             <a:br>
               <a:rPr lang="en-US" altLang="ko" sz="1800">
                 <a:latin typeface="맑은 고딕" panose="020B0503020000020004" pitchFamily="50" charset="-127"/>
@@ -23951,6 +24020,13 @@
               </a:rPr>
               <a:t>" 만으로도 실행 가능</a:t>
             </a:r>
+            <a:r>
+              <a:rPr lang="en-US" altLang="ko" sz="1800">
+                <a:latin typeface="맑은 고딕" panose="020B0503020000020004" pitchFamily="50" charset="-127"/>
+                <a:ea typeface="맑은 고딕" panose="020B0503020000020004" pitchFamily="50" charset="-127"/>
+              </a:rPr>
+              <a:t/>
+            </a:r>
             <a:br>
               <a:rPr lang="en-US" altLang="ko" sz="1800">
                 <a:latin typeface="맑은 고딕" panose="020B0503020000020004" pitchFamily="50" charset="-127"/>
@@ -24013,6 +24089,13 @@
                 <a:ea typeface="맑은 고딕" panose="020B0503020000020004" pitchFamily="50" charset="-127"/>
               </a:rPr>
             </a:br>
+            <a:r>
+              <a:rPr lang="ko" sz="1800">
+                <a:latin typeface="맑은 고딕" panose="020B0503020000020004" pitchFamily="50" charset="-127"/>
+                <a:ea typeface="맑은 고딕" panose="020B0503020000020004" pitchFamily="50" charset="-127"/>
+              </a:rPr>
+              <a:t/>
+            </a:r>
             <a:br>
               <a:rPr lang="ko" sz="1800">
                 <a:latin typeface="맑은 고딕" panose="020B0503020000020004" pitchFamily="50" charset="-127"/>
@@ -24282,7 +24365,7 @@
   <p:cSld>
     <p:spTree>
       <p:nvGrpSpPr>
-        <p:cNvPr id="1" name="Shape 378"/>
+        <p:cNvPr id="1" name="Shape 421"/>
         <p:cNvGrpSpPr/>
         <p:nvPr/>
       </p:nvGrpSpPr>
@@ -24296,14 +24379,14 @@
       </p:grpSpPr>
       <p:sp>
         <p:nvSpPr>
-          <p:cNvPr id="379" name="Shape 379"/>
+          <p:cNvPr id="3" name="Shape 379"/>
           <p:cNvSpPr txBox="1"/>
           <p:nvPr/>
         </p:nvSpPr>
         <p:spPr>
           <a:xfrm>
             <a:off x="277875" y="188950"/>
-            <a:ext cx="7102437" cy="550200"/>
+            <a:ext cx="7174445" cy="1079810"/>
           </a:xfrm>
           <a:prstGeom prst="rect">
             <a:avLst/>
@@ -24320,32 +24403,48 @@
               <a:buNone/>
             </a:pPr>
             <a:r>
-              <a:rPr lang="en-US" altLang="ko" sz="3000" b="1" dirty="0">
+              <a:rPr lang="en-US" altLang="ko" sz="3000" b="1">
                 <a:latin typeface="맑은 고딕" panose="020B0503020000020004" pitchFamily="50" charset="-127"/>
                 <a:ea typeface="맑은 고딕" panose="020B0503020000020004" pitchFamily="50" charset="-127"/>
               </a:rPr>
-              <a:t>Send Time Out </a:t>
-            </a:r>
-            <a:r>
-              <a:rPr lang="ko-KR" altLang="en-US" sz="3000" b="1" dirty="0">
+              <a:t>SuperSocket</a:t>
+            </a:r>
+            <a:r>
+              <a:rPr lang="ko-KR" altLang="en-US" sz="3000" b="1">
                 <a:latin typeface="맑은 고딕" panose="020B0503020000020004" pitchFamily="50" charset="-127"/>
                 <a:ea typeface="맑은 고딕" panose="020B0503020000020004" pitchFamily="50" charset="-127"/>
               </a:rPr>
-              <a:t>후 </a:t>
-            </a:r>
-            <a:r>
-              <a:rPr lang="en-US" altLang="ko-KR" sz="3000" b="1" dirty="0">
+              <a:t>을 더 잘 이해하려면</a:t>
+            </a:r>
+            <a:endParaRPr lang="en-US" altLang="ko-KR" sz="3000" b="1">
+              <a:latin typeface="맑은 고딕" panose="020B0503020000020004" pitchFamily="50" charset="-127"/>
+              <a:ea typeface="맑은 고딕" panose="020B0503020000020004" pitchFamily="50" charset="-127"/>
+            </a:endParaRPr>
+          </a:p>
+          <a:p>
+            <a:pPr lvl="0" rtl="0">
+              <a:buNone/>
+            </a:pPr>
+            <a:r>
+              <a:rPr lang="ko-KR" altLang="en-US" sz="1800" b="1">
                 <a:latin typeface="맑은 고딕" panose="020B0503020000020004" pitchFamily="50" charset="-127"/>
                 <a:ea typeface="맑은 고딕" panose="020B0503020000020004" pitchFamily="50" charset="-127"/>
               </a:rPr>
-              <a:t>Disconnect </a:t>
-            </a:r>
-            <a:r>
-              <a:rPr lang="ko-KR" altLang="en-US" sz="3000" b="1" dirty="0">
+              <a:t>혹은 </a:t>
+            </a:r>
+            <a:r>
+              <a:rPr lang="en-US" altLang="ko-KR" sz="1800" b="1">
                 <a:latin typeface="맑은 고딕" panose="020B0503020000020004" pitchFamily="50" charset="-127"/>
                 <a:ea typeface="맑은 고딕" panose="020B0503020000020004" pitchFamily="50" charset="-127"/>
               </a:rPr>
-              <a:t>불가능</a:t>
+              <a:t>C# </a:t>
+            </a:r>
+            <a:r>
+              <a:rPr lang="ko-KR" altLang="en-US" sz="1800" b="1">
+                <a:latin typeface="맑은 고딕" panose="020B0503020000020004" pitchFamily="50" charset="-127"/>
+                <a:ea typeface="맑은 고딕" panose="020B0503020000020004" pitchFamily="50" charset="-127"/>
+              </a:rPr>
+              <a:t>고성능 네트워크 프로그래밍을 하려면</a:t>
             </a:r>
             <a:endParaRPr lang="ko" sz="3000" b="1" dirty="0">
               <a:latin typeface="맑은 고딕" panose="020B0503020000020004" pitchFamily="50" charset="-127"/>
@@ -24356,424 +24455,120 @@
       </p:sp>
       <p:sp>
         <p:nvSpPr>
-          <p:cNvPr id="380" name="Shape 380"/>
-          <p:cNvSpPr txBox="1"/>
+          <p:cNvPr id="4" name="직사각형 3"/>
+          <p:cNvSpPr/>
           <p:nvPr/>
         </p:nvSpPr>
         <p:spPr>
           <a:xfrm>
-            <a:off x="365250" y="947874"/>
-            <a:ext cx="8413500" cy="5289438"/>
+            <a:off x="323528" y="1556792"/>
+            <a:ext cx="8424936" cy="1169551"/>
           </a:xfrm>
           <a:prstGeom prst="rect">
             <a:avLst/>
           </a:prstGeom>
-          <a:noFill/>
         </p:spPr>
         <p:txBody>
-          <a:bodyPr lIns="91425" tIns="91425" rIns="91425" bIns="91425" anchor="t" anchorCtr="0">
-            <a:noAutofit/>
+          <a:bodyPr wrap="square">
+            <a:spAutoFit/>
           </a:bodyPr>
           <a:lstStyle/>
           <a:p>
-            <a:pPr marL="457200" lvl="0" indent="-317500" rtl="0">
-              <a:lnSpc>
-                <a:spcPct val="115000"/>
-              </a:lnSpc>
-              <a:buClr>
-                <a:srgbClr val="000000"/>
-              </a:buClr>
-              <a:buSzPct val="166666"/>
-              <a:buFont typeface="Arial"/>
+            <a:pPr marL="285750" indent="-285750">
+              <a:buFont typeface="Arial" panose="020B0604020202020204" pitchFamily="34" charset="0"/>
               <a:buChar char="•"/>
             </a:pPr>
             <a:r>
-              <a:rPr lang="ko-KR" altLang="en-US" sz="1800" dirty="0">
-                <a:latin typeface="맑은 고딕" panose="020B0503020000020004" pitchFamily="50" charset="-127"/>
-                <a:ea typeface="맑은 고딕" panose="020B0503020000020004" pitchFamily="50" charset="-127"/>
-              </a:rPr>
-              <a:t>클라이언트에게 </a:t>
-            </a:r>
-            <a:r>
-              <a:rPr lang="en-US" altLang="ko-KR" sz="1800" dirty="0">
-                <a:latin typeface="맑은 고딕" panose="020B0503020000020004" pitchFamily="50" charset="-127"/>
-                <a:ea typeface="맑은 고딕" panose="020B0503020000020004" pitchFamily="50" charset="-127"/>
-              </a:rPr>
-              <a:t>Send</a:t>
-            </a:r>
-            <a:r>
-              <a:rPr lang="ko-KR" altLang="en-US" sz="1800" dirty="0">
-                <a:latin typeface="맑은 고딕" panose="020B0503020000020004" pitchFamily="50" charset="-127"/>
-                <a:ea typeface="맑은 고딕" panose="020B0503020000020004" pitchFamily="50" charset="-127"/>
-              </a:rPr>
-              <a:t>를 할 때 </a:t>
-            </a:r>
-            <a:r>
-              <a:rPr lang="en-US" altLang="ko-KR" sz="1800" dirty="0">
-                <a:latin typeface="맑은 고딕" panose="020B0503020000020004" pitchFamily="50" charset="-127"/>
-                <a:ea typeface="맑은 고딕" panose="020B0503020000020004" pitchFamily="50" charset="-127"/>
-              </a:rPr>
-              <a:t>‘Send Time Out’ </a:t>
-            </a:r>
-            <a:r>
-              <a:rPr lang="ko-KR" altLang="en-US" sz="1800" dirty="0">
-                <a:latin typeface="맑은 고딕" panose="020B0503020000020004" pitchFamily="50" charset="-127"/>
-                <a:ea typeface="맑은 고딕" panose="020B0503020000020004" pitchFamily="50" charset="-127"/>
-              </a:rPr>
-              <a:t>예외가 발생 후 서버에서 해당 클라이언트를 </a:t>
-            </a:r>
-            <a:r>
-              <a:rPr lang="en-US" altLang="ko-KR" sz="1800" dirty="0">
-                <a:latin typeface="맑은 고딕" panose="020B0503020000020004" pitchFamily="50" charset="-127"/>
-                <a:ea typeface="맑은 고딕" panose="020B0503020000020004" pitchFamily="50" charset="-127"/>
-              </a:rPr>
-              <a:t>Disconnect </a:t>
-            </a:r>
-            <a:r>
-              <a:rPr lang="ko-KR" altLang="en-US" sz="1800" dirty="0">
-                <a:latin typeface="맑은 고딕" panose="020B0503020000020004" pitchFamily="50" charset="-127"/>
-                <a:ea typeface="맑은 고딕" panose="020B0503020000020004" pitchFamily="50" charset="-127"/>
-              </a:rPr>
-              <a:t>할 수 없다</a:t>
-            </a:r>
-            <a:r>
-              <a:rPr lang="en-US" altLang="ko-KR" sz="1800" dirty="0">
-                <a:latin typeface="맑은 고딕" panose="020B0503020000020004" pitchFamily="50" charset="-127"/>
-                <a:ea typeface="맑은 고딕" panose="020B0503020000020004" pitchFamily="50" charset="-127"/>
-              </a:rPr>
-              <a:t>. </a:t>
-            </a:r>
-            <a:r>
-              <a:rPr lang="ko-KR" altLang="en-US" sz="1800" dirty="0">
-                <a:latin typeface="맑은 고딕" panose="020B0503020000020004" pitchFamily="50" charset="-127"/>
-                <a:ea typeface="맑은 고딕" panose="020B0503020000020004" pitchFamily="50" charset="-127"/>
-              </a:rPr>
-              <a:t>단 클라이언트에서 접속을 끊으면 접속이 끊어진다</a:t>
-            </a:r>
-            <a:r>
-              <a:rPr lang="en-US" altLang="ko-KR" sz="1800" dirty="0">
-                <a:latin typeface="맑은 고딕" panose="020B0503020000020004" pitchFamily="50" charset="-127"/>
-                <a:ea typeface="맑은 고딕" panose="020B0503020000020004" pitchFamily="50" charset="-127"/>
-              </a:rPr>
-              <a:t>.</a:t>
-            </a:r>
-            <a:br>
-              <a:rPr lang="en-US" altLang="ko-KR" sz="1800" dirty="0">
-                <a:latin typeface="맑은 고딕" panose="020B0503020000020004" pitchFamily="50" charset="-127"/>
-                <a:ea typeface="맑은 고딕" panose="020B0503020000020004" pitchFamily="50" charset="-127"/>
-              </a:rPr>
-            </a:br>
-            <a:endParaRPr lang="en-US" altLang="ko-KR" sz="1800" dirty="0">
-              <a:latin typeface="맑은 고딕" panose="020B0503020000020004" pitchFamily="50" charset="-127"/>
-              <a:ea typeface="맑은 고딕" panose="020B0503020000020004" pitchFamily="50" charset="-127"/>
+              <a:rPr lang="en-US" altLang="ko-KR">
+                <a:latin typeface="Arial" panose="020B0604020202020204" pitchFamily="34" charset="0"/>
+              </a:rPr>
+              <a:t>C# SocketAsyncEventArgs High Performance Socket Code</a:t>
+            </a:r>
+            <a:br>
+              <a:rPr lang="en-US" altLang="ko-KR">
+                <a:latin typeface="Arial" panose="020B0604020202020204" pitchFamily="34" charset="0"/>
+              </a:rPr>
+            </a:br>
+            <a:r>
+              <a:rPr lang="en-US" altLang="ko-KR" u="sng">
+                <a:solidFill>
+                  <a:srgbClr val="1155CC"/>
+                </a:solidFill>
+                <a:latin typeface="Arial" panose="020B0604020202020204" pitchFamily="34" charset="0"/>
+                <a:hlinkClick r:id="rId3"/>
+              </a:rPr>
+              <a:t>http://www.codeproject.com/Articles/83102/C-SocketAsyncEventArgs-High-Performance-Socket-Cod</a:t>
+            </a:r>
+            <a:r>
+              <a:rPr lang="en-US" altLang="ko-KR" u="sng">
+                <a:solidFill>
+                  <a:srgbClr val="1155CC"/>
+                </a:solidFill>
+                <a:latin typeface="Arial" panose="020B0604020202020204" pitchFamily="34" charset="0"/>
+              </a:rPr>
+              <a:t/>
+            </a:r>
+            <a:br>
+              <a:rPr lang="en-US" altLang="ko-KR" u="sng">
+                <a:solidFill>
+                  <a:srgbClr val="1155CC"/>
+                </a:solidFill>
+                <a:latin typeface="Arial" panose="020B0604020202020204" pitchFamily="34" charset="0"/>
+              </a:rPr>
+            </a:br>
+            <a:endParaRPr lang="en-US" altLang="ko-KR" u="sng">
+              <a:solidFill>
+                <a:srgbClr val="1155CC"/>
+              </a:solidFill>
+              <a:latin typeface="Arial" panose="020B0604020202020204" pitchFamily="34" charset="0"/>
             </a:endParaRPr>
           </a:p>
           <a:p>
-            <a:pPr marL="457200" lvl="0" indent="-317500" rtl="0">
-              <a:lnSpc>
-                <a:spcPct val="115000"/>
-              </a:lnSpc>
-              <a:buClr>
-                <a:srgbClr val="000000"/>
-              </a:buClr>
-              <a:buSzPct val="166666"/>
-              <a:buFont typeface="Arial"/>
+            <a:pPr marL="285750" indent="-285750">
+              <a:buFont typeface="Arial" panose="020B0604020202020204" pitchFamily="34" charset="0"/>
               <a:buChar char="•"/>
             </a:pPr>
             <a:r>
-              <a:rPr lang="ko-KR" altLang="en-US" sz="1800" dirty="0">
-                <a:solidFill>
-                  <a:schemeClr val="dk1"/>
-                </a:solidFill>
-                <a:latin typeface="맑은 고딕" panose="020B0503020000020004" pitchFamily="50" charset="-127"/>
-                <a:ea typeface="맑은 고딕" panose="020B0503020000020004" pitchFamily="50" charset="-127"/>
-              </a:rPr>
-              <a:t>서버에서 </a:t>
-            </a:r>
-            <a:r>
-              <a:rPr lang="en-US" altLang="ko-KR" sz="1800" dirty="0">
-                <a:solidFill>
-                  <a:schemeClr val="dk1"/>
-                </a:solidFill>
-                <a:latin typeface="맑은 고딕" panose="020B0503020000020004" pitchFamily="50" charset="-127"/>
-                <a:ea typeface="맑은 고딕" panose="020B0503020000020004" pitchFamily="50" charset="-127"/>
-              </a:rPr>
-              <a:t>Disconnect </a:t>
-            </a:r>
-            <a:r>
-              <a:rPr lang="ko-KR" altLang="en-US" sz="1800" dirty="0">
-                <a:solidFill>
-                  <a:schemeClr val="dk1"/>
-                </a:solidFill>
-                <a:latin typeface="맑은 고딕" panose="020B0503020000020004" pitchFamily="50" charset="-127"/>
-                <a:ea typeface="맑은 고딕" panose="020B0503020000020004" pitchFamily="50" charset="-127"/>
-              </a:rPr>
-              <a:t>할 수 없는 이유는 </a:t>
-            </a:r>
-            <a:r>
-              <a:rPr lang="en-US" altLang="ko-KR" sz="1800" dirty="0">
-                <a:solidFill>
-                  <a:schemeClr val="dk1"/>
-                </a:solidFill>
-                <a:latin typeface="맑은 고딕" panose="020B0503020000020004" pitchFamily="50" charset="-127"/>
-                <a:ea typeface="맑은 고딕" panose="020B0503020000020004" pitchFamily="50" charset="-127"/>
-              </a:rPr>
-              <a:t>close </a:t>
-            </a:r>
-            <a:r>
-              <a:rPr lang="ko-KR" altLang="en-US" sz="1800" dirty="0">
-                <a:solidFill>
-                  <a:schemeClr val="dk1"/>
-                </a:solidFill>
-                <a:latin typeface="맑은 고딕" panose="020B0503020000020004" pitchFamily="50" charset="-127"/>
-                <a:ea typeface="맑은 고딕" panose="020B0503020000020004" pitchFamily="50" charset="-127"/>
-              </a:rPr>
-              <a:t>시킬 때 클라이언트의 소켓 상태가 </a:t>
-            </a:r>
-            <a:r>
-              <a:rPr lang="en-US" altLang="ko-KR" sz="1800" dirty="0">
-                <a:solidFill>
-                  <a:schemeClr val="dk1"/>
-                </a:solidFill>
-                <a:latin typeface="맑은 고딕" panose="020B0503020000020004" pitchFamily="50" charset="-127"/>
-                <a:ea typeface="맑은 고딕" panose="020B0503020000020004" pitchFamily="50" charset="-127"/>
-              </a:rPr>
-              <a:t>‘</a:t>
-            </a:r>
-            <a:r>
-              <a:rPr lang="ko-KR" altLang="en-US" sz="1800" dirty="0">
-                <a:solidFill>
-                  <a:schemeClr val="dk1"/>
-                </a:solidFill>
-                <a:latin typeface="맑은 고딕" panose="020B0503020000020004" pitchFamily="50" charset="-127"/>
-                <a:ea typeface="맑은 고딕" panose="020B0503020000020004" pitchFamily="50" charset="-127"/>
-              </a:rPr>
-              <a:t>보내는 중</a:t>
-            </a:r>
-            <a:r>
-              <a:rPr lang="en-US" altLang="ko-KR" sz="1800" dirty="0">
-                <a:solidFill>
-                  <a:schemeClr val="dk1"/>
-                </a:solidFill>
-                <a:latin typeface="맑은 고딕" panose="020B0503020000020004" pitchFamily="50" charset="-127"/>
-                <a:ea typeface="맑은 고딕" panose="020B0503020000020004" pitchFamily="50" charset="-127"/>
-              </a:rPr>
-              <a:t>’</a:t>
-            </a:r>
-            <a:r>
-              <a:rPr lang="ko-KR" altLang="en-US" sz="1800" dirty="0">
-                <a:solidFill>
-                  <a:schemeClr val="dk1"/>
-                </a:solidFill>
-                <a:latin typeface="맑은 고딕" panose="020B0503020000020004" pitchFamily="50" charset="-127"/>
-                <a:ea typeface="맑은 고딕" panose="020B0503020000020004" pitchFamily="50" charset="-127"/>
-              </a:rPr>
-              <a:t>으로 되어 있어서 끝날 때까지 기다리기 때문이다</a:t>
-            </a:r>
-            <a:r>
-              <a:rPr lang="en-US" altLang="ko-KR" sz="1800" dirty="0">
-                <a:solidFill>
-                  <a:schemeClr val="dk1"/>
-                </a:solidFill>
-                <a:latin typeface="맑은 고딕" panose="020B0503020000020004" pitchFamily="50" charset="-127"/>
-                <a:ea typeface="맑은 고딕" panose="020B0503020000020004" pitchFamily="50" charset="-127"/>
-              </a:rPr>
-              <a:t>. </a:t>
-            </a:r>
-            <a:r>
-              <a:rPr lang="ko-KR" altLang="en-US" sz="1800" dirty="0">
-                <a:solidFill>
-                  <a:schemeClr val="dk1"/>
-                </a:solidFill>
-                <a:latin typeface="맑은 고딕" panose="020B0503020000020004" pitchFamily="50" charset="-127"/>
-                <a:ea typeface="맑은 고딕" panose="020B0503020000020004" pitchFamily="50" charset="-127"/>
-              </a:rPr>
-              <a:t>즉 이런 상태가 되면 해당 클라이언트가 접속을 끊어 줄 때까지 어떻게 할 방법이 없다</a:t>
-            </a:r>
-            <a:r>
-              <a:rPr lang="en-US" altLang="ko-KR" sz="1800" dirty="0">
-                <a:solidFill>
-                  <a:schemeClr val="dk1"/>
-                </a:solidFill>
-                <a:latin typeface="맑은 고딕" panose="020B0503020000020004" pitchFamily="50" charset="-127"/>
-                <a:ea typeface="맑은 고딕" panose="020B0503020000020004" pitchFamily="50" charset="-127"/>
-              </a:rPr>
-              <a:t>.</a:t>
-            </a:r>
-            <a:br>
-              <a:rPr lang="en-US" altLang="ko-KR" sz="1800" dirty="0">
-                <a:solidFill>
-                  <a:schemeClr val="dk1"/>
-                </a:solidFill>
-                <a:latin typeface="맑은 고딕" panose="020B0503020000020004" pitchFamily="50" charset="-127"/>
-                <a:ea typeface="맑은 고딕" panose="020B0503020000020004" pitchFamily="50" charset="-127"/>
-              </a:rPr>
-            </a:br>
-            <a:endParaRPr lang="en-US" altLang="ko-KR" sz="1800" dirty="0">
-              <a:solidFill>
-                <a:schemeClr val="dk1"/>
-              </a:solidFill>
-              <a:latin typeface="맑은 고딕" panose="020B0503020000020004" pitchFamily="50" charset="-127"/>
-              <a:ea typeface="맑은 고딕" panose="020B0503020000020004" pitchFamily="50" charset="-127"/>
-            </a:endParaRPr>
-          </a:p>
-          <a:p>
-            <a:pPr marL="457200" lvl="0" indent="-317500" rtl="0">
-              <a:lnSpc>
-                <a:spcPct val="115000"/>
-              </a:lnSpc>
-              <a:buClr>
-                <a:srgbClr val="000000"/>
-              </a:buClr>
-              <a:buSzPct val="166666"/>
-              <a:buFont typeface="Arial"/>
-              <a:buChar char="•"/>
-            </a:pPr>
-            <a:r>
-              <a:rPr lang="ko-KR" altLang="en-US" sz="1800" dirty="0">
-                <a:solidFill>
-                  <a:schemeClr val="dk1"/>
-                </a:solidFill>
-                <a:latin typeface="맑은 고딕" panose="020B0503020000020004" pitchFamily="50" charset="-127"/>
-                <a:ea typeface="맑은 고딕" panose="020B0503020000020004" pitchFamily="50" charset="-127"/>
-              </a:rPr>
-              <a:t>그래서 코드를 수정하여 강제적으로 끊을 수 있게 해야 한다</a:t>
-            </a:r>
-            <a:r>
-              <a:rPr lang="en-US" altLang="ko-KR" sz="1800" dirty="0">
-                <a:solidFill>
-                  <a:schemeClr val="dk1"/>
-                </a:solidFill>
-                <a:latin typeface="맑은 고딕" panose="020B0503020000020004" pitchFamily="50" charset="-127"/>
-                <a:ea typeface="맑은 고딕" panose="020B0503020000020004" pitchFamily="50" charset="-127"/>
-              </a:rPr>
-              <a:t>.</a:t>
-            </a:r>
-            <a:br>
-              <a:rPr lang="en-US" altLang="ko-KR" sz="1800" dirty="0">
-                <a:solidFill>
-                  <a:schemeClr val="dk1"/>
-                </a:solidFill>
-                <a:latin typeface="맑은 고딕" panose="020B0503020000020004" pitchFamily="50" charset="-127"/>
-                <a:ea typeface="맑은 고딕" panose="020B0503020000020004" pitchFamily="50" charset="-127"/>
-              </a:rPr>
-            </a:br>
-            <a:endParaRPr lang="en-US" altLang="ko-KR" sz="1800" dirty="0">
-              <a:solidFill>
-                <a:schemeClr val="dk1"/>
-              </a:solidFill>
-              <a:latin typeface="맑은 고딕" panose="020B0503020000020004" pitchFamily="50" charset="-127"/>
-              <a:ea typeface="맑은 고딕" panose="020B0503020000020004" pitchFamily="50" charset="-127"/>
-            </a:endParaRPr>
-          </a:p>
-          <a:p>
-            <a:pPr marL="457200" lvl="0" indent="-317500">
-              <a:lnSpc>
-                <a:spcPct val="115000"/>
-              </a:lnSpc>
-              <a:buClr>
-                <a:srgbClr val="000000"/>
-              </a:buClr>
-              <a:buSzPct val="166666"/>
-              <a:buFont typeface="Arial"/>
-              <a:buChar char="•"/>
-            </a:pPr>
-            <a:r>
-              <a:rPr lang="en-US" altLang="ko-KR" sz="1800" dirty="0"/>
-              <a:t>timeout </a:t>
-            </a:r>
-            <a:r>
-              <a:rPr lang="ko-KR" altLang="en-US" sz="1800" dirty="0"/>
-              <a:t>이 발생하는 사유는 </a:t>
-            </a:r>
-            <a:r>
-              <a:rPr lang="en-US" altLang="ko-KR" sz="1800" dirty="0"/>
-              <a:t>send </a:t>
-            </a:r>
-            <a:r>
-              <a:rPr lang="ko-KR" altLang="en-US" sz="1800" dirty="0"/>
-              <a:t>큐에 데이터를 못 넣는 경우고</a:t>
-            </a:r>
-            <a:r>
-              <a:rPr lang="en-US" altLang="ko-KR" sz="1800" dirty="0"/>
-              <a:t>, </a:t>
-            </a:r>
-            <a:r>
-              <a:rPr lang="ko-KR" altLang="en-US" sz="1800" dirty="0"/>
-              <a:t>이후 넣을 때까지 무한 시도를 한다</a:t>
-            </a:r>
-            <a:r>
-              <a:rPr lang="en-US" altLang="ko-KR" sz="1800" dirty="0"/>
-              <a:t>.</a:t>
-            </a:r>
-            <a:br>
-              <a:rPr lang="ko-KR" altLang="en-US" sz="1800" dirty="0"/>
-            </a:br>
-            <a:r>
-              <a:rPr lang="ko-KR" altLang="en-US" sz="1800" dirty="0"/>
-              <a:t>즉 </a:t>
-            </a:r>
-            <a:r>
-              <a:rPr lang="en-US" altLang="ko-KR" sz="1800" dirty="0"/>
-              <a:t>timeout </a:t>
-            </a:r>
-            <a:r>
-              <a:rPr lang="ko-KR" altLang="en-US" sz="1800" dirty="0"/>
-              <a:t>크면 그만큼 성능에 나쁜 영향을 줄 수 있다</a:t>
-            </a:r>
-            <a:r>
-              <a:rPr lang="en-US" altLang="ko-KR" sz="1800" dirty="0"/>
-              <a:t>.</a:t>
-            </a:r>
-            <a:br>
-              <a:rPr lang="ko-KR" altLang="en-US" sz="1800" dirty="0"/>
-            </a:br>
-            <a:r>
-              <a:rPr lang="en-US" altLang="ko-KR" sz="1800" dirty="0"/>
-              <a:t>timeout</a:t>
-            </a:r>
-            <a:r>
-              <a:rPr lang="ko-KR" altLang="en-US" sz="1800" dirty="0"/>
-              <a:t>가 발생하면 </a:t>
-            </a:r>
-            <a:r>
-              <a:rPr lang="en-US" altLang="ko-KR" sz="1800" dirty="0" err="1"/>
-              <a:t>OnSendEnd</a:t>
-            </a:r>
-            <a:r>
-              <a:rPr lang="en-US" altLang="ko-KR" sz="1800" dirty="0"/>
-              <a:t>(false); </a:t>
-            </a:r>
-            <a:r>
-              <a:rPr lang="ko-KR" altLang="en-US" sz="1800" dirty="0"/>
-              <a:t>호출 후 소켓을 </a:t>
-            </a:r>
-            <a:r>
-              <a:rPr lang="ko-KR" altLang="en-US" sz="1800" dirty="0" err="1"/>
-              <a:t>짤라야</a:t>
-            </a:r>
-            <a:r>
-              <a:rPr lang="ko-KR" altLang="en-US" sz="1800" dirty="0"/>
-              <a:t> 한다</a:t>
-            </a:r>
-            <a:r>
-              <a:rPr lang="en-US" altLang="ko-KR" sz="1800" dirty="0"/>
-              <a:t>.</a:t>
-            </a:r>
-            <a:endParaRPr lang="en-US" altLang="ko-KR" sz="1800" dirty="0">
-              <a:solidFill>
-                <a:schemeClr val="dk1"/>
-              </a:solidFill>
-              <a:latin typeface="맑은 고딕" panose="020B0503020000020004" pitchFamily="50" charset="-127"/>
-              <a:ea typeface="맑은 고딕" panose="020B0503020000020004" pitchFamily="50" charset="-127"/>
-            </a:endParaRPr>
+              <a:rPr lang="en-US" altLang="ko-KR"/>
+              <a:t>(e-book)</a:t>
+            </a:r>
+            <a:r>
+              <a:rPr lang="ko-KR" altLang="en-US"/>
+              <a:t>유니티 개발자를 위한 </a:t>
+            </a:r>
+            <a:r>
+              <a:rPr lang="en-US" altLang="ko-KR"/>
+              <a:t>C#</a:t>
+            </a:r>
+            <a:r>
+              <a:rPr lang="ko-KR" altLang="en-US"/>
+              <a:t>으로 온라인 게임 서버 만들기</a:t>
+            </a:r>
+            <a:r>
+              <a:rPr lang="en-US" altLang="ko-KR"/>
+              <a:t/>
+            </a:r>
+            <a:br>
+              <a:rPr lang="en-US" altLang="ko-KR"/>
+            </a:br>
+            <a:r>
+              <a:rPr lang="en-US" altLang="ko-KR">
+                <a:hlinkClick r:id="rId4"/>
+              </a:rPr>
+              <a:t>http://www.hanbit.co.kr/realtime/books/book_view.html?p_code=E6015792502</a:t>
+            </a:r>
+            <a:r>
+              <a:rPr lang="en-US" altLang="ko-KR"/>
+              <a:t> </a:t>
+            </a:r>
+            <a:endParaRPr lang="ko-KR" altLang="en-US"/>
           </a:p>
         </p:txBody>
       </p:sp>
     </p:spTree>
     <p:extLst>
       <p:ext uri="{BB962C8B-B14F-4D97-AF65-F5344CB8AC3E}">
-        <p14:creationId xmlns:p14="http://schemas.microsoft.com/office/powerpoint/2010/main" val="3301201599"/>
+        <p14:creationId xmlns:p14="http://schemas.microsoft.com/office/powerpoint/2010/main" val="615536093"/>
       </p:ext>
     </p:extLst>
   </p:cSld>
@@ -24811,8 +24606,8 @@
         </p:nvSpPr>
         <p:spPr>
           <a:xfrm>
-            <a:off x="539552" y="692696"/>
-            <a:ext cx="7776864" cy="1661993"/>
+            <a:off x="467544" y="1916832"/>
+            <a:ext cx="7920880" cy="1569660"/>
           </a:xfrm>
           <a:prstGeom prst="rect">
             <a:avLst/>
@@ -24825,1109 +24620,69 @@
           <a:lstStyle/>
           <a:p>
             <a:r>
-              <a:rPr lang="en-US" altLang="ko-KR" sz="1800" b="1" dirty="0" err="1"/>
-              <a:t>SokcetBase</a:t>
-            </a:r>
-            <a:r>
-              <a:rPr lang="en-US" altLang="ko-KR" sz="1800" b="1" dirty="0"/>
-              <a:t> - </a:t>
-            </a:r>
-            <a:r>
-              <a:rPr lang="en-US" altLang="ko-KR" sz="1800" b="1" dirty="0" err="1"/>
-              <a:t>ISocketSession.cs</a:t>
-            </a:r>
-            <a:br>
-              <a:rPr lang="en-US" altLang="ko-KR" dirty="0"/>
-            </a:br>
-            <a:br>
-              <a:rPr lang="en-US" altLang="ko-KR" dirty="0"/>
-            </a:br>
-            <a:r>
-              <a:rPr lang="en-US" altLang="ko-KR" dirty="0"/>
-              <a:t>/// &lt;summary&gt;</a:t>
-            </a:r>
-            <a:br>
-              <a:rPr lang="en-US" altLang="ko-KR" dirty="0"/>
-            </a:br>
-            <a:r>
-              <a:rPr lang="en-US" altLang="ko-KR" dirty="0"/>
-              <a:t>/// 2014.06.13 </a:t>
-            </a:r>
-            <a:r>
-              <a:rPr lang="ko-KR" altLang="en-US" dirty="0"/>
-              <a:t>최흥배</a:t>
-            </a:r>
-            <a:br>
-              <a:rPr lang="ko-KR" altLang="en-US" dirty="0"/>
-            </a:br>
-            <a:r>
-              <a:rPr lang="en-US" altLang="ko-KR" dirty="0"/>
-              <a:t>/// </a:t>
-            </a:r>
-            <a:r>
-              <a:rPr lang="ko-KR" altLang="en-US" dirty="0"/>
-              <a:t>보내기 실패 예외가 발생한 경우 보내기 상태를 취소 시켜서 즉각 접속이 종료 되도록 한다</a:t>
-            </a:r>
-            <a:r>
-              <a:rPr lang="en-US" altLang="ko-KR" dirty="0"/>
-              <a:t>.</a:t>
-            </a:r>
-            <a:br>
-              <a:rPr lang="ko-KR" altLang="en-US" dirty="0"/>
-            </a:br>
-            <a:r>
-              <a:rPr lang="en-US" altLang="ko-KR" dirty="0"/>
-              <a:t>/// &lt;/summary&gt;</a:t>
-            </a:r>
-            <a:br>
-              <a:rPr lang="en-US" altLang="ko-KR" dirty="0"/>
-            </a:br>
-            <a:r>
-              <a:rPr lang="en-US" altLang="ko-KR" dirty="0"/>
-              <a:t>void </a:t>
-            </a:r>
-            <a:r>
-              <a:rPr lang="en-US" altLang="ko-KR" dirty="0" err="1"/>
-              <a:t>SendEndWhenSendingTimeOut</a:t>
-            </a:r>
-            <a:r>
-              <a:rPr lang="en-US" altLang="ko-KR" dirty="0"/>
-              <a:t>();</a:t>
-            </a:r>
-            <a:endParaRPr lang="ko-KR" altLang="en-US" dirty="0"/>
-          </a:p>
-        </p:txBody>
-      </p:sp>
-      <p:sp>
-        <p:nvSpPr>
-          <p:cNvPr id="3" name="직사각형 2"/>
-          <p:cNvSpPr/>
-          <p:nvPr/>
-        </p:nvSpPr>
-        <p:spPr>
-          <a:xfrm>
-            <a:off x="568788" y="2924944"/>
-            <a:ext cx="5760640" cy="1446550"/>
-          </a:xfrm>
-          <a:prstGeom prst="rect">
-            <a:avLst/>
-          </a:prstGeom>
-        </p:spPr>
-        <p:txBody>
-          <a:bodyPr wrap="square">
-            <a:spAutoFit/>
-          </a:bodyPr>
-          <a:lstStyle/>
-          <a:p>
-            <a:r>
-              <a:rPr lang="en-US" altLang="ko-KR" sz="1800" b="1" dirty="0" err="1"/>
-              <a:t>SocketEngine</a:t>
-            </a:r>
-            <a:r>
-              <a:rPr lang="en-US" altLang="ko-KR" sz="1800" b="1" dirty="0"/>
-              <a:t> - </a:t>
-            </a:r>
-            <a:r>
-              <a:rPr lang="en-US" altLang="ko-KR" sz="1800" b="1" dirty="0" err="1"/>
-              <a:t>SocketSession.cs</a:t>
-            </a:r>
-            <a:endParaRPr lang="en-US" altLang="ko-KR" sz="1800" b="1" dirty="0"/>
-          </a:p>
-          <a:p>
-            <a:br>
-              <a:rPr lang="en-US" altLang="ko-KR" dirty="0"/>
-            </a:br>
-            <a:r>
-              <a:rPr lang="en-US" altLang="ko-KR" dirty="0"/>
-              <a:t>public void </a:t>
-            </a:r>
-            <a:r>
-              <a:rPr lang="en-US" altLang="ko-KR" dirty="0" err="1"/>
-              <a:t>SendEndWhenSendingTimeOut</a:t>
-            </a:r>
-            <a:r>
-              <a:rPr lang="en-US" altLang="ko-KR" dirty="0"/>
-              <a:t>()</a:t>
-            </a:r>
-            <a:br>
-              <a:rPr lang="en-US" altLang="ko-KR" dirty="0"/>
-            </a:br>
-            <a:r>
-              <a:rPr lang="en-US" altLang="ko-KR" dirty="0"/>
-              <a:t>{</a:t>
-            </a:r>
-            <a:br>
-              <a:rPr lang="en-US" altLang="ko-KR" dirty="0"/>
-            </a:br>
-            <a:r>
-              <a:rPr lang="en-US" altLang="ko-KR" dirty="0"/>
-              <a:t>    </a:t>
-            </a:r>
-            <a:r>
-              <a:rPr lang="en-US" altLang="ko-KR" dirty="0" err="1"/>
-              <a:t>OnSendEnd</a:t>
-            </a:r>
-            <a:r>
-              <a:rPr lang="en-US" altLang="ko-KR" dirty="0"/>
-              <a:t>(false);</a:t>
-            </a:r>
-            <a:br>
-              <a:rPr lang="en-US" altLang="ko-KR" dirty="0"/>
-            </a:br>
-            <a:r>
-              <a:rPr lang="en-US" altLang="ko-KR" dirty="0"/>
-              <a:t>}</a:t>
-            </a:r>
-            <a:endParaRPr lang="ko-KR" altLang="en-US" dirty="0"/>
+              <a:rPr lang="ko-KR" altLang="en-US" sz="3600" b="1" smtClean="0">
+                <a:latin typeface="맑은 고딕" panose="020B0503020000020004" pitchFamily="50" charset="-127"/>
+                <a:ea typeface="맑은 고딕" panose="020B0503020000020004" pitchFamily="50" charset="-127"/>
+              </a:rPr>
+              <a:t>강연 문서와 예제 코드는 아래에</a:t>
+            </a:r>
+            <a:r>
+              <a:rPr lang="en-US" altLang="ko-KR" sz="3600" b="1" smtClean="0">
+                <a:latin typeface="맑은 고딕" panose="020B0503020000020004" pitchFamily="50" charset="-127"/>
+                <a:ea typeface="맑은 고딕" panose="020B0503020000020004" pitchFamily="50" charset="-127"/>
+              </a:rPr>
+              <a:t>...</a:t>
+            </a:r>
+          </a:p>
+          <a:p>
+            <a:endParaRPr lang="en-US" altLang="ko-KR" sz="3600" b="1" smtClean="0">
+              <a:latin typeface="맑은 고딕" panose="020B0503020000020004" pitchFamily="50" charset="-127"/>
+              <a:ea typeface="맑은 고딕" panose="020B0503020000020004" pitchFamily="50" charset="-127"/>
+            </a:endParaRPr>
+          </a:p>
+          <a:p>
+            <a:r>
+              <a:rPr lang="ko-KR" altLang="en-US" sz="2400" b="1" smtClean="0">
+                <a:latin typeface="맑은 고딕" panose="020B0503020000020004" pitchFamily="50" charset="-127"/>
+                <a:ea typeface="맑은 고딕" panose="020B0503020000020004" pitchFamily="50" charset="-127"/>
+                <a:hlinkClick r:id="rId3"/>
+              </a:rPr>
+              <a:t>https</a:t>
+            </a:r>
+            <a:r>
+              <a:rPr lang="ko-KR" altLang="en-US" sz="2400" b="1">
+                <a:latin typeface="맑은 고딕" panose="020B0503020000020004" pitchFamily="50" charset="-127"/>
+                <a:ea typeface="맑은 고딕" panose="020B0503020000020004" pitchFamily="50" charset="-127"/>
+                <a:hlinkClick r:id="rId3"/>
+              </a:rPr>
+              <a:t>://</a:t>
+            </a:r>
+            <a:r>
+              <a:rPr lang="ko-KR" altLang="en-US" sz="2400" b="1" smtClean="0">
+                <a:latin typeface="맑은 고딕" panose="020B0503020000020004" pitchFamily="50" charset="-127"/>
+                <a:ea typeface="맑은 고딕" panose="020B0503020000020004" pitchFamily="50" charset="-127"/>
+                <a:hlinkClick r:id="rId3"/>
+              </a:rPr>
+              <a:t>github.com/jacking75/kgc2016_SuperSocket</a:t>
+            </a:r>
+            <a:r>
+              <a:rPr lang="ko-KR" altLang="en-US" sz="2400" b="1" smtClean="0">
+                <a:latin typeface="맑은 고딕" panose="020B0503020000020004" pitchFamily="50" charset="-127"/>
+                <a:ea typeface="맑은 고딕" panose="020B0503020000020004" pitchFamily="50" charset="-127"/>
+              </a:rPr>
+              <a:t> </a:t>
+            </a:r>
+            <a:endParaRPr lang="ko-KR" altLang="en-US" sz="2400" b="1">
+              <a:latin typeface="맑은 고딕" panose="020B0503020000020004" pitchFamily="50" charset="-127"/>
+              <a:ea typeface="맑은 고딕" panose="020B0503020000020004" pitchFamily="50" charset="-127"/>
+            </a:endParaRPr>
           </a:p>
         </p:txBody>
       </p:sp>
     </p:spTree>
     <p:extLst>
       <p:ext uri="{BB962C8B-B14F-4D97-AF65-F5344CB8AC3E}">
-        <p14:creationId xmlns:p14="http://schemas.microsoft.com/office/powerpoint/2010/main" val="1729397872"/>
-      </p:ext>
-    </p:extLst>
-  </p:cSld>
-  <p:clrMapOvr>
-    <a:masterClrMapping/>
-  </p:clrMapOvr>
-  <p:transition spd="slow">
-    <p:cut/>
-  </p:transition>
-</p:sld>
-</file>
-
-<file path=ppt/slides/slide57.xml><?xml version="1.0" encoding="utf-8"?>
-<p:sld xmlns:a="http://schemas.openxmlformats.org/drawingml/2006/main" xmlns:r="http://schemas.openxmlformats.org/officeDocument/2006/relationships" xmlns:p="http://schemas.openxmlformats.org/presentationml/2006/main">
-  <p:cSld>
-    <p:spTree>
-      <p:nvGrpSpPr>
-        <p:cNvPr id="1" name="Shape 421"/>
-        <p:cNvGrpSpPr/>
-        <p:nvPr/>
-      </p:nvGrpSpPr>
-      <p:grpSpPr>
-        <a:xfrm>
-          <a:off x="0" y="0"/>
-          <a:ext cx="0" cy="0"/>
-          <a:chOff x="0" y="0"/>
-          <a:chExt cx="0" cy="0"/>
-        </a:xfrm>
-      </p:grpSpPr>
-      <p:sp>
-        <p:nvSpPr>
-          <p:cNvPr id="2" name="직사각형 1"/>
-          <p:cNvSpPr/>
-          <p:nvPr/>
-        </p:nvSpPr>
-        <p:spPr>
-          <a:xfrm>
-            <a:off x="323528" y="836712"/>
-            <a:ext cx="8280920" cy="3754874"/>
-          </a:xfrm>
-          <a:prstGeom prst="rect">
-            <a:avLst/>
-          </a:prstGeom>
-        </p:spPr>
-        <p:txBody>
-          <a:bodyPr wrap="square">
-            <a:spAutoFit/>
-          </a:bodyPr>
-          <a:lstStyle/>
-          <a:p>
-            <a:r>
-              <a:rPr lang="en-US" altLang="ko-KR" dirty="0"/>
-              <a:t>public class </a:t>
-            </a:r>
-            <a:r>
-              <a:rPr lang="en-US" altLang="ko-KR" dirty="0" err="1"/>
-              <a:t>ClientSession</a:t>
-            </a:r>
-            <a:r>
-              <a:rPr lang="en-US" altLang="ko-KR" dirty="0"/>
-              <a:t> : </a:t>
-            </a:r>
-            <a:r>
-              <a:rPr lang="en-US" altLang="ko-KR" dirty="0" err="1"/>
-              <a:t>AppSession</a:t>
-            </a:r>
-            <a:r>
-              <a:rPr lang="en-US" altLang="ko-KR" dirty="0"/>
-              <a:t>&lt;</a:t>
-            </a:r>
-            <a:r>
-              <a:rPr lang="en-US" altLang="ko-KR" dirty="0" err="1"/>
-              <a:t>ClientSession</a:t>
-            </a:r>
-            <a:r>
-              <a:rPr lang="en-US" altLang="ko-KR" dirty="0"/>
-              <a:t>, </a:t>
-            </a:r>
-            <a:r>
-              <a:rPr lang="en-US" altLang="ko-KR" dirty="0" err="1"/>
-              <a:t>CommonServerLib.EFBinaryRequestInfo</a:t>
-            </a:r>
-            <a:r>
-              <a:rPr lang="en-US" altLang="ko-KR" dirty="0"/>
-              <a:t>&gt;</a:t>
-            </a:r>
-            <a:br>
-              <a:rPr lang="en-US" altLang="ko-KR" dirty="0"/>
-            </a:br>
-            <a:r>
-              <a:rPr lang="en-US" altLang="ko-KR" dirty="0"/>
-              <a:t>{</a:t>
-            </a:r>
-            <a:br>
-              <a:rPr lang="en-US" altLang="ko-KR" dirty="0"/>
-            </a:br>
-            <a:r>
-              <a:rPr lang="en-US" altLang="ko-KR" dirty="0"/>
-              <a:t>    // </a:t>
-            </a:r>
-            <a:r>
-              <a:rPr lang="ko-KR" altLang="en-US" dirty="0"/>
-              <a:t>보내기 실패 횟수</a:t>
-            </a:r>
-            <a:br>
-              <a:rPr lang="ko-KR" altLang="en-US" dirty="0"/>
-            </a:br>
-            <a:r>
-              <a:rPr lang="ko-KR" altLang="en-US" dirty="0"/>
-              <a:t>    </a:t>
-            </a:r>
-            <a:r>
-              <a:rPr lang="en-US" altLang="ko-KR" dirty="0" err="1"/>
-              <a:t>int</a:t>
-            </a:r>
-            <a:r>
-              <a:rPr lang="en-US" altLang="ko-KR" dirty="0"/>
-              <a:t> </a:t>
-            </a:r>
-            <a:r>
-              <a:rPr lang="en-US" altLang="ko-KR" dirty="0" err="1"/>
-              <a:t>SendFailCount</a:t>
-            </a:r>
-            <a:r>
-              <a:rPr lang="en-US" altLang="ko-KR" dirty="0"/>
-              <a:t> = 0;</a:t>
-            </a:r>
-          </a:p>
-          <a:p>
-            <a:br>
-              <a:rPr lang="en-US" altLang="ko-KR" dirty="0"/>
-            </a:br>
-            <a:r>
-              <a:rPr lang="en-US" altLang="ko-KR" dirty="0"/>
-              <a:t>    public void Clear()</a:t>
-            </a:r>
-            <a:br>
-              <a:rPr lang="en-US" altLang="ko-KR" dirty="0"/>
-            </a:br>
-            <a:r>
-              <a:rPr lang="en-US" altLang="ko-KR" dirty="0"/>
-              <a:t>    {</a:t>
-            </a:r>
-            <a:br>
-              <a:rPr lang="en-US" altLang="ko-KR" dirty="0"/>
-            </a:br>
-            <a:r>
-              <a:rPr lang="en-US" altLang="ko-KR" dirty="0"/>
-              <a:t>        </a:t>
-            </a:r>
-            <a:r>
-              <a:rPr lang="en-US" altLang="ko-KR" dirty="0" err="1"/>
-              <a:t>SendFailCount</a:t>
-            </a:r>
-            <a:r>
-              <a:rPr lang="en-US" altLang="ko-KR" dirty="0"/>
-              <a:t> = 0;</a:t>
-            </a:r>
-            <a:br>
-              <a:rPr lang="en-US" altLang="ko-KR" dirty="0"/>
-            </a:br>
-            <a:r>
-              <a:rPr lang="en-US" altLang="ko-KR" dirty="0"/>
-              <a:t>    }</a:t>
-            </a:r>
-            <a:br>
-              <a:rPr lang="en-US" altLang="ko-KR" dirty="0"/>
-            </a:br>
-            <a:r>
-              <a:rPr lang="en-US" altLang="ko-KR" dirty="0"/>
-              <a:t> </a:t>
-            </a:r>
-            <a:br>
-              <a:rPr lang="en-US" altLang="ko-KR" dirty="0"/>
-            </a:br>
-            <a:r>
-              <a:rPr lang="en-US" altLang="ko-KR" dirty="0"/>
-              <a:t>    public void </a:t>
-            </a:r>
-            <a:r>
-              <a:rPr lang="en-US" altLang="ko-KR" dirty="0" err="1"/>
-              <a:t>SendFail</a:t>
-            </a:r>
-            <a:r>
-              <a:rPr lang="en-US" altLang="ko-KR" dirty="0"/>
-              <a:t>() { ++</a:t>
-            </a:r>
-            <a:r>
-              <a:rPr lang="en-US" altLang="ko-KR" dirty="0" err="1"/>
-              <a:t>SendFailCount</a:t>
-            </a:r>
-            <a:r>
-              <a:rPr lang="en-US" altLang="ko-KR" dirty="0"/>
-              <a:t>; }</a:t>
-            </a:r>
-            <a:br>
-              <a:rPr lang="en-US" altLang="ko-KR" dirty="0"/>
-            </a:br>
-            <a:r>
-              <a:rPr lang="en-US" altLang="ko-KR" dirty="0"/>
-              <a:t> </a:t>
-            </a:r>
-            <a:br>
-              <a:rPr lang="en-US" altLang="ko-KR" dirty="0"/>
-            </a:br>
-            <a:r>
-              <a:rPr lang="en-US" altLang="ko-KR" dirty="0"/>
-              <a:t>    public </a:t>
-            </a:r>
-            <a:r>
-              <a:rPr lang="en-US" altLang="ko-KR" dirty="0" err="1"/>
-              <a:t>bool</a:t>
-            </a:r>
-            <a:r>
-              <a:rPr lang="en-US" altLang="ko-KR" dirty="0"/>
-              <a:t> </a:t>
-            </a:r>
-            <a:r>
-              <a:rPr lang="en-US" altLang="ko-KR" dirty="0" err="1"/>
-              <a:t>EnableSend</a:t>
-            </a:r>
-            <a:r>
-              <a:rPr lang="en-US" altLang="ko-KR" dirty="0"/>
-              <a:t>()</a:t>
-            </a:r>
-            <a:br>
-              <a:rPr lang="en-US" altLang="ko-KR" dirty="0"/>
-            </a:br>
-            <a:r>
-              <a:rPr lang="en-US" altLang="ko-KR" dirty="0"/>
-              <a:t>    {</a:t>
-            </a:r>
-            <a:br>
-              <a:rPr lang="en-US" altLang="ko-KR" dirty="0"/>
-            </a:br>
-            <a:r>
-              <a:rPr lang="en-US" altLang="ko-KR" dirty="0"/>
-              <a:t>       return </a:t>
-            </a:r>
-            <a:r>
-              <a:rPr lang="en-US" altLang="ko-KR" dirty="0" err="1"/>
-              <a:t>SendFailCount</a:t>
-            </a:r>
-            <a:r>
-              <a:rPr lang="en-US" altLang="ko-KR" dirty="0"/>
-              <a:t> &gt; 0 ? false : true;</a:t>
-            </a:r>
-            <a:br>
-              <a:rPr lang="en-US" altLang="ko-KR" dirty="0"/>
-            </a:br>
-            <a:r>
-              <a:rPr lang="en-US" altLang="ko-KR" dirty="0"/>
-              <a:t>    }</a:t>
-            </a:r>
-            <a:br>
-              <a:rPr lang="en-US" altLang="ko-KR" dirty="0"/>
-            </a:br>
-            <a:r>
-              <a:rPr lang="en-US" altLang="ko-KR" dirty="0"/>
-              <a:t>}</a:t>
-            </a:r>
-          </a:p>
-        </p:txBody>
-      </p:sp>
-    </p:spTree>
-    <p:extLst>
-      <p:ext uri="{BB962C8B-B14F-4D97-AF65-F5344CB8AC3E}">
-        <p14:creationId xmlns:p14="http://schemas.microsoft.com/office/powerpoint/2010/main" val="2193561698"/>
-      </p:ext>
-    </p:extLst>
-  </p:cSld>
-  <p:clrMapOvr>
-    <a:masterClrMapping/>
-  </p:clrMapOvr>
-  <p:transition spd="slow">
-    <p:cut/>
-  </p:transition>
-</p:sld>
-</file>
-
-<file path=ppt/slides/slide58.xml><?xml version="1.0" encoding="utf-8"?>
-<p:sld xmlns:a="http://schemas.openxmlformats.org/drawingml/2006/main" xmlns:r="http://schemas.openxmlformats.org/officeDocument/2006/relationships" xmlns:p="http://schemas.openxmlformats.org/presentationml/2006/main">
-  <p:cSld>
-    <p:spTree>
-      <p:nvGrpSpPr>
-        <p:cNvPr id="1" name="Shape 421"/>
-        <p:cNvGrpSpPr/>
-        <p:nvPr/>
-      </p:nvGrpSpPr>
-      <p:grpSpPr>
-        <a:xfrm>
-          <a:off x="0" y="0"/>
-          <a:ext cx="0" cy="0"/>
-          <a:chOff x="0" y="0"/>
-          <a:chExt cx="0" cy="0"/>
-        </a:xfrm>
-      </p:grpSpPr>
-      <p:sp>
-        <p:nvSpPr>
-          <p:cNvPr id="2" name="직사각형 1"/>
-          <p:cNvSpPr/>
-          <p:nvPr/>
-        </p:nvSpPr>
-        <p:spPr>
-          <a:xfrm>
-            <a:off x="323528" y="836712"/>
-            <a:ext cx="8280920" cy="4832092"/>
-          </a:xfrm>
-          <a:prstGeom prst="rect">
-            <a:avLst/>
-          </a:prstGeom>
-        </p:spPr>
-        <p:txBody>
-          <a:bodyPr wrap="square">
-            <a:spAutoFit/>
-          </a:bodyPr>
-          <a:lstStyle/>
-          <a:p>
-            <a:r>
-              <a:rPr lang="en-US" altLang="ko-KR" dirty="0"/>
-              <a:t>public </a:t>
-            </a:r>
-            <a:r>
-              <a:rPr lang="en-US" altLang="ko-KR" dirty="0" err="1"/>
-              <a:t>bool</a:t>
-            </a:r>
-            <a:r>
-              <a:rPr lang="en-US" altLang="ko-KR" dirty="0"/>
-              <a:t> </a:t>
-            </a:r>
-            <a:r>
-              <a:rPr lang="en-US" altLang="ko-KR" dirty="0" err="1"/>
-              <a:t>SendData</a:t>
-            </a:r>
-            <a:r>
-              <a:rPr lang="en-US" altLang="ko-KR" dirty="0"/>
-              <a:t>(string </a:t>
-            </a:r>
-            <a:r>
-              <a:rPr lang="en-US" altLang="ko-KR" dirty="0" err="1"/>
-              <a:t>sessionID</a:t>
-            </a:r>
-            <a:r>
-              <a:rPr lang="en-US" altLang="ko-KR" dirty="0"/>
-              <a:t>, byte[] </a:t>
-            </a:r>
-            <a:r>
-              <a:rPr lang="en-US" altLang="ko-KR" dirty="0" err="1"/>
-              <a:t>sendData</a:t>
-            </a:r>
-            <a:r>
-              <a:rPr lang="en-US" altLang="ko-KR" dirty="0"/>
-              <a:t>, PACKETID </a:t>
-            </a:r>
-            <a:r>
-              <a:rPr lang="en-US" altLang="ko-KR" dirty="0" err="1"/>
-              <a:t>packetID</a:t>
-            </a:r>
-            <a:r>
-              <a:rPr lang="en-US" altLang="ko-KR" dirty="0"/>
-              <a:t> )</a:t>
-            </a:r>
-            <a:br>
-              <a:rPr lang="en-US" altLang="ko-KR" dirty="0"/>
-            </a:br>
-            <a:r>
-              <a:rPr lang="en-US" altLang="ko-KR" dirty="0"/>
-              <a:t>{</a:t>
-            </a:r>
-            <a:br>
-              <a:rPr lang="en-US" altLang="ko-KR" dirty="0"/>
-            </a:br>
-            <a:r>
-              <a:rPr lang="en-US" altLang="ko-KR" dirty="0"/>
-              <a:t>    </a:t>
-            </a:r>
-            <a:r>
-              <a:rPr lang="en-US" altLang="ko-KR" dirty="0" err="1"/>
-              <a:t>var</a:t>
-            </a:r>
-            <a:r>
-              <a:rPr lang="en-US" altLang="ko-KR" dirty="0"/>
-              <a:t> session = </a:t>
-            </a:r>
-            <a:r>
-              <a:rPr lang="en-US" altLang="ko-KR" dirty="0" err="1"/>
-              <a:t>GetSessionByID</a:t>
-            </a:r>
-            <a:r>
-              <a:rPr lang="en-US" altLang="ko-KR" dirty="0"/>
-              <a:t>(</a:t>
-            </a:r>
-            <a:r>
-              <a:rPr lang="en-US" altLang="ko-KR" dirty="0" err="1"/>
-              <a:t>sessionID</a:t>
-            </a:r>
-            <a:r>
-              <a:rPr lang="en-US" altLang="ko-KR" dirty="0"/>
-              <a:t>);</a:t>
-            </a:r>
-          </a:p>
-          <a:p>
-            <a:r>
-              <a:rPr lang="en-US" altLang="ko-KR" dirty="0"/>
-              <a:t>    if (session == null || </a:t>
-            </a:r>
-            <a:r>
-              <a:rPr lang="en-US" altLang="ko-KR" dirty="0" err="1"/>
-              <a:t>session.EnableSend</a:t>
-            </a:r>
-            <a:r>
-              <a:rPr lang="en-US" altLang="ko-KR" dirty="0"/>
-              <a:t>() == false)</a:t>
-            </a:r>
-            <a:br>
-              <a:rPr lang="en-US" altLang="ko-KR" dirty="0"/>
-            </a:br>
-            <a:r>
-              <a:rPr lang="en-US" altLang="ko-KR" dirty="0"/>
-              <a:t>    {</a:t>
-            </a:r>
-            <a:br>
-              <a:rPr lang="en-US" altLang="ko-KR" dirty="0"/>
-            </a:br>
-            <a:r>
-              <a:rPr lang="en-US" altLang="ko-KR" dirty="0"/>
-              <a:t>        return false;</a:t>
-            </a:r>
-            <a:br>
-              <a:rPr lang="en-US" altLang="ko-KR" dirty="0"/>
-            </a:br>
-            <a:r>
-              <a:rPr lang="en-US" altLang="ko-KR" dirty="0"/>
-              <a:t>    }</a:t>
-            </a:r>
-          </a:p>
-          <a:p>
-            <a:r>
-              <a:rPr lang="en-US" altLang="ko-KR" dirty="0"/>
-              <a:t>    </a:t>
-            </a:r>
-          </a:p>
-          <a:p>
-            <a:r>
-              <a:rPr lang="en-US" altLang="ko-KR" dirty="0"/>
-              <a:t>    try</a:t>
-            </a:r>
-            <a:br>
-              <a:rPr lang="en-US" altLang="ko-KR" dirty="0"/>
-            </a:br>
-            <a:r>
-              <a:rPr lang="en-US" altLang="ko-KR" dirty="0"/>
-              <a:t>    {</a:t>
-            </a:r>
-            <a:br>
-              <a:rPr lang="en-US" altLang="ko-KR" dirty="0"/>
-            </a:br>
-            <a:r>
-              <a:rPr lang="en-US" altLang="ko-KR" dirty="0"/>
-              <a:t>        </a:t>
-            </a:r>
-            <a:r>
-              <a:rPr lang="en-US" altLang="ko-KR" dirty="0" err="1"/>
-              <a:t>session.Send</a:t>
-            </a:r>
-            <a:r>
-              <a:rPr lang="en-US" altLang="ko-KR" dirty="0"/>
-              <a:t>(</a:t>
-            </a:r>
-            <a:r>
-              <a:rPr lang="en-US" altLang="ko-KR" dirty="0" err="1"/>
-              <a:t>sendData</a:t>
-            </a:r>
-            <a:r>
-              <a:rPr lang="en-US" altLang="ko-KR" dirty="0"/>
-              <a:t>, 0, </a:t>
-            </a:r>
-            <a:r>
-              <a:rPr lang="en-US" altLang="ko-KR" dirty="0" err="1"/>
-              <a:t>sendData.Length</a:t>
-            </a:r>
-            <a:r>
-              <a:rPr lang="en-US" altLang="ko-KR" dirty="0"/>
-              <a:t>);</a:t>
-            </a:r>
-            <a:br>
-              <a:rPr lang="en-US" altLang="ko-KR" dirty="0"/>
-            </a:br>
-            <a:r>
-              <a:rPr lang="en-US" altLang="ko-KR" dirty="0"/>
-              <a:t>    }</a:t>
-            </a:r>
-            <a:br>
-              <a:rPr lang="en-US" altLang="ko-KR" dirty="0"/>
-            </a:br>
-            <a:r>
-              <a:rPr lang="en-US" altLang="ko-KR" dirty="0"/>
-              <a:t>    catch (Exception ex)</a:t>
-            </a:r>
-            <a:br>
-              <a:rPr lang="en-US" altLang="ko-KR" dirty="0"/>
-            </a:br>
-            <a:r>
-              <a:rPr lang="en-US" altLang="ko-KR" dirty="0"/>
-              <a:t>    {</a:t>
-            </a:r>
-            <a:br>
-              <a:rPr lang="en-US" altLang="ko-KR" dirty="0"/>
-            </a:br>
-            <a:r>
-              <a:rPr lang="en-US" altLang="ko-KR" dirty="0"/>
-              <a:t>        </a:t>
-            </a:r>
-            <a:r>
-              <a:rPr lang="en-US" altLang="ko-KR" dirty="0" err="1"/>
-              <a:t>session.SendFail</a:t>
-            </a:r>
-            <a:r>
-              <a:rPr lang="en-US" altLang="ko-KR" dirty="0"/>
-              <a:t>();</a:t>
-            </a:r>
-            <a:br>
-              <a:rPr lang="en-US" altLang="ko-KR" dirty="0"/>
-            </a:br>
-            <a:r>
-              <a:rPr lang="en-US" altLang="ko-KR" dirty="0"/>
-              <a:t>        return false;</a:t>
-            </a:r>
-            <a:br>
-              <a:rPr lang="en-US" altLang="ko-KR" dirty="0"/>
-            </a:br>
-            <a:r>
-              <a:rPr lang="en-US" altLang="ko-KR" dirty="0"/>
-              <a:t>    }</a:t>
-            </a:r>
-          </a:p>
-          <a:p>
-            <a:r>
-              <a:rPr lang="en-US" altLang="ko-KR" dirty="0"/>
-              <a:t>    </a:t>
-            </a:r>
-          </a:p>
-          <a:p>
-            <a:r>
-              <a:rPr lang="en-US" altLang="ko-KR" dirty="0"/>
-              <a:t>    return true;</a:t>
-            </a:r>
-            <a:br>
-              <a:rPr lang="en-US" altLang="ko-KR" dirty="0"/>
-            </a:br>
-            <a:r>
-              <a:rPr lang="en-US" altLang="ko-KR" dirty="0"/>
-              <a:t>}</a:t>
-            </a:r>
-          </a:p>
-          <a:p>
-            <a:br>
-              <a:rPr lang="en-US" altLang="ko-KR" dirty="0"/>
-            </a:br>
-            <a:endParaRPr lang="en-US" altLang="ko-KR" dirty="0"/>
-          </a:p>
-        </p:txBody>
-      </p:sp>
-    </p:spTree>
-    <p:extLst>
-      <p:ext uri="{BB962C8B-B14F-4D97-AF65-F5344CB8AC3E}">
-        <p14:creationId xmlns:p14="http://schemas.microsoft.com/office/powerpoint/2010/main" val="468108959"/>
-      </p:ext>
-    </p:extLst>
-  </p:cSld>
-  <p:clrMapOvr>
-    <a:masterClrMapping/>
-  </p:clrMapOvr>
-  <p:transition spd="slow">
-    <p:cut/>
-  </p:transition>
-</p:sld>
-</file>
-
-<file path=ppt/slides/slide59.xml><?xml version="1.0" encoding="utf-8"?>
-<p:sld xmlns:a="http://schemas.openxmlformats.org/drawingml/2006/main" xmlns:r="http://schemas.openxmlformats.org/officeDocument/2006/relationships" xmlns:p="http://schemas.openxmlformats.org/presentationml/2006/main">
-  <p:cSld>
-    <p:spTree>
-      <p:nvGrpSpPr>
-        <p:cNvPr id="1" name="Shape 421"/>
-        <p:cNvGrpSpPr/>
-        <p:nvPr/>
-      </p:nvGrpSpPr>
-      <p:grpSpPr>
-        <a:xfrm>
-          <a:off x="0" y="0"/>
-          <a:ext cx="0" cy="0"/>
-          <a:chOff x="0" y="0"/>
-          <a:chExt cx="0" cy="0"/>
-        </a:xfrm>
-      </p:grpSpPr>
-      <p:sp>
-        <p:nvSpPr>
-          <p:cNvPr id="2" name="직사각형 1"/>
-          <p:cNvSpPr/>
-          <p:nvPr/>
-        </p:nvSpPr>
-        <p:spPr>
-          <a:xfrm>
-            <a:off x="323528" y="548680"/>
-            <a:ext cx="8280920" cy="5262979"/>
-          </a:xfrm>
-          <a:prstGeom prst="rect">
-            <a:avLst/>
-          </a:prstGeom>
-        </p:spPr>
-        <p:txBody>
-          <a:bodyPr wrap="square">
-            <a:spAutoFit/>
-          </a:bodyPr>
-          <a:lstStyle/>
-          <a:p>
-            <a:br>
-              <a:rPr lang="en-US" altLang="ko-KR" dirty="0"/>
-            </a:br>
-            <a:r>
-              <a:rPr lang="en-US" altLang="ko-KR" dirty="0"/>
-              <a:t>public void </a:t>
-            </a:r>
-            <a:r>
-              <a:rPr lang="en-US" altLang="ko-KR" dirty="0" err="1"/>
-              <a:t>DisConnect</a:t>
-            </a:r>
-            <a:r>
-              <a:rPr lang="en-US" altLang="ko-KR" dirty="0"/>
-              <a:t>(string </a:t>
-            </a:r>
-            <a:r>
-              <a:rPr lang="en-US" altLang="ko-KR" dirty="0" err="1"/>
-              <a:t>sessionID</a:t>
-            </a:r>
-            <a:r>
-              <a:rPr lang="en-US" altLang="ko-KR" dirty="0"/>
-              <a:t>, [</a:t>
-            </a:r>
-            <a:r>
-              <a:rPr lang="en-US" altLang="ko-KR" dirty="0" err="1"/>
-              <a:t>CallerMemberName</a:t>
-            </a:r>
-            <a:r>
-              <a:rPr lang="en-US" altLang="ko-KR" dirty="0"/>
-              <a:t>] string </a:t>
-            </a:r>
-            <a:r>
-              <a:rPr lang="en-US" altLang="ko-KR" dirty="0" err="1"/>
-              <a:t>methodName</a:t>
-            </a:r>
-            <a:r>
-              <a:rPr lang="en-US" altLang="ko-KR" dirty="0"/>
-              <a:t> = "")</a:t>
-            </a:r>
-            <a:br>
-              <a:rPr lang="en-US" altLang="ko-KR" dirty="0"/>
-            </a:br>
-            <a:r>
-              <a:rPr lang="en-US" altLang="ko-KR" dirty="0"/>
-              <a:t>{</a:t>
-            </a:r>
-            <a:br>
-              <a:rPr lang="en-US" altLang="ko-KR" dirty="0"/>
-            </a:br>
-            <a:r>
-              <a:rPr lang="en-US" altLang="ko-KR" dirty="0"/>
-              <a:t>    </a:t>
-            </a:r>
-            <a:r>
-              <a:rPr lang="en-US" altLang="ko-KR" dirty="0" err="1"/>
-              <a:t>ClientSession</a:t>
-            </a:r>
-            <a:r>
-              <a:rPr lang="en-US" altLang="ko-KR" dirty="0"/>
-              <a:t> session = null;</a:t>
-            </a:r>
-          </a:p>
-          <a:p>
-            <a:r>
-              <a:rPr lang="en-US" altLang="ko-KR" dirty="0"/>
-              <a:t>    if (</a:t>
-            </a:r>
-            <a:r>
-              <a:rPr lang="en-US" altLang="ko-KR" dirty="0" err="1"/>
-              <a:t>ActiveServerBootstrap</a:t>
-            </a:r>
-            <a:r>
-              <a:rPr lang="en-US" altLang="ko-KR" dirty="0"/>
-              <a:t> == null) // </a:t>
-            </a:r>
-            <a:r>
-              <a:rPr lang="en-US" altLang="ko-KR" dirty="0" err="1"/>
-              <a:t>SuperSocket</a:t>
-            </a:r>
-            <a:r>
-              <a:rPr lang="en-US" altLang="ko-KR" dirty="0"/>
-              <a:t> </a:t>
-            </a:r>
-            <a:r>
-              <a:rPr lang="ko-KR" altLang="en-US" dirty="0"/>
-              <a:t>라이브러리에서 호출</a:t>
-            </a:r>
-            <a:br>
-              <a:rPr lang="ko-KR" altLang="en-US" dirty="0"/>
-            </a:br>
-            <a:r>
-              <a:rPr lang="ko-KR" altLang="en-US" dirty="0"/>
-              <a:t>    </a:t>
-            </a:r>
-            <a:r>
-              <a:rPr lang="en-US" altLang="ko-KR" dirty="0"/>
-              <a:t>{</a:t>
-            </a:r>
-            <a:br>
-              <a:rPr lang="en-US" altLang="ko-KR" dirty="0"/>
-            </a:br>
-            <a:r>
-              <a:rPr lang="en-US" altLang="ko-KR" dirty="0"/>
-              <a:t>        session = </a:t>
-            </a:r>
-            <a:r>
-              <a:rPr lang="en-US" altLang="ko-KR" dirty="0" err="1"/>
-              <a:t>GetSessionByID</a:t>
-            </a:r>
-            <a:r>
-              <a:rPr lang="en-US" altLang="ko-KR" dirty="0"/>
-              <a:t>(</a:t>
-            </a:r>
-            <a:r>
-              <a:rPr lang="en-US" altLang="ko-KR" dirty="0" err="1"/>
-              <a:t>sessionID</a:t>
-            </a:r>
-            <a:r>
-              <a:rPr lang="en-US" altLang="ko-KR" dirty="0"/>
-              <a:t>);</a:t>
-            </a:r>
-            <a:br>
-              <a:rPr lang="en-US" altLang="ko-KR" dirty="0"/>
-            </a:br>
-            <a:r>
-              <a:rPr lang="en-US" altLang="ko-KR" dirty="0"/>
-              <a:t>    }</a:t>
-            </a:r>
-            <a:br>
-              <a:rPr lang="en-US" altLang="ko-KR" dirty="0"/>
-            </a:br>
-            <a:r>
-              <a:rPr lang="en-US" altLang="ko-KR" dirty="0"/>
-              <a:t>    else   // </a:t>
-            </a:r>
-            <a:r>
-              <a:rPr lang="ko-KR" altLang="en-US" dirty="0"/>
-              <a:t>애플리케이션 측에서 호출</a:t>
-            </a:r>
-            <a:br>
-              <a:rPr lang="ko-KR" altLang="en-US" dirty="0"/>
-            </a:br>
-            <a:r>
-              <a:rPr lang="ko-KR" altLang="en-US" dirty="0"/>
-              <a:t>    </a:t>
-            </a:r>
-            <a:r>
-              <a:rPr lang="en-US" altLang="ko-KR" dirty="0"/>
-              <a:t>{                </a:t>
-            </a:r>
-            <a:br>
-              <a:rPr lang="en-US" altLang="ko-KR" dirty="0"/>
-            </a:br>
-            <a:r>
-              <a:rPr lang="en-US" altLang="ko-KR" dirty="0"/>
-              <a:t>        </a:t>
-            </a:r>
-            <a:r>
-              <a:rPr lang="en-US" altLang="ko-KR" dirty="0" err="1"/>
-              <a:t>var</a:t>
-            </a:r>
-            <a:r>
-              <a:rPr lang="en-US" altLang="ko-KR" dirty="0"/>
-              <a:t> </a:t>
-            </a:r>
-            <a:r>
-              <a:rPr lang="en-US" altLang="ko-KR" dirty="0" err="1"/>
-              <a:t>appServer</a:t>
-            </a:r>
-            <a:r>
-              <a:rPr lang="en-US" altLang="ko-KR" dirty="0"/>
-              <a:t> = </a:t>
-            </a:r>
-            <a:r>
-              <a:rPr lang="en-US" altLang="ko-KR" dirty="0" err="1"/>
-              <a:t>ActiveServerBootstrap.AppServers.FirstOrDefault</a:t>
-            </a:r>
-            <a:r>
-              <a:rPr lang="en-US" altLang="ko-KR" dirty="0"/>
-              <a:t>() as </a:t>
-            </a:r>
-            <a:r>
-              <a:rPr lang="en-US" altLang="ko-KR" dirty="0" err="1"/>
-              <a:t>ServerNetwork</a:t>
-            </a:r>
-            <a:r>
-              <a:rPr lang="en-US" altLang="ko-KR" dirty="0"/>
-              <a:t>;</a:t>
-            </a:r>
-            <a:br>
-              <a:rPr lang="en-US" altLang="ko-KR" dirty="0"/>
-            </a:br>
-            <a:r>
-              <a:rPr lang="en-US" altLang="ko-KR" dirty="0"/>
-              <a:t>        session = </a:t>
-            </a:r>
-            <a:r>
-              <a:rPr lang="en-US" altLang="ko-KR" dirty="0" err="1"/>
-              <a:t>appServer.GetSessionByID</a:t>
-            </a:r>
-            <a:r>
-              <a:rPr lang="en-US" altLang="ko-KR" dirty="0"/>
-              <a:t>(</a:t>
-            </a:r>
-            <a:r>
-              <a:rPr lang="en-US" altLang="ko-KR" dirty="0" err="1"/>
-              <a:t>sessionID</a:t>
-            </a:r>
-            <a:r>
-              <a:rPr lang="en-US" altLang="ko-KR" dirty="0"/>
-              <a:t>);</a:t>
-            </a:r>
-            <a:br>
-              <a:rPr lang="en-US" altLang="ko-KR" dirty="0"/>
-            </a:br>
-            <a:r>
-              <a:rPr lang="en-US" altLang="ko-KR" dirty="0"/>
-              <a:t>    }</a:t>
-            </a:r>
-            <a:br>
-              <a:rPr lang="en-US" altLang="ko-KR" dirty="0"/>
-            </a:br>
-            <a:r>
-              <a:rPr lang="en-US" altLang="ko-KR" dirty="0"/>
-              <a:t> </a:t>
-            </a:r>
-            <a:br>
-              <a:rPr lang="en-US" altLang="ko-KR" dirty="0"/>
-            </a:br>
-            <a:r>
-              <a:rPr lang="en-US" altLang="ko-KR" dirty="0"/>
-              <a:t>    if (session != null)</a:t>
-            </a:r>
-            <a:br>
-              <a:rPr lang="en-US" altLang="ko-KR" dirty="0"/>
-            </a:br>
-            <a:r>
-              <a:rPr lang="en-US" altLang="ko-KR" dirty="0"/>
-              <a:t>    {</a:t>
-            </a:r>
-            <a:br>
-              <a:rPr lang="en-US" altLang="ko-KR" dirty="0"/>
-            </a:br>
-            <a:r>
-              <a:rPr lang="en-US" altLang="ko-KR" dirty="0"/>
-              <a:t>        if (</a:t>
-            </a:r>
-            <a:r>
-              <a:rPr lang="en-US" altLang="ko-KR" dirty="0" err="1"/>
-              <a:t>session.EnableSend</a:t>
-            </a:r>
-            <a:r>
-              <a:rPr lang="en-US" altLang="ko-KR" dirty="0"/>
-              <a:t>() == false)</a:t>
-            </a:r>
-            <a:br>
-              <a:rPr lang="en-US" altLang="ko-KR" dirty="0"/>
-            </a:br>
-            <a:r>
-              <a:rPr lang="en-US" altLang="ko-KR" dirty="0"/>
-              <a:t>        {</a:t>
-            </a:r>
-            <a:br>
-              <a:rPr lang="en-US" altLang="ko-KR" dirty="0"/>
-            </a:br>
-            <a:r>
-              <a:rPr lang="en-US" altLang="ko-KR" dirty="0"/>
-              <a:t>            </a:t>
-            </a:r>
-            <a:r>
-              <a:rPr lang="en-US" altLang="ko-KR" dirty="0" err="1"/>
-              <a:t>session.SocketSession.SendEndWhenSendingTimeOut</a:t>
-            </a:r>
-            <a:r>
-              <a:rPr lang="en-US" altLang="ko-KR" dirty="0"/>
-              <a:t>();</a:t>
-            </a:r>
-            <a:br>
-              <a:rPr lang="en-US" altLang="ko-KR" dirty="0"/>
-            </a:br>
-            <a:r>
-              <a:rPr lang="en-US" altLang="ko-KR" dirty="0"/>
-              <a:t>        }</a:t>
-            </a:r>
-          </a:p>
-          <a:p>
-            <a:r>
-              <a:rPr lang="en-US" altLang="ko-KR" dirty="0"/>
-              <a:t>     </a:t>
-            </a:r>
-          </a:p>
-          <a:p>
-            <a:r>
-              <a:rPr lang="en-US" altLang="ko-KR" dirty="0"/>
-              <a:t>        </a:t>
-            </a:r>
-            <a:r>
-              <a:rPr lang="en-US" altLang="ko-KR" dirty="0" err="1"/>
-              <a:t>session.Close</a:t>
-            </a:r>
-            <a:r>
-              <a:rPr lang="en-US" altLang="ko-KR" dirty="0"/>
-              <a:t>();</a:t>
-            </a:r>
-            <a:br>
-              <a:rPr lang="en-US" altLang="ko-KR" dirty="0"/>
-            </a:br>
-            <a:r>
-              <a:rPr lang="en-US" altLang="ko-KR"/>
-              <a:t>    }</a:t>
-            </a:r>
-            <a:br>
-              <a:rPr lang="en-US" altLang="ko-KR" dirty="0"/>
-            </a:br>
-            <a:r>
-              <a:rPr lang="en-US" altLang="ko-KR" dirty="0"/>
-              <a:t>}</a:t>
-            </a:r>
-          </a:p>
-        </p:txBody>
-      </p:sp>
-    </p:spTree>
-    <p:extLst>
-      <p:ext uri="{BB962C8B-B14F-4D97-AF65-F5344CB8AC3E}">
-        <p14:creationId xmlns:p14="http://schemas.microsoft.com/office/powerpoint/2010/main" val="1405141472"/>
+        <p14:creationId xmlns:p14="http://schemas.microsoft.com/office/powerpoint/2010/main" val="2308457045"/>
       </p:ext>
     </p:extLst>
   </p:cSld>
@@ -25997,6 +24752,10 @@
               <a:rPr lang="ko" sz="2400" dirty="0"/>
               <a:t>3.5 ~ 4.5까지 지원.</a:t>
             </a:r>
+            <a:r>
+              <a:rPr lang="en-US" altLang="ko" sz="2400" dirty="0"/>
+              <a:t/>
+            </a:r>
             <a:br>
               <a:rPr lang="en-US" altLang="ko" sz="2400" dirty="0"/>
             </a:br>
@@ -26019,6 +24778,10 @@
               <a:rPr lang="ko" sz="2400" dirty="0"/>
               <a:t>Mono, Azure를 지원한다.</a:t>
             </a:r>
+            <a:r>
+              <a:rPr lang="en-US" altLang="ko" sz="2400" dirty="0"/>
+              <a:t/>
+            </a:r>
             <a:br>
               <a:rPr lang="en-US" altLang="ko" sz="2400" dirty="0"/>
             </a:br>
@@ -26041,6 +24804,10 @@
               </a:rPr>
               <a:t>비동기 I/O를 지원. TCP, UDP</a:t>
             </a:r>
+            <a:r>
+              <a:rPr lang="en-US" altLang="ko" sz="2400" dirty="0"/>
+              <a:t/>
+            </a:r>
             <a:br>
               <a:rPr lang="en-US" altLang="ko" sz="2400" dirty="0"/>
             </a:br>
@@ -26079,6 +24846,10 @@
               <a:rPr lang="ko-KR" altLang="en-US" sz="2400" dirty="0"/>
               <a:t>확장 기능 등 다양한 기능 지원</a:t>
             </a:r>
+            <a:r>
+              <a:rPr lang="en-US" altLang="ko-KR" sz="2400" dirty="0"/>
+              <a:t/>
+            </a:r>
             <a:br>
               <a:rPr lang="en-US" altLang="ko-KR" sz="2400" dirty="0"/>
             </a:br>
@@ -26181,6 +24952,14 @@
               </a:rPr>
               <a:t> </a:t>
             </a:r>
+            <a:r>
+              <a:rPr lang="en-US" altLang="ko" sz="2400" dirty="0">
+                <a:solidFill>
+                  <a:schemeClr val="dk1"/>
+                </a:solidFill>
+              </a:rPr>
+              <a:t/>
+            </a:r>
             <a:br>
               <a:rPr lang="en-US" altLang="ko" sz="2400" dirty="0">
                 <a:solidFill>
@@ -26197,214 +24976,6 @@
         </p:txBody>
       </p:sp>
     </p:spTree>
-  </p:cSld>
-  <p:clrMapOvr>
-    <a:masterClrMapping/>
-  </p:clrMapOvr>
-  <p:transition spd="slow">
-    <p:cut/>
-  </p:transition>
-</p:sld>
-</file>
-
-<file path=ppt/slides/slide60.xml><?xml version="1.0" encoding="utf-8"?>
-<p:sld xmlns:a="http://schemas.openxmlformats.org/drawingml/2006/main" xmlns:r="http://schemas.openxmlformats.org/officeDocument/2006/relationships" xmlns:p="http://schemas.openxmlformats.org/presentationml/2006/main">
-  <p:cSld>
-    <p:spTree>
-      <p:nvGrpSpPr>
-        <p:cNvPr id="1" name="Shape 421"/>
-        <p:cNvGrpSpPr/>
-        <p:nvPr/>
-      </p:nvGrpSpPr>
-      <p:grpSpPr>
-        <a:xfrm>
-          <a:off x="0" y="0"/>
-          <a:ext cx="0" cy="0"/>
-          <a:chOff x="0" y="0"/>
-          <a:chExt cx="0" cy="0"/>
-        </a:xfrm>
-      </p:grpSpPr>
-      <p:sp>
-        <p:nvSpPr>
-          <p:cNvPr id="3" name="Shape 379"/>
-          <p:cNvSpPr txBox="1"/>
-          <p:nvPr/>
-        </p:nvSpPr>
-        <p:spPr>
-          <a:xfrm>
-            <a:off x="277875" y="188950"/>
-            <a:ext cx="7174445" cy="1079810"/>
-          </a:xfrm>
-          <a:prstGeom prst="rect">
-            <a:avLst/>
-          </a:prstGeom>
-          <a:noFill/>
-        </p:spPr>
-        <p:txBody>
-          <a:bodyPr lIns="91425" tIns="91425" rIns="91425" bIns="91425" anchor="t" anchorCtr="0">
-            <a:noAutofit/>
-          </a:bodyPr>
-          <a:lstStyle/>
-          <a:p>
-            <a:pPr lvl="0" rtl="0">
-              <a:buNone/>
-            </a:pPr>
-            <a:r>
-              <a:rPr lang="en-US" altLang="ko" sz="3000" b="1">
-                <a:latin typeface="맑은 고딕" panose="020B0503020000020004" pitchFamily="50" charset="-127"/>
-                <a:ea typeface="맑은 고딕" panose="020B0503020000020004" pitchFamily="50" charset="-127"/>
-              </a:rPr>
-              <a:t>SuperSocket</a:t>
-            </a:r>
-            <a:r>
-              <a:rPr lang="ko-KR" altLang="en-US" sz="3000" b="1">
-                <a:latin typeface="맑은 고딕" panose="020B0503020000020004" pitchFamily="50" charset="-127"/>
-                <a:ea typeface="맑은 고딕" panose="020B0503020000020004" pitchFamily="50" charset="-127"/>
-              </a:rPr>
-              <a:t>을 더 잘 이해하려면</a:t>
-            </a:r>
-            <a:endParaRPr lang="en-US" altLang="ko-KR" sz="3000" b="1">
-              <a:latin typeface="맑은 고딕" panose="020B0503020000020004" pitchFamily="50" charset="-127"/>
-              <a:ea typeface="맑은 고딕" panose="020B0503020000020004" pitchFamily="50" charset="-127"/>
-            </a:endParaRPr>
-          </a:p>
-          <a:p>
-            <a:pPr lvl="0" rtl="0">
-              <a:buNone/>
-            </a:pPr>
-            <a:r>
-              <a:rPr lang="ko-KR" altLang="en-US" sz="1800" b="1">
-                <a:latin typeface="맑은 고딕" panose="020B0503020000020004" pitchFamily="50" charset="-127"/>
-                <a:ea typeface="맑은 고딕" panose="020B0503020000020004" pitchFamily="50" charset="-127"/>
-              </a:rPr>
-              <a:t>혹은 </a:t>
-            </a:r>
-            <a:r>
-              <a:rPr lang="en-US" altLang="ko-KR" sz="1800" b="1">
-                <a:latin typeface="맑은 고딕" panose="020B0503020000020004" pitchFamily="50" charset="-127"/>
-                <a:ea typeface="맑은 고딕" panose="020B0503020000020004" pitchFamily="50" charset="-127"/>
-              </a:rPr>
-              <a:t>C# </a:t>
-            </a:r>
-            <a:r>
-              <a:rPr lang="ko-KR" altLang="en-US" sz="1800" b="1">
-                <a:latin typeface="맑은 고딕" panose="020B0503020000020004" pitchFamily="50" charset="-127"/>
-                <a:ea typeface="맑은 고딕" panose="020B0503020000020004" pitchFamily="50" charset="-127"/>
-              </a:rPr>
-              <a:t>고성능 네트워크 프로그래밍을 하려면</a:t>
-            </a:r>
-            <a:endParaRPr lang="ko" sz="3000" b="1" dirty="0">
-              <a:latin typeface="맑은 고딕" panose="020B0503020000020004" pitchFamily="50" charset="-127"/>
-              <a:ea typeface="맑은 고딕" panose="020B0503020000020004" pitchFamily="50" charset="-127"/>
-            </a:endParaRPr>
-          </a:p>
-        </p:txBody>
-      </p:sp>
-      <p:sp>
-        <p:nvSpPr>
-          <p:cNvPr id="4" name="직사각형 3"/>
-          <p:cNvSpPr/>
-          <p:nvPr/>
-        </p:nvSpPr>
-        <p:spPr>
-          <a:xfrm>
-            <a:off x="323528" y="1556792"/>
-            <a:ext cx="8424936" cy="1169551"/>
-          </a:xfrm>
-          <a:prstGeom prst="rect">
-            <a:avLst/>
-          </a:prstGeom>
-        </p:spPr>
-        <p:txBody>
-          <a:bodyPr wrap="square">
-            <a:spAutoFit/>
-          </a:bodyPr>
-          <a:lstStyle/>
-          <a:p>
-            <a:pPr marL="285750" indent="-285750">
-              <a:buFont typeface="Arial" panose="020B0604020202020204" pitchFamily="34" charset="0"/>
-              <a:buChar char="•"/>
-            </a:pPr>
-            <a:r>
-              <a:rPr lang="en-US" altLang="ko-KR">
-                <a:latin typeface="Arial" panose="020B0604020202020204" pitchFamily="34" charset="0"/>
-              </a:rPr>
-              <a:t>C# SocketAsyncEventArgs High Performance Socket Code</a:t>
-            </a:r>
-            <a:br>
-              <a:rPr lang="en-US" altLang="ko-KR">
-                <a:latin typeface="Arial" panose="020B0604020202020204" pitchFamily="34" charset="0"/>
-              </a:rPr>
-            </a:br>
-            <a:r>
-              <a:rPr lang="en-US" altLang="ko-KR" u="sng">
-                <a:solidFill>
-                  <a:srgbClr val="1155CC"/>
-                </a:solidFill>
-                <a:latin typeface="Arial" panose="020B0604020202020204" pitchFamily="34" charset="0"/>
-                <a:hlinkClick r:id="rId3"/>
-              </a:rPr>
-              <a:t>http://www.codeproject.com/Articles/83102/C-SocketAsyncEventArgs-High-Performance-Socket-Cod</a:t>
-            </a:r>
-            <a:br>
-              <a:rPr lang="en-US" altLang="ko-KR" u="sng">
-                <a:solidFill>
-                  <a:srgbClr val="1155CC"/>
-                </a:solidFill>
-                <a:latin typeface="Arial" panose="020B0604020202020204" pitchFamily="34" charset="0"/>
-              </a:rPr>
-            </a:br>
-            <a:endParaRPr lang="en-US" altLang="ko-KR" u="sng">
-              <a:solidFill>
-                <a:srgbClr val="1155CC"/>
-              </a:solidFill>
-              <a:latin typeface="Arial" panose="020B0604020202020204" pitchFamily="34" charset="0"/>
-            </a:endParaRPr>
-          </a:p>
-          <a:p>
-            <a:pPr marL="285750" indent="-285750">
-              <a:buFont typeface="Arial" panose="020B0604020202020204" pitchFamily="34" charset="0"/>
-              <a:buChar char="•"/>
-            </a:pPr>
-            <a:r>
-              <a:rPr lang="en-US" altLang="ko-KR"/>
-              <a:t>(e-book)</a:t>
-            </a:r>
-            <a:r>
-              <a:rPr lang="ko-KR" altLang="en-US"/>
-              <a:t>유니티 개발자를 위한 </a:t>
-            </a:r>
-            <a:r>
-              <a:rPr lang="en-US" altLang="ko-KR"/>
-              <a:t>C#</a:t>
-            </a:r>
-            <a:r>
-              <a:rPr lang="ko-KR" altLang="en-US"/>
-              <a:t>으로 온라인 게임 서버 만들기</a:t>
-            </a:r>
-            <a:br>
-              <a:rPr lang="en-US" altLang="ko-KR"/>
-            </a:br>
-            <a:r>
-              <a:rPr lang="en-US" altLang="ko-KR">
-                <a:hlinkClick r:id="rId4"/>
-              </a:rPr>
-              <a:t>http://www.hanbit.co.kr/realtime/books/book_view.html?p_code=E6015792502</a:t>
-            </a:r>
-            <a:r>
-              <a:rPr lang="en-US" altLang="ko-KR"/>
-              <a:t> </a:t>
-            </a:r>
-            <a:endParaRPr lang="ko-KR" altLang="en-US"/>
-          </a:p>
-        </p:txBody>
-      </p:sp>
-    </p:spTree>
-    <p:extLst>
-      <p:ext uri="{BB962C8B-B14F-4D97-AF65-F5344CB8AC3E}">
-        <p14:creationId xmlns:p14="http://schemas.microsoft.com/office/powerpoint/2010/main" val="615536093"/>
-      </p:ext>
-    </p:extLst>
   </p:cSld>
   <p:clrMapOvr>
     <a:masterClrMapping/>
@@ -26525,6 +25096,14 @@
               </a:rPr>
               <a:t>기준</a:t>
             </a:r>
+            <a:r>
+              <a:rPr lang="en-US" altLang="ko-KR" sz="2400" dirty="0">
+                <a:solidFill>
+                  <a:schemeClr val="dk1"/>
+                </a:solidFill>
+              </a:rPr>
+              <a:t/>
+            </a:r>
             <a:br>
               <a:rPr lang="en-US" altLang="ko-KR" sz="2400" dirty="0">
                 <a:solidFill>
@@ -26719,19 +25298,27 @@
               </a:rPr>
               <a:t>버전을 준비 중</a:t>
             </a:r>
-            <a:br>
+            <a:r>
               <a:rPr lang="en-US" altLang="ko-KR" sz="2400" dirty="0">
                 <a:solidFill>
                   <a:schemeClr val="dk1"/>
                 </a:solidFill>
               </a:rPr>
-            </a:br>
-            <a:r>
+              <a:t/>
+            </a:r>
+            <a:br>
               <a:rPr lang="en-US" altLang="ko-KR" sz="2400" dirty="0">
                 <a:solidFill>
                   <a:schemeClr val="dk1"/>
                 </a:solidFill>
               </a:rPr>
+            </a:br>
+            <a:r>
+              <a:rPr lang="en-US" altLang="ko-KR" sz="2400" dirty="0">
+                <a:solidFill>
+                  <a:schemeClr val="dk1"/>
+                </a:solidFill>
+              </a:rPr>
               <a:t>Visual Studio Code </a:t>
             </a:r>
             <a:r>
@@ -26788,6 +25375,14 @@
                 </a:solidFill>
               </a:rPr>
               <a:t>?</a:t>
+            </a:r>
+            <a:r>
+              <a:rPr lang="en-US" altLang="ko" sz="2400" dirty="0">
+                <a:solidFill>
+                  <a:schemeClr val="dk1"/>
+                </a:solidFill>
+              </a:rPr>
+              <a:t/>
             </a:r>
             <a:br>
               <a:rPr lang="en-US" altLang="ko" sz="2400" dirty="0">

--- a/{KGC2016]오픈소스 네트워크 엔진 SuperSocket 사용하기.pptx
+++ b/{KGC2016]오픈소스 네트워크 엔진 SuperSocket 사용하기.pptx
@@ -9660,10 +9660,6 @@
               <a:rPr lang="ko" sz="1800" dirty="0"/>
               <a:t>      bool bResult = m_Server.Setup(new RootConfig(), </a:t>
             </a:r>
-            <a:r>
-              <a:rPr lang="en-US" altLang="ko" sz="1800" dirty="0"/>
-              <a:t/>
-            </a:r>
             <a:br>
               <a:rPr lang="en-US" altLang="ko" sz="1800" dirty="0"/>
             </a:br>
@@ -9679,10 +9675,6 @@
               <a:rPr lang="ko" sz="1800" dirty="0"/>
               <a:t>m_Config, </a:t>
             </a:r>
-            <a:r>
-              <a:rPr lang="en-US" altLang="ko" sz="1800" dirty="0"/>
-              <a:t/>
-            </a:r>
             <a:br>
               <a:rPr lang="en-US" altLang="ko" sz="1800" dirty="0"/>
             </a:br>
@@ -9693,10 +9685,6 @@
             <a:r>
               <a:rPr lang="ko" sz="1800" dirty="0"/>
               <a:t>logFactory: new Log4NetLogFactory()</a:t>
-            </a:r>
-            <a:r>
-              <a:rPr lang="en-US" altLang="ko" sz="1800" dirty="0"/>
-              <a:t/>
             </a:r>
             <a:br>
               <a:rPr lang="en-US" altLang="ko" sz="1800" dirty="0"/>
@@ -9764,7 +9752,7 @@
               <a:t>      </a:t>
             </a:r>
             <a:r>
-              <a:rPr lang="en-US" altLang="ko" sz="1800" smtClean="0"/>
+              <a:rPr lang="en-US" altLang="ko" sz="1800"/>
               <a:t>......</a:t>
             </a:r>
             <a:endParaRPr lang="ko" sz="1800" dirty="0"/>
@@ -10561,11 +10549,7 @@
             </a:r>
             <a:r>
               <a:rPr lang="en-US" altLang="ko-KR" sz="5400" b="1"/>
-              <a:t>&amp; </a:t>
-            </a:r>
-            <a:r>
-              <a:rPr lang="en-US" altLang="ko-KR" sz="5400" b="1" smtClean="0"/>
-              <a:t>IOCP</a:t>
+              <a:t>&amp; IOCP</a:t>
             </a:r>
           </a:p>
           <a:p>
@@ -10573,15 +10557,15 @@
           </a:p>
           <a:p>
             <a:r>
-              <a:rPr lang="en-US" altLang="ko-KR" sz="4400" b="1" smtClean="0"/>
+              <a:rPr lang="en-US" altLang="ko-KR" sz="4400" b="1"/>
               <a:t>... PC </a:t>
             </a:r>
             <a:r>
-              <a:rPr lang="ko-KR" altLang="en-US" sz="4400" b="1" smtClean="0"/>
+              <a:rPr lang="ko-KR" altLang="en-US" sz="4400" b="1"/>
               <a:t>온라인 게임 시대 때</a:t>
             </a:r>
             <a:r>
-              <a:rPr lang="en-US" altLang="ko-KR" sz="4400" b="1" smtClean="0"/>
+              <a:rPr lang="en-US" altLang="ko-KR" sz="4400" b="1"/>
               <a:t>...</a:t>
             </a:r>
             <a:endParaRPr lang="en-US" altLang="ko-KR" sz="4400" b="1" dirty="0"/>
@@ -10991,20 +10975,12 @@
               <a:rPr lang="ko" sz="1800" dirty="0"/>
               <a:t>. </a:t>
             </a:r>
-            <a:r>
-              <a:rPr lang="en-US" altLang="ko" sz="1800" dirty="0"/>
-              <a:t/>
-            </a:r>
             <a:br>
               <a:rPr lang="en-US" altLang="ko" sz="1800" dirty="0"/>
             </a:br>
             <a:r>
               <a:rPr lang="ko" sz="1800" dirty="0"/>
               <a:t>이 클래스를 통해 클라이언트의 연결,끊어짐, 데이터 주고 받기를 한다.</a:t>
-            </a:r>
-            <a:r>
-              <a:rPr lang="en-US" altLang="ko" sz="1800" dirty="0"/>
-              <a:t/>
             </a:r>
             <a:br>
               <a:rPr lang="en-US" altLang="ko" sz="1800" dirty="0"/>
@@ -11030,10 +11006,6 @@
             <a:r>
               <a:rPr lang="ko" sz="1800" dirty="0"/>
               <a:t>네트워크 서버 클래스. 모든 AppSession 객체를 관리한다. </a:t>
-            </a:r>
-            <a:r>
-              <a:rPr lang="en-US" altLang="ko" sz="1800" dirty="0"/>
-              <a:t/>
             </a:r>
             <a:br>
               <a:rPr lang="en-US" altLang="ko" sz="1800" dirty="0"/>
@@ -11206,42 +11178,101 @@
                 </a:solidFill>
               </a:rPr>
             </a:br>
-            <a:r>
+            <a:br>
               <a:rPr lang="ko">
                 <a:solidFill>
                   <a:srgbClr val="333333"/>
                 </a:solidFill>
               </a:rPr>
-              <a:t/>
-            </a:r>
-            <a:br>
+            </a:br>
+            <a:r>
               <a:rPr lang="ko">
                 <a:solidFill>
                   <a:srgbClr val="333333"/>
                 </a:solidFill>
               </a:rPr>
-            </a:br>
-            <a:r>
+              <a:t>    protected override void HandleUnknownRequest(StringRequestInfo requestInfo)</a:t>
+            </a:r>
+            <a:br>
               <a:rPr lang="ko">
                 <a:solidFill>
                   <a:srgbClr val="333333"/>
                 </a:solidFill>
               </a:rPr>
-              <a:t>    protected override void HandleUnknownRequest(StringRequestInfo requestInfo)</a:t>
-            </a:r>
-            <a:br>
+            </a:br>
+            <a:r>
               <a:rPr lang="ko">
                 <a:solidFill>
                   <a:srgbClr val="333333"/>
                 </a:solidFill>
               </a:rPr>
-            </a:br>
-            <a:r>
+              <a:t>    {</a:t>
+            </a:r>
+            <a:br>
               <a:rPr lang="ko">
                 <a:solidFill>
                   <a:srgbClr val="333333"/>
                 </a:solidFill>
               </a:rPr>
+            </a:br>
+            <a:r>
+              <a:rPr lang="ko">
+                <a:solidFill>
+                  <a:srgbClr val="333333"/>
+                </a:solidFill>
+              </a:rPr>
+              <a:t>        this.Send("Unknow request");</a:t>
+            </a:r>
+            <a:br>
+              <a:rPr lang="ko">
+                <a:solidFill>
+                  <a:srgbClr val="333333"/>
+                </a:solidFill>
+              </a:rPr>
+            </a:br>
+            <a:r>
+              <a:rPr lang="ko">
+                <a:solidFill>
+                  <a:srgbClr val="333333"/>
+                </a:solidFill>
+              </a:rPr>
+              <a:t>    }</a:t>
+            </a:r>
+            <a:br>
+              <a:rPr lang="ko">
+                <a:solidFill>
+                  <a:srgbClr val="333333"/>
+                </a:solidFill>
+              </a:rPr>
+            </a:br>
+            <a:br>
+              <a:rPr lang="ko">
+                <a:solidFill>
+                  <a:srgbClr val="333333"/>
+                </a:solidFill>
+              </a:rPr>
+            </a:br>
+            <a:r>
+              <a:rPr lang="ko">
+                <a:solidFill>
+                  <a:srgbClr val="333333"/>
+                </a:solidFill>
+              </a:rPr>
+              <a:t>    protected override void HandleException(Exception e)</a:t>
+            </a:r>
+            <a:br>
+              <a:rPr lang="ko">
+                <a:solidFill>
+                  <a:srgbClr val="333333"/>
+                </a:solidFill>
+              </a:rPr>
+            </a:br>
+            <a:r>
+              <a:rPr lang="ko">
+                <a:solidFill>
+                  <a:srgbClr val="333333"/>
+                </a:solidFill>
+              </a:rPr>
               <a:t>    {</a:t>
             </a:r>
             <a:br>
@@ -11257,7 +11288,7 @@
                   <a:srgbClr val="333333"/>
                 </a:solidFill>
               </a:rPr>
-              <a:t>        this.Send("Unknow request");</a:t>
+              <a:t>        this.Send("Application error: {0}", e.Message);</a:t>
             </a:r>
             <a:br>
               <a:rPr lang="ko">
@@ -11281,89 +11312,6 @@
                 </a:solidFill>
               </a:rPr>
             </a:br>
-            <a:r>
-              <a:rPr lang="ko">
-                <a:solidFill>
-                  <a:srgbClr val="333333"/>
-                </a:solidFill>
-              </a:rPr>
-              <a:t/>
-            </a:r>
-            <a:br>
-              <a:rPr lang="ko">
-                <a:solidFill>
-                  <a:srgbClr val="333333"/>
-                </a:solidFill>
-              </a:rPr>
-            </a:br>
-            <a:r>
-              <a:rPr lang="ko">
-                <a:solidFill>
-                  <a:srgbClr val="333333"/>
-                </a:solidFill>
-              </a:rPr>
-              <a:t>    protected override void HandleException(Exception e)</a:t>
-            </a:r>
-            <a:br>
-              <a:rPr lang="ko">
-                <a:solidFill>
-                  <a:srgbClr val="333333"/>
-                </a:solidFill>
-              </a:rPr>
-            </a:br>
-            <a:r>
-              <a:rPr lang="ko">
-                <a:solidFill>
-                  <a:srgbClr val="333333"/>
-                </a:solidFill>
-              </a:rPr>
-              <a:t>    {</a:t>
-            </a:r>
-            <a:br>
-              <a:rPr lang="ko">
-                <a:solidFill>
-                  <a:srgbClr val="333333"/>
-                </a:solidFill>
-              </a:rPr>
-            </a:br>
-            <a:r>
-              <a:rPr lang="ko">
-                <a:solidFill>
-                  <a:srgbClr val="333333"/>
-                </a:solidFill>
-              </a:rPr>
-              <a:t>        this.Send("Application error: {0}", e.Message);</a:t>
-            </a:r>
-            <a:br>
-              <a:rPr lang="ko">
-                <a:solidFill>
-                  <a:srgbClr val="333333"/>
-                </a:solidFill>
-              </a:rPr>
-            </a:br>
-            <a:r>
-              <a:rPr lang="ko">
-                <a:solidFill>
-                  <a:srgbClr val="333333"/>
-                </a:solidFill>
-              </a:rPr>
-              <a:t>    }</a:t>
-            </a:r>
-            <a:br>
-              <a:rPr lang="ko">
-                <a:solidFill>
-                  <a:srgbClr val="333333"/>
-                </a:solidFill>
-              </a:rPr>
-            </a:br>
-            <a:r>
-              <a:rPr lang="ko">
-                <a:solidFill>
-                  <a:srgbClr val="333333"/>
-                </a:solidFill>
-              </a:rPr>
-              <a:t/>
-            </a:r>
             <a:br>
               <a:rPr lang="ko">
                 <a:solidFill>
@@ -11619,89 +11567,73 @@
                 </a:solidFill>
               </a:rPr>
             </a:br>
-            <a:r>
+            <a:br>
               <a:rPr lang="ko" sz="1800" dirty="0">
                 <a:solidFill>
                   <a:srgbClr val="333333"/>
                 </a:solidFill>
               </a:rPr>
-              <a:t/>
-            </a:r>
-            <a:br>
+            </a:br>
+            <a:r>
               <a:rPr lang="ko" sz="1800" dirty="0">
                 <a:solidFill>
                   <a:srgbClr val="333333"/>
                 </a:solidFill>
               </a:rPr>
-            </a:br>
-            <a:r>
+              <a:t>    protected override void OnStartup()</a:t>
+            </a:r>
+            <a:br>
               <a:rPr lang="ko" sz="1800" dirty="0">
                 <a:solidFill>
                   <a:srgbClr val="333333"/>
                 </a:solidFill>
               </a:rPr>
-              <a:t>    protected override void OnStartup()</a:t>
-            </a:r>
-            <a:br>
+            </a:br>
+            <a:r>
               <a:rPr lang="ko" sz="1800" dirty="0">
                 <a:solidFill>
                   <a:srgbClr val="333333"/>
                 </a:solidFill>
               </a:rPr>
-            </a:br>
-            <a:r>
+              <a:t>    {</a:t>
+            </a:r>
+            <a:br>
               <a:rPr lang="ko" sz="1800" dirty="0">
                 <a:solidFill>
                   <a:srgbClr val="333333"/>
                 </a:solidFill>
               </a:rPr>
-              <a:t>    {</a:t>
-            </a:r>
-            <a:br>
+            </a:br>
+            <a:r>
               <a:rPr lang="ko" sz="1800" dirty="0">
                 <a:solidFill>
                   <a:srgbClr val="333333"/>
                 </a:solidFill>
               </a:rPr>
-            </a:br>
-            <a:r>
+              <a:t>        base.OnStartup();</a:t>
+            </a:r>
+            <a:br>
               <a:rPr lang="ko" sz="1800" dirty="0">
                 <a:solidFill>
                   <a:srgbClr val="333333"/>
                 </a:solidFill>
               </a:rPr>
-              <a:t>        base.OnStartup();</a:t>
-            </a:r>
-            <a:br>
+            </a:br>
+            <a:r>
               <a:rPr lang="ko" sz="1800" dirty="0">
                 <a:solidFill>
                   <a:srgbClr val="333333"/>
                 </a:solidFill>
               </a:rPr>
-            </a:br>
-            <a:r>
+              <a:t>    }</a:t>
+            </a:r>
+            <a:br>
               <a:rPr lang="ko" sz="1800" dirty="0">
                 <a:solidFill>
                   <a:srgbClr val="333333"/>
                 </a:solidFill>
               </a:rPr>
-              <a:t>    }</a:t>
-            </a:r>
-            <a:br>
-              <a:rPr lang="ko" sz="1800" dirty="0">
-                <a:solidFill>
-                  <a:srgbClr val="333333"/>
-                </a:solidFill>
-              </a:rPr>
-            </a:br>
-            <a:r>
-              <a:rPr lang="ko" sz="1800" dirty="0">
-                <a:solidFill>
-                  <a:srgbClr val="333333"/>
-                </a:solidFill>
-              </a:rPr>
-              <a:t/>
-            </a:r>
+            </a:br>
             <a:br>
               <a:rPr lang="ko" sz="1800" dirty="0">
                 <a:solidFill>
@@ -12066,16 +11998,6 @@
                 <a:ea typeface="맑은 고딕" panose="020B0503020000020004" pitchFamily="50" charset="-127"/>
               </a:rPr>
               <a:t>          serverType="SuperSocket.QuickStart.TelnetServer_StartByConfig.TelnetServer,</a:t>
-            </a:r>
-            <a:r>
-              <a:rPr lang="en-US" altLang="ko" dirty="0">
-                <a:solidFill>
-                  <a:srgbClr val="333333"/>
-                </a:solidFill>
-                <a:latin typeface="맑은 고딕" panose="020B0503020000020004" pitchFamily="50" charset="-127"/>
-                <a:ea typeface="맑은 고딕" panose="020B0503020000020004" pitchFamily="50" charset="-127"/>
-              </a:rPr>
-              <a:t/>
             </a:r>
             <a:br>
               <a:rPr lang="en-US" altLang="ko" dirty="0">
@@ -12297,89 +12219,73 @@
                 </a:solidFill>
               </a:rPr>
             </a:br>
-            <a:r>
+            <a:br>
               <a:rPr lang="ko" sz="1800">
                 <a:solidFill>
                   <a:srgbClr val="333333"/>
                 </a:solidFill>
               </a:rPr>
-              <a:t/>
-            </a:r>
-            <a:br>
+            </a:br>
+            <a:r>
               <a:rPr lang="ko" sz="1800">
                 <a:solidFill>
                   <a:srgbClr val="333333"/>
                 </a:solidFill>
               </a:rPr>
-            </a:br>
-            <a:r>
+              <a:t>    if (!bootstrap.Initialize())</a:t>
+            </a:r>
+            <a:br>
               <a:rPr lang="ko" sz="1800">
                 <a:solidFill>
                   <a:srgbClr val="333333"/>
                 </a:solidFill>
               </a:rPr>
-              <a:t>    if (!bootstrap.Initialize())</a:t>
-            </a:r>
-            <a:br>
+            </a:br>
+            <a:r>
               <a:rPr lang="ko" sz="1800">
                 <a:solidFill>
                   <a:srgbClr val="333333"/>
                 </a:solidFill>
               </a:rPr>
-            </a:br>
-            <a:r>
+              <a:t>    {</a:t>
+            </a:r>
+            <a:br>
               <a:rPr lang="ko" sz="1800">
                 <a:solidFill>
                   <a:srgbClr val="333333"/>
                 </a:solidFill>
               </a:rPr>
-              <a:t>    {</a:t>
-            </a:r>
-            <a:br>
+            </a:br>
+            <a:r>
               <a:rPr lang="ko" sz="1800">
                 <a:solidFill>
                   <a:srgbClr val="333333"/>
                 </a:solidFill>
               </a:rPr>
-            </a:br>
-            <a:r>
+              <a:t>        return;</a:t>
+            </a:r>
+            <a:br>
               <a:rPr lang="ko" sz="1800">
                 <a:solidFill>
                   <a:srgbClr val="333333"/>
                 </a:solidFill>
               </a:rPr>
-              <a:t>        return;</a:t>
-            </a:r>
-            <a:br>
+            </a:br>
+            <a:r>
               <a:rPr lang="ko" sz="1800">
                 <a:solidFill>
                   <a:srgbClr val="333333"/>
                 </a:solidFill>
               </a:rPr>
-            </a:br>
-            <a:r>
+              <a:t>    }</a:t>
+            </a:r>
+            <a:br>
               <a:rPr lang="ko" sz="1800">
                 <a:solidFill>
                   <a:srgbClr val="333333"/>
                 </a:solidFill>
               </a:rPr>
-              <a:t>    }</a:t>
-            </a:r>
-            <a:br>
-              <a:rPr lang="ko" sz="1800">
-                <a:solidFill>
-                  <a:srgbClr val="333333"/>
-                </a:solidFill>
-              </a:rPr>
-            </a:br>
-            <a:r>
-              <a:rPr lang="ko" sz="1800">
-                <a:solidFill>
-                  <a:srgbClr val="333333"/>
-                </a:solidFill>
-              </a:rPr>
-              <a:t/>
-            </a:r>
+            </a:br>
             <a:br>
               <a:rPr lang="ko" sz="1800">
                 <a:solidFill>
@@ -12497,14 +12403,6 @@
                 </a:solidFill>
               </a:rPr>
             </a:br>
-            <a:r>
-              <a:rPr lang="ko" sz="1800">
-                <a:solidFill>
-                  <a:srgbClr val="333333"/>
-                </a:solidFill>
-              </a:rPr>
-              <a:t/>
-            </a:r>
             <a:br>
               <a:rPr lang="ko" sz="1800">
                 <a:solidFill>
@@ -14884,29 +14782,28 @@
                 </a:solidFill>
               </a:rPr>
             </a:br>
-            <a:r>
+            <a:br>
               <a:rPr lang="ko">
                 <a:solidFill>
                   <a:srgbClr val="333333"/>
                 </a:solidFill>
               </a:rPr>
-              <a:t/>
-            </a:r>
-            <a:br>
+            </a:br>
+            <a:r>
               <a:rPr lang="ko">
                 <a:solidFill>
                   <a:srgbClr val="333333"/>
                 </a:solidFill>
               </a:rPr>
-            </a:br>
-            <a:r>
+              <a:t>    public string Body { get; }</a:t>
+            </a:r>
+            <a:br>
               <a:rPr lang="ko">
                 <a:solidFill>
                   <a:srgbClr val="333333"/>
                 </a:solidFill>
               </a:rPr>
-              <a:t>    public string Body { get; }</a:t>
-            </a:r>
+            </a:br>
             <a:br>
               <a:rPr lang="ko">
                 <a:solidFill>
@@ -14920,7 +14817,7 @@
                   <a:srgbClr val="333333"/>
                 </a:solidFill>
               </a:rPr>
-              <a:t/>
+              <a:t>    public string[] Parameters { get; }</a:t>
             </a:r>
             <a:br>
               <a:rPr lang="ko">
@@ -14929,29 +14826,6 @@
                 </a:solidFill>
               </a:rPr>
             </a:br>
-            <a:r>
-              <a:rPr lang="ko">
-                <a:solidFill>
-                  <a:srgbClr val="333333"/>
-                </a:solidFill>
-              </a:rPr>
-              <a:t>    public string[] Parameters { get; }</a:t>
-            </a:r>
-            <a:br>
-              <a:rPr lang="ko">
-                <a:solidFill>
-                  <a:srgbClr val="333333"/>
-                </a:solidFill>
-              </a:rPr>
-            </a:br>
-            <a:r>
-              <a:rPr lang="ko">
-                <a:solidFill>
-                  <a:srgbClr val="333333"/>
-                </a:solidFill>
-              </a:rPr>
-              <a:t/>
-            </a:r>
             <a:br>
               <a:rPr lang="ko">
                 <a:solidFill>
@@ -15482,27 +15356,19 @@
               </a:rPr>
               <a:t>        : base(new CommandLineReceiveFilterFactory(Encoding.Default, </a:t>
             </a:r>
-            <a:r>
+            <a:br>
               <a:rPr lang="en-US" altLang="ko">
                 <a:solidFill>
                   <a:srgbClr val="333333"/>
                 </a:solidFill>
               </a:rPr>
-              <a:t/>
-            </a:r>
-            <a:br>
+            </a:br>
+            <a:r>
               <a:rPr lang="en-US" altLang="ko">
                 <a:solidFill>
                   <a:srgbClr val="333333"/>
                 </a:solidFill>
               </a:rPr>
-            </a:br>
-            <a:r>
-              <a:rPr lang="en-US" altLang="ko">
-                <a:solidFill>
-                  <a:srgbClr val="333333"/>
-                </a:solidFill>
-              </a:rPr>
               <a:t>                                                                                    </a:t>
             </a:r>
             <a:r>
@@ -15551,14 +15417,6 @@
                 </a:solidFill>
               </a:rPr>
             </a:br>
-            <a:r>
-              <a:rPr lang="ko">
-                <a:solidFill>
-                  <a:srgbClr val="333333"/>
-                </a:solidFill>
-              </a:rPr>
-              <a:t/>
-            </a:r>
             <a:br>
               <a:rPr lang="ko">
                 <a:solidFill>
@@ -15698,14 +15556,6 @@
                 </a:solidFill>
               </a:rPr>
               <a:t>Encoding.Default, </a:t>
-            </a:r>
-            <a:r>
-              <a:rPr lang="en-US" altLang="ko" b="1">
-                <a:solidFill>
-                  <a:srgbClr val="333333"/>
-                </a:solidFill>
-              </a:rPr>
-              <a:t/>
             </a:r>
             <a:br>
               <a:rPr lang="en-US" altLang="ko" b="1">
@@ -15988,7 +15838,7 @@
               </a:rPr>
               <a:t>var session = appServer.GetSessionByID(sessionID);</a:t>
             </a:r>
-            <a:r>
+            <a:br>
               <a:rPr lang="en-US" altLang="ko" sz="2000">
                 <a:solidFill>
                   <a:srgbClr val="333333"/>
@@ -15996,18 +15846,18 @@
                 <a:latin typeface="맑은 고딕" panose="020B0503020000020004" pitchFamily="50" charset="-127"/>
                 <a:ea typeface="맑은 고딕" panose="020B0503020000020004" pitchFamily="50" charset="-127"/>
               </a:rPr>
-              <a:t/>
-            </a:r>
-            <a:br>
-              <a:rPr lang="en-US" altLang="ko" sz="2000">
+            </a:br>
+            <a:r>
+              <a:rPr lang="ko" sz="2000">
                 <a:solidFill>
                   <a:srgbClr val="333333"/>
                 </a:solidFill>
                 <a:latin typeface="맑은 고딕" panose="020B0503020000020004" pitchFamily="50" charset="-127"/>
                 <a:ea typeface="맑은 고딕" panose="020B0503020000020004" pitchFamily="50" charset="-127"/>
               </a:rPr>
-            </a:br>
-            <a:r>
+              <a:t>if(session != null)</a:t>
+            </a:r>
+            <a:br>
               <a:rPr lang="ko" sz="2000">
                 <a:solidFill>
                   <a:srgbClr val="333333"/>
@@ -16015,28 +15865,28 @@
                 <a:latin typeface="맑은 고딕" panose="020B0503020000020004" pitchFamily="50" charset="-127"/>
                 <a:ea typeface="맑은 고딕" panose="020B0503020000020004" pitchFamily="50" charset="-127"/>
               </a:rPr>
-              <a:t>if(session != null)</a:t>
-            </a:r>
-            <a:br>
-              <a:rPr lang="ko" sz="2000">
+            </a:br>
+            <a:r>
+              <a:rPr lang="en-US" altLang="ko" sz="2000">
                 <a:solidFill>
                   <a:srgbClr val="333333"/>
                 </a:solidFill>
                 <a:latin typeface="맑은 고딕" panose="020B0503020000020004" pitchFamily="50" charset="-127"/>
                 <a:ea typeface="맑은 고딕" panose="020B0503020000020004" pitchFamily="50" charset="-127"/>
               </a:rPr>
-            </a:br>
-            <a:r>
-              <a:rPr lang="en-US" altLang="ko" sz="2000">
+              <a:t>    </a:t>
+            </a:r>
+            <a:r>
+              <a:rPr lang="ko" sz="2000">
                 <a:solidFill>
                   <a:srgbClr val="333333"/>
                 </a:solidFill>
                 <a:latin typeface="맑은 고딕" panose="020B0503020000020004" pitchFamily="50" charset="-127"/>
                 <a:ea typeface="맑은 고딕" panose="020B0503020000020004" pitchFamily="50" charset="-127"/>
               </a:rPr>
-              <a:t>    </a:t>
-            </a:r>
-            <a:r>
+              <a:t>session.Send(data, 0, data.Length);</a:t>
+            </a:r>
+            <a:br>
               <a:rPr lang="ko" sz="2000">
                 <a:solidFill>
                   <a:srgbClr val="333333"/>
@@ -16044,27 +15894,7 @@
                 <a:latin typeface="맑은 고딕" panose="020B0503020000020004" pitchFamily="50" charset="-127"/>
                 <a:ea typeface="맑은 고딕" panose="020B0503020000020004" pitchFamily="50" charset="-127"/>
               </a:rPr>
-              <a:t>session.Send(data, 0, data.Length);</a:t>
-            </a:r>
-            <a:br>
-              <a:rPr lang="ko" sz="2000">
-                <a:solidFill>
-                  <a:srgbClr val="333333"/>
-                </a:solidFill>
-                <a:latin typeface="맑은 고딕" panose="020B0503020000020004" pitchFamily="50" charset="-127"/>
-                <a:ea typeface="맑은 고딕" panose="020B0503020000020004" pitchFamily="50" charset="-127"/>
-              </a:rPr>
-            </a:br>
-            <a:r>
-              <a:rPr lang="ko" sz="2000">
-                <a:solidFill>
-                  <a:srgbClr val="333333"/>
-                </a:solidFill>
-                <a:latin typeface="맑은 고딕" panose="020B0503020000020004" pitchFamily="50" charset="-127"/>
-                <a:ea typeface="맑은 고딕" panose="020B0503020000020004" pitchFamily="50" charset="-127"/>
-              </a:rPr>
-              <a:t/>
-            </a:r>
+            </a:br>
             <a:br>
               <a:rPr lang="ko" sz="2000">
                 <a:solidFill>
@@ -16304,13 +16134,6 @@
               </a:rPr>
               <a:t>연결된 모든 세션에 메시지 보내기</a:t>
             </a:r>
-            <a:r>
-              <a:rPr lang="en-US" altLang="ko" sz="2000">
-                <a:latin typeface="맑은 고딕" panose="020B0503020000020004" pitchFamily="50" charset="-127"/>
-                <a:ea typeface="맑은 고딕" panose="020B0503020000020004" pitchFamily="50" charset="-127"/>
-              </a:rPr>
-              <a:t/>
-            </a:r>
             <a:br>
               <a:rPr lang="en-US" altLang="ko" sz="2000">
                 <a:latin typeface="맑은 고딕" panose="020B0503020000020004" pitchFamily="50" charset="-127"/>
@@ -16457,24 +16280,17 @@
               </a:rPr>
               <a:t>자작용 Key로 세션들 찾기</a:t>
             </a:r>
-            <a:r>
+            <a:br>
               <a:rPr lang="en-US" altLang="ko" sz="1800" b="1">
                 <a:latin typeface="맑은 고딕" panose="020B0503020000020004" pitchFamily="50" charset="-127"/>
                 <a:ea typeface="맑은 고딕" panose="020B0503020000020004" pitchFamily="50" charset="-127"/>
               </a:rPr>
-              <a:t/>
-            </a:r>
-            <a:br>
+            </a:br>
+            <a:r>
               <a:rPr lang="en-US" altLang="ko" sz="1800" b="1">
                 <a:latin typeface="맑은 고딕" panose="020B0503020000020004" pitchFamily="50" charset="-127"/>
                 <a:ea typeface="맑은 고딕" panose="020B0503020000020004" pitchFamily="50" charset="-127"/>
               </a:rPr>
-            </a:br>
-            <a:r>
-              <a:rPr lang="en-US" altLang="ko" sz="1800" b="1">
-                <a:latin typeface="맑은 고딕" panose="020B0503020000020004" pitchFamily="50" charset="-127"/>
-                <a:ea typeface="맑은 고딕" panose="020B0503020000020004" pitchFamily="50" charset="-127"/>
-              </a:rPr>
               <a:t>- </a:t>
             </a:r>
             <a:r>
@@ -16494,7 +16310,7 @@
               </a:rPr>
               <a:t>CompanyId 처럼 새로운 Key를 사용하여 검색이 가능하다.</a:t>
             </a:r>
-            <a:r>
+            <a:br>
               <a:rPr lang="en-US" altLang="ko" sz="1800">
                 <a:solidFill>
                   <a:srgbClr val="333333"/>
@@ -16502,27 +16318,7 @@
                 <a:latin typeface="맑은 고딕" panose="020B0503020000020004" pitchFamily="50" charset="-127"/>
                 <a:ea typeface="맑은 고딕" panose="020B0503020000020004" pitchFamily="50" charset="-127"/>
               </a:rPr>
-              <a:t/>
-            </a:r>
-            <a:br>
-              <a:rPr lang="en-US" altLang="ko" sz="1800">
-                <a:solidFill>
-                  <a:srgbClr val="333333"/>
-                </a:solidFill>
-                <a:latin typeface="맑은 고딕" panose="020B0503020000020004" pitchFamily="50" charset="-127"/>
-                <a:ea typeface="맑은 고딕" panose="020B0503020000020004" pitchFamily="50" charset="-127"/>
-              </a:rPr>
-            </a:br>
-            <a:r>
-              <a:rPr lang="en-US" altLang="ko" sz="1800">
-                <a:solidFill>
-                  <a:srgbClr val="333333"/>
-                </a:solidFill>
-                <a:latin typeface="맑은 고딕" panose="020B0503020000020004" pitchFamily="50" charset="-127"/>
-                <a:ea typeface="맑은 고딕" panose="020B0503020000020004" pitchFamily="50" charset="-127"/>
-              </a:rPr>
-              <a:t/>
-            </a:r>
+            </a:br>
             <a:br>
               <a:rPr lang="en-US" altLang="ko" sz="1800">
                 <a:solidFill>
@@ -16818,59 +16614,58 @@
                 </a:solidFill>
               </a:rPr>
             </a:br>
-            <a:r>
+            <a:br>
               <a:rPr lang="ko" sz="1000">
                 <a:solidFill>
                   <a:srgbClr val="333333"/>
                 </a:solidFill>
               </a:rPr>
-              <a:t/>
-            </a:r>
-            <a:br>
+            </a:br>
+            <a:r>
               <a:rPr lang="ko" sz="1000">
                 <a:solidFill>
                   <a:srgbClr val="333333"/>
                 </a:solidFill>
               </a:rPr>
-            </a:br>
-            <a:r>
+              <a:t>    public bool Initialize(string name, IAppServer appServer)</a:t>
+            </a:r>
+            <a:br>
               <a:rPr lang="ko" sz="1000">
                 <a:solidFill>
                   <a:srgbClr val="333333"/>
                 </a:solidFill>
               </a:rPr>
-              <a:t>    public bool Initialize(string name, IAppServer appServer)</a:t>
-            </a:r>
-            <a:br>
+            </a:br>
+            <a:r>
               <a:rPr lang="ko" sz="1000">
                 <a:solidFill>
                   <a:srgbClr val="333333"/>
                 </a:solidFill>
               </a:rPr>
-            </a:br>
-            <a:r>
+              <a:t>    {</a:t>
+            </a:r>
+            <a:br>
               <a:rPr lang="ko" sz="1000">
                 <a:solidFill>
                   <a:srgbClr val="333333"/>
                 </a:solidFill>
               </a:rPr>
-              <a:t>    {</a:t>
-            </a:r>
-            <a:br>
+            </a:br>
+            <a:r>
               <a:rPr lang="ko" sz="1000">
                 <a:solidFill>
                   <a:srgbClr val="333333"/>
                 </a:solidFill>
               </a:rPr>
-            </a:br>
-            <a:r>
+              <a:t>        Name = name;</a:t>
+            </a:r>
+            <a:br>
               <a:rPr lang="ko" sz="1000">
                 <a:solidFill>
                   <a:srgbClr val="333333"/>
                 </a:solidFill>
               </a:rPr>
-              <a:t>        Name = name;</a:t>
-            </a:r>
+            </a:br>
             <a:br>
               <a:rPr lang="ko" sz="1000">
                 <a:solidFill>
@@ -16884,7 +16679,7 @@
                   <a:srgbClr val="333333"/>
                 </a:solidFill>
               </a:rPr>
-              <a:t/>
+              <a:t>        var ipRange = appServer.Config.Options.GetValue("ipRange");</a:t>
             </a:r>
             <a:br>
               <a:rPr lang="ko" sz="1000">
@@ -16893,29 +16688,28 @@
                 </a:solidFill>
               </a:rPr>
             </a:br>
-            <a:r>
+            <a:br>
               <a:rPr lang="ko" sz="1000">
                 <a:solidFill>
                   <a:srgbClr val="333333"/>
                 </a:solidFill>
               </a:rPr>
-              <a:t>        var ipRange = appServer.Config.Options.GetValue("ipRange");</a:t>
-            </a:r>
-            <a:br>
+            </a:br>
+            <a:r>
               <a:rPr lang="ko" sz="1000">
                 <a:solidFill>
                   <a:srgbClr val="333333"/>
                 </a:solidFill>
               </a:rPr>
-            </a:br>
-            <a:r>
+              <a:t>        string[] ipRangeArray;</a:t>
+            </a:r>
+            <a:br>
               <a:rPr lang="ko" sz="1000">
                 <a:solidFill>
                   <a:srgbClr val="333333"/>
                 </a:solidFill>
               </a:rPr>
-              <a:t/>
-            </a:r>
+            </a:br>
             <a:br>
               <a:rPr lang="ko" sz="1000">
                 <a:solidFill>
@@ -16929,7 +16723,7 @@
                   <a:srgbClr val="333333"/>
                 </a:solidFill>
               </a:rPr>
-              <a:t>        string[] ipRangeArray;</a:t>
+              <a:t>        if (string.IsNullOrEmpty(ipRange)</a:t>
             </a:r>
             <a:br>
               <a:rPr lang="ko" sz="1000">
@@ -16944,7 +16738,7 @@
                   <a:srgbClr val="333333"/>
                 </a:solidFill>
               </a:rPr>
-              <a:t/>
+              <a:t>            || (ipRangeArray = ipRange.Split(new char[] { ',', ';' }, StringSplitOptions.RemoveEmptyEntries)).Length &lt;= 0)</a:t>
             </a:r>
             <a:br>
               <a:rPr lang="ko" sz="1000">
@@ -16959,7 +16753,7 @@
                   <a:srgbClr val="333333"/>
                 </a:solidFill>
               </a:rPr>
-              <a:t>        if (string.IsNullOrEmpty(ipRange)</a:t>
+              <a:t>        {</a:t>
             </a:r>
             <a:br>
               <a:rPr lang="ko" sz="1000">
@@ -16974,7 +16768,7 @@
                   <a:srgbClr val="333333"/>
                 </a:solidFill>
               </a:rPr>
-              <a:t>            || (ipRangeArray = ipRange.Split(new char[] { ',', ';' }, StringSplitOptions.RemoveEmptyEntries)).Length &lt;= 0)</a:t>
+              <a:t>            throw new ArgumentException("The ipRange doesn't exist in configuration!");</a:t>
             </a:r>
             <a:br>
               <a:rPr lang="ko" sz="1000">
@@ -16989,6 +16783,65 @@
                   <a:srgbClr val="333333"/>
                 </a:solidFill>
               </a:rPr>
+              <a:t>        }</a:t>
+            </a:r>
+            <a:br>
+              <a:rPr lang="ko" sz="1000">
+                <a:solidFill>
+                  <a:srgbClr val="333333"/>
+                </a:solidFill>
+              </a:rPr>
+            </a:br>
+            <a:br>
+              <a:rPr lang="ko" sz="1000">
+                <a:solidFill>
+                  <a:srgbClr val="333333"/>
+                </a:solidFill>
+              </a:rPr>
+            </a:br>
+            <a:r>
+              <a:rPr lang="ko" sz="1000">
+                <a:solidFill>
+                  <a:srgbClr val="333333"/>
+                </a:solidFill>
+              </a:rPr>
+              <a:t>        m_IpRanges = new Tuple&lt;long, long&gt;[ipRangeArray.Length];</a:t>
+            </a:r>
+            <a:br>
+              <a:rPr lang="ko" sz="1000">
+                <a:solidFill>
+                  <a:srgbClr val="333333"/>
+                </a:solidFill>
+              </a:rPr>
+            </a:br>
+            <a:br>
+              <a:rPr lang="ko" sz="1000">
+                <a:solidFill>
+                  <a:srgbClr val="333333"/>
+                </a:solidFill>
+              </a:rPr>
+            </a:br>
+            <a:r>
+              <a:rPr lang="ko" sz="1000">
+                <a:solidFill>
+                  <a:srgbClr val="333333"/>
+                </a:solidFill>
+              </a:rPr>
+              <a:t>        for (int i = 0; i &lt; ipRangeArray.Length; i++)</a:t>
+            </a:r>
+            <a:br>
+              <a:rPr lang="ko" sz="1000">
+                <a:solidFill>
+                  <a:srgbClr val="333333"/>
+                </a:solidFill>
+              </a:rPr>
+            </a:br>
+            <a:r>
+              <a:rPr lang="ko" sz="1000">
+                <a:solidFill>
+                  <a:srgbClr val="333333"/>
+                </a:solidFill>
+              </a:rPr>
               <a:t>        {</a:t>
             </a:r>
             <a:br>
@@ -17004,7 +16857,7 @@
                   <a:srgbClr val="333333"/>
                 </a:solidFill>
               </a:rPr>
-              <a:t>            throw new ArgumentException("The ipRange doesn't exist in configuration!");</a:t>
+              <a:t>            var range = ipRangeArray[i];</a:t>
             </a:r>
             <a:br>
               <a:rPr lang="ko" sz="1000">
@@ -17019,6 +16872,21 @@
                   <a:srgbClr val="333333"/>
                 </a:solidFill>
               </a:rPr>
+              <a:t>            m_IpRanges[i] = GenerateIpRange(range);</a:t>
+            </a:r>
+            <a:br>
+              <a:rPr lang="ko" sz="1000">
+                <a:solidFill>
+                  <a:srgbClr val="333333"/>
+                </a:solidFill>
+              </a:rPr>
+            </a:br>
+            <a:r>
+              <a:rPr lang="ko" sz="1000">
+                <a:solidFill>
+                  <a:srgbClr val="333333"/>
+                </a:solidFill>
+              </a:rPr>
               <a:t>        }</a:t>
             </a:r>
             <a:br>
@@ -17028,134 +16896,6 @@
                 </a:solidFill>
               </a:rPr>
             </a:br>
-            <a:r>
-              <a:rPr lang="ko" sz="1000">
-                <a:solidFill>
-                  <a:srgbClr val="333333"/>
-                </a:solidFill>
-              </a:rPr>
-              <a:t/>
-            </a:r>
-            <a:br>
-              <a:rPr lang="ko" sz="1000">
-                <a:solidFill>
-                  <a:srgbClr val="333333"/>
-                </a:solidFill>
-              </a:rPr>
-            </a:br>
-            <a:r>
-              <a:rPr lang="ko" sz="1000">
-                <a:solidFill>
-                  <a:srgbClr val="333333"/>
-                </a:solidFill>
-              </a:rPr>
-              <a:t>        m_IpRanges = new Tuple&lt;long, long&gt;[ipRangeArray.Length];</a:t>
-            </a:r>
-            <a:br>
-              <a:rPr lang="ko" sz="1000">
-                <a:solidFill>
-                  <a:srgbClr val="333333"/>
-                </a:solidFill>
-              </a:rPr>
-            </a:br>
-            <a:r>
-              <a:rPr lang="ko" sz="1000">
-                <a:solidFill>
-                  <a:srgbClr val="333333"/>
-                </a:solidFill>
-              </a:rPr>
-              <a:t/>
-            </a:r>
-            <a:br>
-              <a:rPr lang="ko" sz="1000">
-                <a:solidFill>
-                  <a:srgbClr val="333333"/>
-                </a:solidFill>
-              </a:rPr>
-            </a:br>
-            <a:r>
-              <a:rPr lang="ko" sz="1000">
-                <a:solidFill>
-                  <a:srgbClr val="333333"/>
-                </a:solidFill>
-              </a:rPr>
-              <a:t>        for (int i = 0; i &lt; ipRangeArray.Length; i++)</a:t>
-            </a:r>
-            <a:br>
-              <a:rPr lang="ko" sz="1000">
-                <a:solidFill>
-                  <a:srgbClr val="333333"/>
-                </a:solidFill>
-              </a:rPr>
-            </a:br>
-            <a:r>
-              <a:rPr lang="ko" sz="1000">
-                <a:solidFill>
-                  <a:srgbClr val="333333"/>
-                </a:solidFill>
-              </a:rPr>
-              <a:t>        {</a:t>
-            </a:r>
-            <a:br>
-              <a:rPr lang="ko" sz="1000">
-                <a:solidFill>
-                  <a:srgbClr val="333333"/>
-                </a:solidFill>
-              </a:rPr>
-            </a:br>
-            <a:r>
-              <a:rPr lang="ko" sz="1000">
-                <a:solidFill>
-                  <a:srgbClr val="333333"/>
-                </a:solidFill>
-              </a:rPr>
-              <a:t>            var range = ipRangeArray[i];</a:t>
-            </a:r>
-            <a:br>
-              <a:rPr lang="ko" sz="1000">
-                <a:solidFill>
-                  <a:srgbClr val="333333"/>
-                </a:solidFill>
-              </a:rPr>
-            </a:br>
-            <a:r>
-              <a:rPr lang="ko" sz="1000">
-                <a:solidFill>
-                  <a:srgbClr val="333333"/>
-                </a:solidFill>
-              </a:rPr>
-              <a:t>            m_IpRanges[i] = GenerateIpRange(range);</a:t>
-            </a:r>
-            <a:br>
-              <a:rPr lang="ko" sz="1000">
-                <a:solidFill>
-                  <a:srgbClr val="333333"/>
-                </a:solidFill>
-              </a:rPr>
-            </a:br>
-            <a:r>
-              <a:rPr lang="ko" sz="1000">
-                <a:solidFill>
-                  <a:srgbClr val="333333"/>
-                </a:solidFill>
-              </a:rPr>
-              <a:t>        }</a:t>
-            </a:r>
-            <a:br>
-              <a:rPr lang="ko" sz="1000">
-                <a:solidFill>
-                  <a:srgbClr val="333333"/>
-                </a:solidFill>
-              </a:rPr>
-            </a:br>
-            <a:r>
-              <a:rPr lang="ko" sz="1000">
-                <a:solidFill>
-                  <a:srgbClr val="333333"/>
-                </a:solidFill>
-              </a:rPr>
-              <a:t/>
-            </a:r>
             <a:br>
               <a:rPr lang="ko" sz="1000">
                 <a:solidFill>
@@ -17300,42 +17040,160 @@
                 </a:solidFill>
               </a:rPr>
             </a:br>
-            <a:r>
+            <a:br>
               <a:rPr lang="ko" sz="1200">
                 <a:solidFill>
                   <a:srgbClr val="333333"/>
                 </a:solidFill>
               </a:rPr>
-              <a:t/>
-            </a:r>
-            <a:br>
+            </a:br>
+            <a:r>
               <a:rPr lang="ko" sz="1200">
                 <a:solidFill>
                   <a:srgbClr val="333333"/>
                 </a:solidFill>
               </a:rPr>
-            </a:br>
-            <a:r>
+              <a:t>        if(ipArray.Length != 2)</a:t>
+            </a:r>
+            <a:br>
               <a:rPr lang="ko" sz="1200">
                 <a:solidFill>
                   <a:srgbClr val="333333"/>
                 </a:solidFill>
               </a:rPr>
-              <a:t>        if(ipArray.Length != 2)</a:t>
-            </a:r>
-            <a:br>
+            </a:br>
+            <a:r>
               <a:rPr lang="ko" sz="1200">
                 <a:solidFill>
                   <a:srgbClr val="333333"/>
                 </a:solidFill>
               </a:rPr>
-            </a:br>
-            <a:r>
+              <a:t>            throw new ArgumentException("Invalid ipRange exist in configuration!");</a:t>
+            </a:r>
+            <a:br>
               <a:rPr lang="ko" sz="1200">
                 <a:solidFill>
                   <a:srgbClr val="333333"/>
                 </a:solidFill>
               </a:rPr>
+            </a:br>
+            <a:br>
+              <a:rPr lang="ko" sz="1200">
+                <a:solidFill>
+                  <a:srgbClr val="333333"/>
+                </a:solidFill>
+              </a:rPr>
+            </a:br>
+            <a:r>
+              <a:rPr lang="ko" sz="1200">
+                <a:solidFill>
+                  <a:srgbClr val="333333"/>
+                </a:solidFill>
+              </a:rPr>
+              <a:t>        return new Tuple&lt;long, long&gt;(ConvertIpToLong(ipArray[0]), ConvertIpToLong(ipArray[1]));</a:t>
+            </a:r>
+            <a:br>
+              <a:rPr lang="ko" sz="1200">
+                <a:solidFill>
+                  <a:srgbClr val="333333"/>
+                </a:solidFill>
+              </a:rPr>
+            </a:br>
+            <a:r>
+              <a:rPr lang="ko" sz="1200">
+                <a:solidFill>
+                  <a:srgbClr val="333333"/>
+                </a:solidFill>
+              </a:rPr>
+              <a:t>    }</a:t>
+            </a:r>
+            <a:br>
+              <a:rPr lang="ko" sz="1200">
+                <a:solidFill>
+                  <a:srgbClr val="333333"/>
+                </a:solidFill>
+              </a:rPr>
+            </a:br>
+            <a:br>
+              <a:rPr lang="ko" sz="1200">
+                <a:solidFill>
+                  <a:srgbClr val="333333"/>
+                </a:solidFill>
+              </a:rPr>
+            </a:br>
+            <a:r>
+              <a:rPr lang="ko" sz="1200">
+                <a:solidFill>
+                  <a:srgbClr val="333333"/>
+                </a:solidFill>
+              </a:rPr>
+              <a:t>    private long ConvertIpToLong(string ip)</a:t>
+            </a:r>
+            <a:br>
+              <a:rPr lang="ko" sz="1200">
+                <a:solidFill>
+                  <a:srgbClr val="333333"/>
+                </a:solidFill>
+              </a:rPr>
+            </a:br>
+            <a:r>
+              <a:rPr lang="ko" sz="1200">
+                <a:solidFill>
+                  <a:srgbClr val="333333"/>
+                </a:solidFill>
+              </a:rPr>
+              <a:t>    {</a:t>
+            </a:r>
+            <a:br>
+              <a:rPr lang="ko" sz="1200">
+                <a:solidFill>
+                  <a:srgbClr val="333333"/>
+                </a:solidFill>
+              </a:rPr>
+            </a:br>
+            <a:r>
+              <a:rPr lang="ko" sz="1200">
+                <a:solidFill>
+                  <a:srgbClr val="333333"/>
+                </a:solidFill>
+              </a:rPr>
+              <a:t>        var points = ip.Split(new char[] { '.' }, StringSplitOptions.RemoveEmptyEntries);</a:t>
+            </a:r>
+            <a:br>
+              <a:rPr lang="ko" sz="1200">
+                <a:solidFill>
+                  <a:srgbClr val="333333"/>
+                </a:solidFill>
+              </a:rPr>
+            </a:br>
+            <a:br>
+              <a:rPr lang="ko" sz="1200">
+                <a:solidFill>
+                  <a:srgbClr val="333333"/>
+                </a:solidFill>
+              </a:rPr>
+            </a:br>
+            <a:r>
+              <a:rPr lang="ko" sz="1200">
+                <a:solidFill>
+                  <a:srgbClr val="333333"/>
+                </a:solidFill>
+              </a:rPr>
+              <a:t>        if(points.Length != 4)</a:t>
+            </a:r>
+            <a:br>
+              <a:rPr lang="ko" sz="1200">
+                <a:solidFill>
+                  <a:srgbClr val="333333"/>
+                </a:solidFill>
+              </a:rPr>
+            </a:br>
+            <a:r>
+              <a:rPr lang="ko" sz="1200">
+                <a:solidFill>
+                  <a:srgbClr val="333333"/>
+                </a:solidFill>
+              </a:rPr>
               <a:t>            throw new ArgumentException("Invalid ipRange exist in configuration!");</a:t>
             </a:r>
             <a:br>
@@ -17345,42 +17203,153 @@
                 </a:solidFill>
               </a:rPr>
             </a:br>
-            <a:r>
+            <a:br>
               <a:rPr lang="ko" sz="1200">
                 <a:solidFill>
                   <a:srgbClr val="333333"/>
                 </a:solidFill>
               </a:rPr>
-              <a:t/>
-            </a:r>
-            <a:br>
+            </a:br>
+            <a:r>
               <a:rPr lang="ko" sz="1200">
                 <a:solidFill>
                   <a:srgbClr val="333333"/>
                 </a:solidFill>
               </a:rPr>
-            </a:br>
-            <a:r>
+              <a:t>        long value = 0;</a:t>
+            </a:r>
+            <a:br>
               <a:rPr lang="ko" sz="1200">
                 <a:solidFill>
                   <a:srgbClr val="333333"/>
                 </a:solidFill>
               </a:rPr>
-              <a:t>        return new Tuple&lt;long, long&gt;(ConvertIpToLong(ipArray[0]), ConvertIpToLong(ipArray[1]));</a:t>
-            </a:r>
-            <a:br>
+            </a:br>
+            <a:r>
               <a:rPr lang="ko" sz="1200">
                 <a:solidFill>
                   <a:srgbClr val="333333"/>
                 </a:solidFill>
               </a:rPr>
-            </a:br>
-            <a:r>
+              <a:t>        long unit = 1;</a:t>
+            </a:r>
+            <a:br>
               <a:rPr lang="ko" sz="1200">
                 <a:solidFill>
                   <a:srgbClr val="333333"/>
                 </a:solidFill>
               </a:rPr>
+            </a:br>
+            <a:br>
+              <a:rPr lang="ko" sz="1200">
+                <a:solidFill>
+                  <a:srgbClr val="333333"/>
+                </a:solidFill>
+              </a:rPr>
+            </a:br>
+            <a:r>
+              <a:rPr lang="ko" sz="1200">
+                <a:solidFill>
+                  <a:srgbClr val="333333"/>
+                </a:solidFill>
+              </a:rPr>
+              <a:t>        for (int i = points.Length - 1; i &gt;= 0; i--)</a:t>
+            </a:r>
+            <a:br>
+              <a:rPr lang="ko" sz="1200">
+                <a:solidFill>
+                  <a:srgbClr val="333333"/>
+                </a:solidFill>
+              </a:rPr>
+            </a:br>
+            <a:r>
+              <a:rPr lang="ko" sz="1200">
+                <a:solidFill>
+                  <a:srgbClr val="333333"/>
+                </a:solidFill>
+              </a:rPr>
+              <a:t>        {</a:t>
+            </a:r>
+            <a:br>
+              <a:rPr lang="ko" sz="1200">
+                <a:solidFill>
+                  <a:srgbClr val="333333"/>
+                </a:solidFill>
+              </a:rPr>
+            </a:br>
+            <a:r>
+              <a:rPr lang="ko" sz="1200">
+                <a:solidFill>
+                  <a:srgbClr val="333333"/>
+                </a:solidFill>
+              </a:rPr>
+              <a:t>            value += unit * points[i].ToInt32();</a:t>
+            </a:r>
+            <a:br>
+              <a:rPr lang="ko" sz="1200">
+                <a:solidFill>
+                  <a:srgbClr val="333333"/>
+                </a:solidFill>
+              </a:rPr>
+            </a:br>
+            <a:r>
+              <a:rPr lang="ko" sz="1200">
+                <a:solidFill>
+                  <a:srgbClr val="333333"/>
+                </a:solidFill>
+              </a:rPr>
+              <a:t>            unit *= 256;</a:t>
+            </a:r>
+            <a:br>
+              <a:rPr lang="ko" sz="1200">
+                <a:solidFill>
+                  <a:srgbClr val="333333"/>
+                </a:solidFill>
+              </a:rPr>
+            </a:br>
+            <a:r>
+              <a:rPr lang="ko" sz="1200">
+                <a:solidFill>
+                  <a:srgbClr val="333333"/>
+                </a:solidFill>
+              </a:rPr>
+              <a:t>        }</a:t>
+            </a:r>
+            <a:br>
+              <a:rPr lang="ko" sz="1200">
+                <a:solidFill>
+                  <a:srgbClr val="333333"/>
+                </a:solidFill>
+              </a:rPr>
+            </a:br>
+            <a:br>
+              <a:rPr lang="ko" sz="1200">
+                <a:solidFill>
+                  <a:srgbClr val="333333"/>
+                </a:solidFill>
+              </a:rPr>
+            </a:br>
+            <a:r>
+              <a:rPr lang="ko" sz="1200">
+                <a:solidFill>
+                  <a:srgbClr val="333333"/>
+                </a:solidFill>
+              </a:rPr>
+              <a:t>        return value;</a:t>
+            </a:r>
+            <a:br>
+              <a:rPr lang="ko" sz="1200">
+                <a:solidFill>
+                  <a:srgbClr val="333333"/>
+                </a:solidFill>
+              </a:rPr>
+            </a:br>
+            <a:r>
+              <a:rPr lang="ko" sz="1200">
+                <a:solidFill>
+                  <a:srgbClr val="333333"/>
+                </a:solidFill>
+              </a:rPr>
               <a:t>    }</a:t>
             </a:r>
             <a:br>
@@ -17390,299 +17359,6 @@
                 </a:solidFill>
               </a:rPr>
             </a:br>
-            <a:r>
-              <a:rPr lang="ko" sz="1200">
-                <a:solidFill>
-                  <a:srgbClr val="333333"/>
-                </a:solidFill>
-              </a:rPr>
-              <a:t/>
-            </a:r>
-            <a:br>
-              <a:rPr lang="ko" sz="1200">
-                <a:solidFill>
-                  <a:srgbClr val="333333"/>
-                </a:solidFill>
-              </a:rPr>
-            </a:br>
-            <a:r>
-              <a:rPr lang="ko" sz="1200">
-                <a:solidFill>
-                  <a:srgbClr val="333333"/>
-                </a:solidFill>
-              </a:rPr>
-              <a:t>    private long ConvertIpToLong(string ip)</a:t>
-            </a:r>
-            <a:br>
-              <a:rPr lang="ko" sz="1200">
-                <a:solidFill>
-                  <a:srgbClr val="333333"/>
-                </a:solidFill>
-              </a:rPr>
-            </a:br>
-            <a:r>
-              <a:rPr lang="ko" sz="1200">
-                <a:solidFill>
-                  <a:srgbClr val="333333"/>
-                </a:solidFill>
-              </a:rPr>
-              <a:t>    {</a:t>
-            </a:r>
-            <a:br>
-              <a:rPr lang="ko" sz="1200">
-                <a:solidFill>
-                  <a:srgbClr val="333333"/>
-                </a:solidFill>
-              </a:rPr>
-            </a:br>
-            <a:r>
-              <a:rPr lang="ko" sz="1200">
-                <a:solidFill>
-                  <a:srgbClr val="333333"/>
-                </a:solidFill>
-              </a:rPr>
-              <a:t>        var points = ip.Split(new char[] { '.' }, StringSplitOptions.RemoveEmptyEntries);</a:t>
-            </a:r>
-            <a:br>
-              <a:rPr lang="ko" sz="1200">
-                <a:solidFill>
-                  <a:srgbClr val="333333"/>
-                </a:solidFill>
-              </a:rPr>
-            </a:br>
-            <a:r>
-              <a:rPr lang="ko" sz="1200">
-                <a:solidFill>
-                  <a:srgbClr val="333333"/>
-                </a:solidFill>
-              </a:rPr>
-              <a:t/>
-            </a:r>
-            <a:br>
-              <a:rPr lang="ko" sz="1200">
-                <a:solidFill>
-                  <a:srgbClr val="333333"/>
-                </a:solidFill>
-              </a:rPr>
-            </a:br>
-            <a:r>
-              <a:rPr lang="ko" sz="1200">
-                <a:solidFill>
-                  <a:srgbClr val="333333"/>
-                </a:solidFill>
-              </a:rPr>
-              <a:t>        if(points.Length != 4)</a:t>
-            </a:r>
-            <a:br>
-              <a:rPr lang="ko" sz="1200">
-                <a:solidFill>
-                  <a:srgbClr val="333333"/>
-                </a:solidFill>
-              </a:rPr>
-            </a:br>
-            <a:r>
-              <a:rPr lang="ko" sz="1200">
-                <a:solidFill>
-                  <a:srgbClr val="333333"/>
-                </a:solidFill>
-              </a:rPr>
-              <a:t>            throw new ArgumentException("Invalid ipRange exist in configuration!");</a:t>
-            </a:r>
-            <a:br>
-              <a:rPr lang="ko" sz="1200">
-                <a:solidFill>
-                  <a:srgbClr val="333333"/>
-                </a:solidFill>
-              </a:rPr>
-            </a:br>
-            <a:r>
-              <a:rPr lang="ko" sz="1200">
-                <a:solidFill>
-                  <a:srgbClr val="333333"/>
-                </a:solidFill>
-              </a:rPr>
-              <a:t/>
-            </a:r>
-            <a:br>
-              <a:rPr lang="ko" sz="1200">
-                <a:solidFill>
-                  <a:srgbClr val="333333"/>
-                </a:solidFill>
-              </a:rPr>
-            </a:br>
-            <a:r>
-              <a:rPr lang="ko" sz="1200">
-                <a:solidFill>
-                  <a:srgbClr val="333333"/>
-                </a:solidFill>
-              </a:rPr>
-              <a:t>        long value = 0;</a:t>
-            </a:r>
-            <a:br>
-              <a:rPr lang="ko" sz="1200">
-                <a:solidFill>
-                  <a:srgbClr val="333333"/>
-                </a:solidFill>
-              </a:rPr>
-            </a:br>
-            <a:r>
-              <a:rPr lang="ko" sz="1200">
-                <a:solidFill>
-                  <a:srgbClr val="333333"/>
-                </a:solidFill>
-              </a:rPr>
-              <a:t>        long unit = 1;</a:t>
-            </a:r>
-            <a:br>
-              <a:rPr lang="ko" sz="1200">
-                <a:solidFill>
-                  <a:srgbClr val="333333"/>
-                </a:solidFill>
-              </a:rPr>
-            </a:br>
-            <a:r>
-              <a:rPr lang="ko" sz="1200">
-                <a:solidFill>
-                  <a:srgbClr val="333333"/>
-                </a:solidFill>
-              </a:rPr>
-              <a:t/>
-            </a:r>
-            <a:br>
-              <a:rPr lang="ko" sz="1200">
-                <a:solidFill>
-                  <a:srgbClr val="333333"/>
-                </a:solidFill>
-              </a:rPr>
-            </a:br>
-            <a:r>
-              <a:rPr lang="ko" sz="1200">
-                <a:solidFill>
-                  <a:srgbClr val="333333"/>
-                </a:solidFill>
-              </a:rPr>
-              <a:t>        for (int i = points.Length - 1; i &gt;= 0; i--)</a:t>
-            </a:r>
-            <a:br>
-              <a:rPr lang="ko" sz="1200">
-                <a:solidFill>
-                  <a:srgbClr val="333333"/>
-                </a:solidFill>
-              </a:rPr>
-            </a:br>
-            <a:r>
-              <a:rPr lang="ko" sz="1200">
-                <a:solidFill>
-                  <a:srgbClr val="333333"/>
-                </a:solidFill>
-              </a:rPr>
-              <a:t>        {</a:t>
-            </a:r>
-            <a:br>
-              <a:rPr lang="ko" sz="1200">
-                <a:solidFill>
-                  <a:srgbClr val="333333"/>
-                </a:solidFill>
-              </a:rPr>
-            </a:br>
-            <a:r>
-              <a:rPr lang="ko" sz="1200">
-                <a:solidFill>
-                  <a:srgbClr val="333333"/>
-                </a:solidFill>
-              </a:rPr>
-              <a:t>            value += unit * points[i].ToInt32();</a:t>
-            </a:r>
-            <a:br>
-              <a:rPr lang="ko" sz="1200">
-                <a:solidFill>
-                  <a:srgbClr val="333333"/>
-                </a:solidFill>
-              </a:rPr>
-            </a:br>
-            <a:r>
-              <a:rPr lang="ko" sz="1200">
-                <a:solidFill>
-                  <a:srgbClr val="333333"/>
-                </a:solidFill>
-              </a:rPr>
-              <a:t>            unit *= 256;</a:t>
-            </a:r>
-            <a:br>
-              <a:rPr lang="ko" sz="1200">
-                <a:solidFill>
-                  <a:srgbClr val="333333"/>
-                </a:solidFill>
-              </a:rPr>
-            </a:br>
-            <a:r>
-              <a:rPr lang="ko" sz="1200">
-                <a:solidFill>
-                  <a:srgbClr val="333333"/>
-                </a:solidFill>
-              </a:rPr>
-              <a:t>        }</a:t>
-            </a:r>
-            <a:br>
-              <a:rPr lang="ko" sz="1200">
-                <a:solidFill>
-                  <a:srgbClr val="333333"/>
-                </a:solidFill>
-              </a:rPr>
-            </a:br>
-            <a:r>
-              <a:rPr lang="ko" sz="1200">
-                <a:solidFill>
-                  <a:srgbClr val="333333"/>
-                </a:solidFill>
-              </a:rPr>
-              <a:t/>
-            </a:r>
-            <a:br>
-              <a:rPr lang="ko" sz="1200">
-                <a:solidFill>
-                  <a:srgbClr val="333333"/>
-                </a:solidFill>
-              </a:rPr>
-            </a:br>
-            <a:r>
-              <a:rPr lang="ko" sz="1200">
-                <a:solidFill>
-                  <a:srgbClr val="333333"/>
-                </a:solidFill>
-              </a:rPr>
-              <a:t>        return value;</a:t>
-            </a:r>
-            <a:br>
-              <a:rPr lang="ko" sz="1200">
-                <a:solidFill>
-                  <a:srgbClr val="333333"/>
-                </a:solidFill>
-              </a:rPr>
-            </a:br>
-            <a:r>
-              <a:rPr lang="ko" sz="1200">
-                <a:solidFill>
-                  <a:srgbClr val="333333"/>
-                </a:solidFill>
-              </a:rPr>
-              <a:t>    }</a:t>
-            </a:r>
-            <a:br>
-              <a:rPr lang="ko" sz="1200">
-                <a:solidFill>
-                  <a:srgbClr val="333333"/>
-                </a:solidFill>
-              </a:rPr>
-            </a:br>
-            <a:r>
-              <a:rPr lang="ko" sz="1200">
-                <a:solidFill>
-                  <a:srgbClr val="333333"/>
-                </a:solidFill>
-              </a:rPr>
-              <a:t/>
-            </a:r>
             <a:br>
               <a:rPr lang="ko" sz="1200">
                 <a:solidFill>
@@ -17827,59 +17503,58 @@
                 </a:solidFill>
               </a:rPr>
             </a:br>
-            <a:r>
+            <a:br>
               <a:rPr lang="ko">
                 <a:solidFill>
                   <a:srgbClr val="333333"/>
                 </a:solidFill>
               </a:rPr>
-              <a:t/>
-            </a:r>
-            <a:br>
+            </a:br>
+            <a:r>
               <a:rPr lang="ko">
                 <a:solidFill>
                   <a:srgbClr val="333333"/>
                 </a:solidFill>
               </a:rPr>
-            </a:br>
-            <a:r>
+              <a:t>        for (var i = 0; i &lt; m_IpRanges.Length; i++)</a:t>
+            </a:r>
+            <a:br>
               <a:rPr lang="ko">
                 <a:solidFill>
                   <a:srgbClr val="333333"/>
                 </a:solidFill>
               </a:rPr>
-              <a:t>        for (var i = 0; i &lt; m_IpRanges.Length; i++)</a:t>
-            </a:r>
-            <a:br>
+            </a:br>
+            <a:r>
               <a:rPr lang="ko">
                 <a:solidFill>
                   <a:srgbClr val="333333"/>
                 </a:solidFill>
               </a:rPr>
-            </a:br>
-            <a:r>
+              <a:t>        {</a:t>
+            </a:r>
+            <a:br>
               <a:rPr lang="ko">
                 <a:solidFill>
                   <a:srgbClr val="333333"/>
                 </a:solidFill>
               </a:rPr>
-              <a:t>        {</a:t>
-            </a:r>
-            <a:br>
+            </a:br>
+            <a:r>
               <a:rPr lang="ko">
                 <a:solidFill>
                   <a:srgbClr val="333333"/>
                 </a:solidFill>
               </a:rPr>
-            </a:br>
-            <a:r>
+              <a:t>            var range = m_IpRanges[i];</a:t>
+            </a:r>
+            <a:br>
               <a:rPr lang="ko">
                 <a:solidFill>
                   <a:srgbClr val="333333"/>
                 </a:solidFill>
               </a:rPr>
-              <a:t>            var range = m_IpRanges[i];</a:t>
-            </a:r>
+            </a:br>
             <a:br>
               <a:rPr lang="ko">
                 <a:solidFill>
@@ -17893,7 +17568,7 @@
                   <a:srgbClr val="333333"/>
                 </a:solidFill>
               </a:rPr>
-              <a:t/>
+              <a:t>            if (ipValue &gt; range.Item2)</a:t>
             </a:r>
             <a:br>
               <a:rPr lang="ko">
@@ -17908,7 +17583,7 @@
                   <a:srgbClr val="333333"/>
                 </a:solidFill>
               </a:rPr>
-              <a:t>            if (ipValue &gt; range.Item2)</a:t>
+              <a:t>                return false;</a:t>
             </a:r>
             <a:br>
               <a:rPr lang="ko">
@@ -17917,12 +17592,34 @@
                 </a:solidFill>
               </a:rPr>
             </a:br>
-            <a:r>
+            <a:br>
               <a:rPr lang="ko">
                 <a:solidFill>
                   <a:srgbClr val="333333"/>
                 </a:solidFill>
               </a:rPr>
+            </a:br>
+            <a:r>
+              <a:rPr lang="ko">
+                <a:solidFill>
+                  <a:srgbClr val="333333"/>
+                </a:solidFill>
+              </a:rPr>
+              <a:t>            if (ipValue &lt; range.Item1)</a:t>
+            </a:r>
+            <a:br>
+              <a:rPr lang="ko">
+                <a:solidFill>
+                  <a:srgbClr val="333333"/>
+                </a:solidFill>
+              </a:rPr>
+            </a:br>
+            <a:r>
+              <a:rPr lang="ko">
+                <a:solidFill>
+                  <a:srgbClr val="333333"/>
+                </a:solidFill>
+              </a:rPr>
               <a:t>                return false;</a:t>
             </a:r>
             <a:br>
@@ -17938,7 +17635,7 @@
                   <a:srgbClr val="333333"/>
                 </a:solidFill>
               </a:rPr>
-              <a:t/>
+              <a:t>        }</a:t>
             </a:r>
             <a:br>
               <a:rPr lang="ko">
@@ -17947,59 +17644,6 @@
                 </a:solidFill>
               </a:rPr>
             </a:br>
-            <a:r>
-              <a:rPr lang="ko">
-                <a:solidFill>
-                  <a:srgbClr val="333333"/>
-                </a:solidFill>
-              </a:rPr>
-              <a:t>            if (ipValue &lt; range.Item1)</a:t>
-            </a:r>
-            <a:br>
-              <a:rPr lang="ko">
-                <a:solidFill>
-                  <a:srgbClr val="333333"/>
-                </a:solidFill>
-              </a:rPr>
-            </a:br>
-            <a:r>
-              <a:rPr lang="ko">
-                <a:solidFill>
-                  <a:srgbClr val="333333"/>
-                </a:solidFill>
-              </a:rPr>
-              <a:t>                return false;</a:t>
-            </a:r>
-            <a:br>
-              <a:rPr lang="ko">
-                <a:solidFill>
-                  <a:srgbClr val="333333"/>
-                </a:solidFill>
-              </a:rPr>
-            </a:br>
-            <a:r>
-              <a:rPr lang="ko">
-                <a:solidFill>
-                  <a:srgbClr val="333333"/>
-                </a:solidFill>
-              </a:rPr>
-              <a:t>        }</a:t>
-            </a:r>
-            <a:br>
-              <a:rPr lang="ko">
-                <a:solidFill>
-                  <a:srgbClr val="333333"/>
-                </a:solidFill>
-              </a:rPr>
-            </a:br>
-            <a:r>
-              <a:rPr lang="ko">
-                <a:solidFill>
-                  <a:srgbClr val="333333"/>
-                </a:solidFill>
-              </a:rPr>
-              <a:t/>
-            </a:r>
             <a:br>
               <a:rPr lang="ko">
                 <a:solidFill>
@@ -18120,7 +17764,7 @@
               <a:t> </a:t>
             </a:r>
             <a:r>
-              <a:rPr lang="en-US" altLang="ko-KR" sz="4800" smtClean="0"/>
+              <a:rPr lang="en-US" altLang="ko-KR" sz="4800"/>
               <a:t>Socket</a:t>
             </a:r>
             <a:r>
@@ -18943,14 +18587,6 @@
               </a:rPr>
               <a:t>        &lt;add ip="IPv6Any" port="2012" /&gt;</a:t>
             </a:r>
-            <a:r>
-              <a:rPr lang="ko" sz="1000">
-                <a:solidFill>
-                  <a:srgbClr val="333333"/>
-                </a:solidFill>
-              </a:rPr>
-              <a:t/>
-            </a:r>
             <a:br>
               <a:rPr lang="ko" sz="1000">
                 <a:solidFill>
@@ -19217,14 +18853,6 @@
                 </a:solidFill>
               </a:rPr>
               <a:t>                &lt;add ip="Any" port="443" security="tls" /&gt;</a:t>
-            </a:r>
-            <a:r>
-              <a:rPr lang="ko" sz="1000">
-                <a:solidFill>
-                  <a:srgbClr val="333333"/>
-                </a:solidFill>
-              </a:rPr>
-              <a:t/>
             </a:r>
             <a:br>
               <a:rPr lang="ko" sz="1000">
@@ -19640,18 +19268,6 @@
               </a:rPr>
               <a:t>TerminatorReceiveFilter - Terminator Protocol</a:t>
             </a:r>
-            <a:r>
-              <a:rPr lang="en-US" altLang="ko" sz="1600">
-                <a:solidFill>
-                  <a:schemeClr val="dk1"/>
-                </a:solidFill>
-                <a:latin typeface="Malgun Gothic"/>
-                <a:ea typeface="Malgun Gothic"/>
-                <a:cs typeface="Malgun Gothic"/>
-                <a:sym typeface="Malgun Gothic"/>
-              </a:rPr>
-              <a:t/>
-            </a:r>
             <a:br>
               <a:rPr lang="en-US" altLang="ko" sz="1600">
                 <a:solidFill>
@@ -20120,10 +19736,6 @@
               </a:rPr>
               <a:t>// 헤더는 4 바이트 정수값으로 key, 그 다음 body byte[]의 크기를 가리키는 4 바이트 정수값</a:t>
             </a:r>
-            <a:r>
-              <a:rPr lang="ko" dirty="0"/>
-              <a:t/>
-            </a:r>
             <a:br>
               <a:rPr lang="ko" dirty="0"/>
             </a:br>
@@ -20174,10 +19786,6 @@
                 </a:solidFill>
               </a:rPr>
               <a:t>BinaryRequestInfo</a:t>
-            </a:r>
-            <a:r>
-              <a:rPr lang="ko" dirty="0"/>
-              <a:t/>
             </a:r>
             <a:br>
               <a:rPr lang="ko" dirty="0"/>
@@ -20890,10 +20498,6 @@
               <a:rPr lang="ko" sz="1200" b="1" dirty="0"/>
               <a:t>&gt; header, </a:t>
             </a:r>
-            <a:r>
-              <a:rPr lang="en-US" altLang="ko" sz="1200" b="1" dirty="0"/>
-              <a:t/>
-            </a:r>
             <a:br>
               <a:rPr lang="en-US" altLang="ko" sz="1200" b="1" dirty="0"/>
             </a:br>
@@ -21209,10 +20813,6 @@
               </a:rPr>
               <a:t>PacketData</a:t>
             </a:r>
-            <a:r>
-              <a:rPr lang="ko" sz="1200"/>
-              <a:t/>
-            </a:r>
             <a:br>
               <a:rPr lang="ko" sz="1200"/>
             </a:br>
@@ -21347,10 +20947,6 @@
               </a:rPr>
               <a:t>int</a:t>
             </a:r>
-            <a:r>
-              <a:rPr lang="ko" sz="1200"/>
-              <a:t/>
-            </a:r>
             <a:br>
               <a:rPr lang="ko" sz="1200"/>
             </a:br>
@@ -21424,10 +21020,6 @@
                 </a:solidFill>
               </a:rPr>
               <a:t>CommonHandler</a:t>
-            </a:r>
-            <a:r>
-              <a:rPr lang="ko" sz="1200"/>
-              <a:t/>
             </a:r>
             <a:br>
               <a:rPr lang="ko" sz="1200"/>
@@ -21760,10 +21352,6 @@
               </a:rPr>
               <a:t>PK_LOGON</a:t>
             </a:r>
-            <a:r>
-              <a:rPr lang="ko" sz="1200"/>
-              <a:t/>
-            </a:r>
             <a:br>
               <a:rPr lang="ko" sz="1200"/>
             </a:br>
@@ -21885,10 +21473,6 @@
                 </a:solidFill>
               </a:rPr>
               <a:t>PK_CHAT</a:t>
-            </a:r>
-            <a:r>
-              <a:rPr lang="ko" sz="1200"/>
-              <a:t/>
             </a:r>
             <a:br>
               <a:rPr lang="ko" sz="1200"/>
@@ -23072,13 +22656,6 @@
               </a:rPr>
               <a:t> 로그 시스템 사용을 위해 SuperSocket에 있는 log4net.dll 이 필요하다.</a:t>
             </a:r>
-            <a:r>
-              <a:rPr lang="en-US" altLang="ko" sz="1800">
-                <a:latin typeface="맑은 고딕" panose="020B0503020000020004" pitchFamily="50" charset="-127"/>
-                <a:ea typeface="맑은 고딕" panose="020B0503020000020004" pitchFamily="50" charset="-127"/>
-              </a:rPr>
-              <a:t/>
-            </a:r>
             <a:br>
               <a:rPr lang="en-US" altLang="ko" sz="1800">
                 <a:latin typeface="맑은 고딕" panose="020B0503020000020004" pitchFamily="50" charset="-127"/>
@@ -23311,14 +22888,6 @@
               </a:rPr>
               <a:t>Logger.Error("Unknow request");</a:t>
             </a:r>
-            <a:r>
-              <a:rPr lang="ko">
-                <a:solidFill>
-                  <a:srgbClr val="333333"/>
-                </a:solidFill>
-              </a:rPr>
-              <a:t/>
-            </a:r>
             <a:br>
               <a:rPr lang="ko">
                 <a:solidFill>
@@ -23916,13 +23485,6 @@
               </a:rPr>
               <a:t>Linux에서는 mono를 사용하면 SuperSocket으로 만든 프로그램을 실행 가능(다만 mono가 지원하는 닷넷 라이브러리를 사용해야 한다)</a:t>
             </a:r>
-            <a:r>
-              <a:rPr lang="en-US" altLang="ko" sz="1800">
-                <a:latin typeface="맑은 고딕" panose="020B0503020000020004" pitchFamily="50" charset="-127"/>
-                <a:ea typeface="맑은 고딕" panose="020B0503020000020004" pitchFamily="50" charset="-127"/>
-              </a:rPr>
-              <a:t/>
-            </a:r>
             <a:br>
               <a:rPr lang="en-US" altLang="ko" sz="1800">
                 <a:latin typeface="맑은 고딕" panose="020B0503020000020004" pitchFamily="50" charset="-127"/>
@@ -24020,13 +23582,6 @@
               </a:rPr>
               <a:t>" 만으로도 실행 가능</a:t>
             </a:r>
-            <a:r>
-              <a:rPr lang="en-US" altLang="ko" sz="1800">
-                <a:latin typeface="맑은 고딕" panose="020B0503020000020004" pitchFamily="50" charset="-127"/>
-                <a:ea typeface="맑은 고딕" panose="020B0503020000020004" pitchFamily="50" charset="-127"/>
-              </a:rPr>
-              <a:t/>
-            </a:r>
             <a:br>
               <a:rPr lang="en-US" altLang="ko" sz="1800">
                 <a:latin typeface="맑은 고딕" panose="020B0503020000020004" pitchFamily="50" charset="-127"/>
@@ -24089,13 +23644,6 @@
                 <a:ea typeface="맑은 고딕" panose="020B0503020000020004" pitchFamily="50" charset="-127"/>
               </a:rPr>
             </a:br>
-            <a:r>
-              <a:rPr lang="ko" sz="1800">
-                <a:latin typeface="맑은 고딕" panose="020B0503020000020004" pitchFamily="50" charset="-127"/>
-                <a:ea typeface="맑은 고딕" panose="020B0503020000020004" pitchFamily="50" charset="-127"/>
-              </a:rPr>
-              <a:t/>
-            </a:r>
             <a:br>
               <a:rPr lang="ko" sz="1800">
                 <a:latin typeface="맑은 고딕" panose="020B0503020000020004" pitchFamily="50" charset="-127"/>
@@ -24499,15 +24047,6 @@
               </a:rPr>
               <a:t>http://www.codeproject.com/Articles/83102/C-SocketAsyncEventArgs-High-Performance-Socket-Cod</a:t>
             </a:r>
-            <a:r>
-              <a:rPr lang="en-US" altLang="ko-KR" u="sng">
-                <a:solidFill>
-                  <a:srgbClr val="1155CC"/>
-                </a:solidFill>
-                <a:latin typeface="Arial" panose="020B0604020202020204" pitchFamily="34" charset="0"/>
-              </a:rPr>
-              <a:t/>
-            </a:r>
             <a:br>
               <a:rPr lang="en-US" altLang="ko-KR" u="sng">
                 <a:solidFill>
@@ -24543,10 +24082,6 @@
             <a:r>
               <a:rPr lang="ko-KR" altLang="en-US"/>
               <a:t>으로 온라인 게임 서버 만들기</a:t>
-            </a:r>
-            <a:r>
-              <a:rPr lang="en-US" altLang="ko-KR"/>
-              <a:t/>
             </a:r>
             <a:br>
               <a:rPr lang="en-US" altLang="ko-KR"/>
@@ -24620,14 +24155,14 @@
           <a:lstStyle/>
           <a:p>
             <a:r>
-              <a:rPr lang="ko-KR" altLang="en-US" sz="3600" b="1" smtClean="0">
+              <a:rPr lang="ko-KR" altLang="en-US" sz="3600" b="1">
                 <a:latin typeface="맑은 고딕" panose="020B0503020000020004" pitchFamily="50" charset="-127"/>
                 <a:ea typeface="맑은 고딕" panose="020B0503020000020004" pitchFamily="50" charset="-127"/>
               </a:rPr>
               <a:t>강연 문서와 예제 코드는 아래에</a:t>
             </a:r>
             <a:r>
-              <a:rPr lang="en-US" altLang="ko-KR" sz="3600" b="1" smtClean="0">
+              <a:rPr lang="en-US" altLang="ko-KR" sz="3600" b="1">
                 <a:latin typeface="맑은 고딕" panose="020B0503020000020004" pitchFamily="50" charset="-127"/>
                 <a:ea typeface="맑은 고딕" panose="020B0503020000020004" pitchFamily="50" charset="-127"/>
               </a:rPr>
@@ -24635,47 +24170,27 @@
             </a:r>
           </a:p>
           <a:p>
-            <a:endParaRPr lang="en-US" altLang="ko-KR" sz="3600" b="1" smtClean="0">
+            <a:endParaRPr lang="en-US" altLang="ko-KR" sz="3600" b="1">
               <a:latin typeface="맑은 고딕" panose="020B0503020000020004" pitchFamily="50" charset="-127"/>
               <a:ea typeface="맑은 고딕" panose="020B0503020000020004" pitchFamily="50" charset="-127"/>
             </a:endParaRPr>
           </a:p>
           <a:p>
-            <a:r>
-              <a:rPr lang="ko-KR" altLang="en-US" sz="2400" b="1" smtClean="0">
-                <a:latin typeface="맑은 고딕" panose="020B0503020000020004" pitchFamily="50" charset="-127"/>
-                <a:ea typeface="맑은 고딕" panose="020B0503020000020004" pitchFamily="50" charset="-127"/>
-                <a:hlinkClick r:id="rId3"/>
-              </a:rPr>
-              <a:t>https</a:t>
-            </a:r>
             <a:r>
               <a:rPr lang="ko-KR" altLang="en-US" sz="2400" b="1">
                 <a:latin typeface="맑은 고딕" panose="020B0503020000020004" pitchFamily="50" charset="-127"/>
                 <a:ea typeface="맑은 고딕" panose="020B0503020000020004" pitchFamily="50" charset="-127"/>
                 <a:hlinkClick r:id="rId3"/>
               </a:rPr>
-              <a:t>://</a:t>
-            </a:r>
-            <a:r>
-              <a:rPr lang="ko-KR" altLang="en-US" sz="2400" b="1" smtClean="0">
+              <a:t>https://github.com/jacking75/kgc2016_SuperSocket</a:t>
+            </a:r>
+            <a:r>
+              <a:rPr lang="ko-KR" altLang="en-US" sz="2400" b="1">
                 <a:latin typeface="맑은 고딕" panose="020B0503020000020004" pitchFamily="50" charset="-127"/>
                 <a:ea typeface="맑은 고딕" panose="020B0503020000020004" pitchFamily="50" charset="-127"/>
-                <a:hlinkClick r:id="rId3"/>
-              </a:rPr>
-              <a:t>github.com/jacking75/kgc2016_SuperSocket</a:t>
-            </a:r>
-            <a:r>
-              <a:rPr lang="ko-KR" altLang="en-US" sz="2400" b="1" smtClean="0">
-                <a:latin typeface="맑은 고딕" panose="020B0503020000020004" pitchFamily="50" charset="-127"/>
-                <a:ea typeface="맑은 고딕" panose="020B0503020000020004" pitchFamily="50" charset="-127"/>
               </a:rPr>
               <a:t> </a:t>
             </a:r>
-            <a:endParaRPr lang="ko-KR" altLang="en-US" sz="2400" b="1">
-              <a:latin typeface="맑은 고딕" panose="020B0503020000020004" pitchFamily="50" charset="-127"/>
-              <a:ea typeface="맑은 고딕" panose="020B0503020000020004" pitchFamily="50" charset="-127"/>
-            </a:endParaRPr>
           </a:p>
         </p:txBody>
       </p:sp>
@@ -24752,10 +24267,6 @@
               <a:rPr lang="ko" sz="2400" dirty="0"/>
               <a:t>3.5 ~ 4.5까지 지원.</a:t>
             </a:r>
-            <a:r>
-              <a:rPr lang="en-US" altLang="ko" sz="2400" dirty="0"/>
-              <a:t/>
-            </a:r>
             <a:br>
               <a:rPr lang="en-US" altLang="ko" sz="2400" dirty="0"/>
             </a:br>
@@ -24778,10 +24289,6 @@
               <a:rPr lang="ko" sz="2400" dirty="0"/>
               <a:t>Mono, Azure를 지원한다.</a:t>
             </a:r>
-            <a:r>
-              <a:rPr lang="en-US" altLang="ko" sz="2400" dirty="0"/>
-              <a:t/>
-            </a:r>
             <a:br>
               <a:rPr lang="en-US" altLang="ko" sz="2400" dirty="0"/>
             </a:br>
@@ -24804,10 +24311,6 @@
               </a:rPr>
               <a:t>비동기 I/O를 지원. TCP, UDP</a:t>
             </a:r>
-            <a:r>
-              <a:rPr lang="en-US" altLang="ko" sz="2400" dirty="0"/>
-              <a:t/>
-            </a:r>
             <a:br>
               <a:rPr lang="en-US" altLang="ko" sz="2400" dirty="0"/>
             </a:br>
@@ -24846,10 +24349,6 @@
               <a:rPr lang="ko-KR" altLang="en-US" sz="2400" dirty="0"/>
               <a:t>확장 기능 등 다양한 기능 지원</a:t>
             </a:r>
-            <a:r>
-              <a:rPr lang="en-US" altLang="ko-KR" sz="2400" dirty="0"/>
-              <a:t/>
-            </a:r>
             <a:br>
               <a:rPr lang="en-US" altLang="ko-KR" sz="2400" dirty="0"/>
             </a:br>
@@ -24951,14 +24450,6 @@
                 </a:solidFill>
               </a:rPr>
               <a:t> </a:t>
-            </a:r>
-            <a:r>
-              <a:rPr lang="en-US" altLang="ko" sz="2400" dirty="0">
-                <a:solidFill>
-                  <a:schemeClr val="dk1"/>
-                </a:solidFill>
-              </a:rPr>
-              <a:t/>
             </a:r>
             <a:br>
               <a:rPr lang="en-US" altLang="ko" sz="2400" dirty="0">
@@ -25096,14 +24587,6 @@
               </a:rPr>
               <a:t>기준</a:t>
             </a:r>
-            <a:r>
-              <a:rPr lang="en-US" altLang="ko-KR" sz="2400" dirty="0">
-                <a:solidFill>
-                  <a:schemeClr val="dk1"/>
-                </a:solidFill>
-              </a:rPr>
-              <a:t/>
-            </a:r>
             <a:br>
               <a:rPr lang="en-US" altLang="ko-KR" sz="2400" dirty="0">
                 <a:solidFill>
@@ -25127,44 +24610,62 @@
               <a:buChar char="●"/>
             </a:pPr>
             <a:r>
+              <a:rPr lang="en-US" altLang="ko" sz="2400">
+                <a:solidFill>
+                  <a:schemeClr val="dk1"/>
+                </a:solidFill>
+              </a:rPr>
+              <a:t>nuget </a:t>
+            </a:r>
+            <a:r>
+              <a:rPr lang="ko" sz="2400" dirty="0">
+                <a:solidFill>
+                  <a:schemeClr val="dk1"/>
+                </a:solidFill>
+              </a:rPr>
+              <a:t>최신 버전은 1.6</a:t>
+            </a:r>
+            <a:r>
               <a:rPr lang="en-US" altLang="ko" sz="2400" dirty="0">
                 <a:solidFill>
                   <a:schemeClr val="dk1"/>
                 </a:solidFill>
               </a:rPr>
-              <a:t>nugget </a:t>
-            </a:r>
-            <a:r>
-              <a:rPr lang="ko" sz="2400" dirty="0">
+              <a:t>.6.1</a:t>
+            </a:r>
+            <a:br>
+              <a:rPr lang="en-US" altLang="ko" sz="2400" dirty="0">
                 <a:solidFill>
                   <a:schemeClr val="dk1"/>
                 </a:solidFill>
               </a:rPr>
-              <a:t>최신 버전은 1.6</a:t>
-            </a:r>
+            </a:br>
             <a:r>
               <a:rPr lang="en-US" altLang="ko" sz="2400" dirty="0">
                 <a:solidFill>
                   <a:schemeClr val="dk1"/>
                 </a:solidFill>
-              </a:rPr>
-              <a:t>.6.1</a:t>
-            </a:r>
-            <a:br>
+                <a:hlinkClick r:id="rId3"/>
+              </a:rPr>
+              <a:t>https://www</a:t>
+            </a:r>
+            <a:r>
+              <a:rPr lang="en-US" altLang="ko" sz="2400">
+                <a:solidFill>
+                  <a:schemeClr val="dk1"/>
+                </a:solidFill>
+                <a:hlinkClick r:id="rId3"/>
+              </a:rPr>
+              <a:t>.nuget</a:t>
+            </a:r>
+            <a:r>
               <a:rPr lang="en-US" altLang="ko" sz="2400" dirty="0">
                 <a:solidFill>
                   <a:schemeClr val="dk1"/>
                 </a:solidFill>
-              </a:rPr>
-            </a:br>
-            <a:r>
-              <a:rPr lang="en-US" altLang="ko" sz="2400" dirty="0">
-                <a:solidFill>
-                  <a:schemeClr val="dk1"/>
-                </a:solidFill>
                 <a:hlinkClick r:id="rId3"/>
               </a:rPr>
-              <a:t>https://www.nugget.org/packages/SuperSocket/</a:t>
+              <a:t>.org/packages/SuperSocket/</a:t>
             </a:r>
             <a:r>
               <a:rPr lang="en-US" altLang="ko" sz="2400" dirty="0">
@@ -25298,36 +24799,51 @@
               </a:rPr>
               <a:t>버전을 준비 중</a:t>
             </a:r>
-            <a:r>
+            <a:br>
               <a:rPr lang="en-US" altLang="ko-KR" sz="2400" dirty="0">
                 <a:solidFill>
                   <a:schemeClr val="dk1"/>
                 </a:solidFill>
               </a:rPr>
-              <a:t/>
-            </a:r>
-            <a:br>
+            </a:br>
+            <a:r>
               <a:rPr lang="en-US" altLang="ko-KR" sz="2400" dirty="0">
                 <a:solidFill>
                   <a:schemeClr val="dk1"/>
                 </a:solidFill>
               </a:rPr>
-            </a:br>
+              <a:t>Visual Studio Code </a:t>
+            </a:r>
+            <a:r>
+              <a:rPr lang="ko-KR" altLang="en-US" sz="2400" dirty="0">
+                <a:solidFill>
+                  <a:schemeClr val="dk1"/>
+                </a:solidFill>
+              </a:rPr>
+              <a:t>지원</a:t>
+            </a:r>
             <a:r>
               <a:rPr lang="en-US" altLang="ko-KR" sz="2400" dirty="0">
                 <a:solidFill>
                   <a:schemeClr val="dk1"/>
                 </a:solidFill>
               </a:rPr>
-              <a:t>Visual Studio Code </a:t>
-            </a:r>
+              <a:t>. </a:t>
+            </a:r>
+            <a:br>
+              <a:rPr lang="en-US" altLang="ko-KR" sz="2400" dirty="0">
+                <a:solidFill>
+                  <a:schemeClr val="dk1"/>
+                </a:solidFill>
+              </a:rPr>
+            </a:br>
             <a:r>
               <a:rPr lang="ko-KR" altLang="en-US" sz="2400" dirty="0">
                 <a:solidFill>
                   <a:schemeClr val="dk1"/>
                 </a:solidFill>
               </a:rPr>
-              <a:t>지원</a:t>
+              <a:t>어쩌면 </a:t>
             </a:r>
             <a:r>
               <a:rPr lang="en-US" altLang="ko-KR" sz="2400" dirty="0">
@@ -25335,54 +24851,23 @@
                   <a:schemeClr val="dk1"/>
                 </a:solidFill>
               </a:rPr>
-              <a:t>. </a:t>
-            </a:r>
-            <a:br>
+              <a:t>.NET Core</a:t>
+            </a:r>
+            <a:r>
+              <a:rPr lang="ko-KR" altLang="en-US" sz="2400" dirty="0">
+                <a:solidFill>
+                  <a:schemeClr val="dk1"/>
+                </a:solidFill>
+              </a:rPr>
+              <a:t>도 지원</a:t>
+            </a:r>
+            <a:r>
               <a:rPr lang="en-US" altLang="ko-KR" sz="2400" dirty="0">
                 <a:solidFill>
                   <a:schemeClr val="dk1"/>
                 </a:solidFill>
               </a:rPr>
-            </a:br>
-            <a:r>
-              <a:rPr lang="ko-KR" altLang="en-US" sz="2400" dirty="0">
-                <a:solidFill>
-                  <a:schemeClr val="dk1"/>
-                </a:solidFill>
-              </a:rPr>
-              <a:t>어쩌면 </a:t>
-            </a:r>
-            <a:r>
-              <a:rPr lang="en-US" altLang="ko-KR" sz="2400" dirty="0">
-                <a:solidFill>
-                  <a:schemeClr val="dk1"/>
-                </a:solidFill>
-              </a:rPr>
-              <a:t>.NET Core</a:t>
-            </a:r>
-            <a:r>
-              <a:rPr lang="ko-KR" altLang="en-US" sz="2400" dirty="0">
-                <a:solidFill>
-                  <a:schemeClr val="dk1"/>
-                </a:solidFill>
-              </a:rPr>
-              <a:t>도 지원</a:t>
-            </a:r>
-            <a:r>
-              <a:rPr lang="en-US" altLang="ko-KR" sz="2400" dirty="0">
-                <a:solidFill>
-                  <a:schemeClr val="dk1"/>
-                </a:solidFill>
-              </a:rPr>
               <a:t>?</a:t>
-            </a:r>
-            <a:r>
-              <a:rPr lang="en-US" altLang="ko" sz="2400" dirty="0">
-                <a:solidFill>
-                  <a:schemeClr val="dk1"/>
-                </a:solidFill>
-              </a:rPr>
-              <a:t/>
             </a:r>
             <a:br>
               <a:rPr lang="en-US" altLang="ko" sz="2400" dirty="0">
